--- a/框架介绍.pptx
+++ b/框架介绍.pptx
@@ -68,14 +68,14 @@
           <a:noFill/>
         </a:ln>
         <a:solidFill>
-          <a:srgbClr val="838787"/>
+          <a:srgbClr val="222222"/>
         </a:solidFill>
         <a:effectLst/>
         <a:uFillTx/>
-        <a:latin typeface="Avenir Next Medium"/>
-        <a:ea typeface="Avenir Next Medium"/>
-        <a:cs typeface="Avenir Next Medium"/>
-        <a:sym typeface="Avenir Next Medium"/>
+        <a:latin typeface="Baskerville"/>
+        <a:ea typeface="Baskerville"/>
+        <a:cs typeface="Baskerville"/>
+        <a:sym typeface="Baskerville"/>
       </a:defRPr>
     </a:lvl1pPr>
     <a:lvl2pPr marL="0" marR="0" indent="0" algn="l" defTabSz="584200" rtl="0" fontAlgn="auto" latinLnBrk="0" hangingPunct="0">
@@ -98,14 +98,14 @@
           <a:noFill/>
         </a:ln>
         <a:solidFill>
-          <a:srgbClr val="838787"/>
+          <a:srgbClr val="222222"/>
         </a:solidFill>
         <a:effectLst/>
         <a:uFillTx/>
-        <a:latin typeface="Avenir Next Medium"/>
-        <a:ea typeface="Avenir Next Medium"/>
-        <a:cs typeface="Avenir Next Medium"/>
-        <a:sym typeface="Avenir Next Medium"/>
+        <a:latin typeface="Baskerville"/>
+        <a:ea typeface="Baskerville"/>
+        <a:cs typeface="Baskerville"/>
+        <a:sym typeface="Baskerville"/>
       </a:defRPr>
     </a:lvl2pPr>
     <a:lvl3pPr marL="0" marR="0" indent="0" algn="l" defTabSz="584200" rtl="0" fontAlgn="auto" latinLnBrk="0" hangingPunct="0">
@@ -128,14 +128,14 @@
           <a:noFill/>
         </a:ln>
         <a:solidFill>
-          <a:srgbClr val="838787"/>
+          <a:srgbClr val="222222"/>
         </a:solidFill>
         <a:effectLst/>
         <a:uFillTx/>
-        <a:latin typeface="Avenir Next Medium"/>
-        <a:ea typeface="Avenir Next Medium"/>
-        <a:cs typeface="Avenir Next Medium"/>
-        <a:sym typeface="Avenir Next Medium"/>
+        <a:latin typeface="Baskerville"/>
+        <a:ea typeface="Baskerville"/>
+        <a:cs typeface="Baskerville"/>
+        <a:sym typeface="Baskerville"/>
       </a:defRPr>
     </a:lvl3pPr>
     <a:lvl4pPr marL="0" marR="0" indent="0" algn="l" defTabSz="584200" rtl="0" fontAlgn="auto" latinLnBrk="0" hangingPunct="0">
@@ -158,14 +158,14 @@
           <a:noFill/>
         </a:ln>
         <a:solidFill>
-          <a:srgbClr val="838787"/>
+          <a:srgbClr val="222222"/>
         </a:solidFill>
         <a:effectLst/>
         <a:uFillTx/>
-        <a:latin typeface="Avenir Next Medium"/>
-        <a:ea typeface="Avenir Next Medium"/>
-        <a:cs typeface="Avenir Next Medium"/>
-        <a:sym typeface="Avenir Next Medium"/>
+        <a:latin typeface="Baskerville"/>
+        <a:ea typeface="Baskerville"/>
+        <a:cs typeface="Baskerville"/>
+        <a:sym typeface="Baskerville"/>
       </a:defRPr>
     </a:lvl4pPr>
     <a:lvl5pPr marL="0" marR="0" indent="0" algn="l" defTabSz="584200" rtl="0" fontAlgn="auto" latinLnBrk="0" hangingPunct="0">
@@ -188,14 +188,14 @@
           <a:noFill/>
         </a:ln>
         <a:solidFill>
-          <a:srgbClr val="838787"/>
+          <a:srgbClr val="222222"/>
         </a:solidFill>
         <a:effectLst/>
         <a:uFillTx/>
-        <a:latin typeface="Avenir Next Medium"/>
-        <a:ea typeface="Avenir Next Medium"/>
-        <a:cs typeface="Avenir Next Medium"/>
-        <a:sym typeface="Avenir Next Medium"/>
+        <a:latin typeface="Baskerville"/>
+        <a:ea typeface="Baskerville"/>
+        <a:cs typeface="Baskerville"/>
+        <a:sym typeface="Baskerville"/>
       </a:defRPr>
     </a:lvl5pPr>
     <a:lvl6pPr marL="0" marR="0" indent="0" algn="l" defTabSz="584200" rtl="0" fontAlgn="auto" latinLnBrk="0" hangingPunct="0">
@@ -218,14 +218,14 @@
           <a:noFill/>
         </a:ln>
         <a:solidFill>
-          <a:srgbClr val="838787"/>
+          <a:srgbClr val="222222"/>
         </a:solidFill>
         <a:effectLst/>
         <a:uFillTx/>
-        <a:latin typeface="Avenir Next Medium"/>
-        <a:ea typeface="Avenir Next Medium"/>
-        <a:cs typeface="Avenir Next Medium"/>
-        <a:sym typeface="Avenir Next Medium"/>
+        <a:latin typeface="Baskerville"/>
+        <a:ea typeface="Baskerville"/>
+        <a:cs typeface="Baskerville"/>
+        <a:sym typeface="Baskerville"/>
       </a:defRPr>
     </a:lvl6pPr>
     <a:lvl7pPr marL="0" marR="0" indent="0" algn="l" defTabSz="584200" rtl="0" fontAlgn="auto" latinLnBrk="0" hangingPunct="0">
@@ -248,14 +248,14 @@
           <a:noFill/>
         </a:ln>
         <a:solidFill>
-          <a:srgbClr val="838787"/>
+          <a:srgbClr val="222222"/>
         </a:solidFill>
         <a:effectLst/>
         <a:uFillTx/>
-        <a:latin typeface="Avenir Next Medium"/>
-        <a:ea typeface="Avenir Next Medium"/>
-        <a:cs typeface="Avenir Next Medium"/>
-        <a:sym typeface="Avenir Next Medium"/>
+        <a:latin typeface="Baskerville"/>
+        <a:ea typeface="Baskerville"/>
+        <a:cs typeface="Baskerville"/>
+        <a:sym typeface="Baskerville"/>
       </a:defRPr>
     </a:lvl7pPr>
     <a:lvl8pPr marL="0" marR="0" indent="0" algn="l" defTabSz="584200" rtl="0" fontAlgn="auto" latinLnBrk="0" hangingPunct="0">
@@ -278,14 +278,14 @@
           <a:noFill/>
         </a:ln>
         <a:solidFill>
-          <a:srgbClr val="838787"/>
+          <a:srgbClr val="222222"/>
         </a:solidFill>
         <a:effectLst/>
         <a:uFillTx/>
-        <a:latin typeface="Avenir Next Medium"/>
-        <a:ea typeface="Avenir Next Medium"/>
-        <a:cs typeface="Avenir Next Medium"/>
-        <a:sym typeface="Avenir Next Medium"/>
+        <a:latin typeface="Baskerville"/>
+        <a:ea typeface="Baskerville"/>
+        <a:cs typeface="Baskerville"/>
+        <a:sym typeface="Baskerville"/>
       </a:defRPr>
     </a:lvl8pPr>
     <a:lvl9pPr marL="0" marR="0" indent="0" algn="l" defTabSz="584200" rtl="0" fontAlgn="auto" latinLnBrk="0" hangingPunct="0">
@@ -308,14 +308,14 @@
           <a:noFill/>
         </a:ln>
         <a:solidFill>
-          <a:srgbClr val="838787"/>
+          <a:srgbClr val="222222"/>
         </a:solidFill>
         <a:effectLst/>
         <a:uFillTx/>
-        <a:latin typeface="Avenir Next Medium"/>
-        <a:ea typeface="Avenir Next Medium"/>
-        <a:cs typeface="Avenir Next Medium"/>
-        <a:sym typeface="Avenir Next Medium"/>
+        <a:latin typeface="Baskerville"/>
+        <a:ea typeface="Baskerville"/>
+        <a:cs typeface="Baskerville"/>
+        <a:sym typeface="Baskerville"/>
       </a:defRPr>
     </a:lvl9pPr>
   </p:defaultTextStyle>
@@ -345,7 +345,7 @@
       </p:grpSpPr>
       <p:sp>
         <p:nvSpPr>
-          <p:cNvPr id="163" name="Shape 163"/>
+          <p:cNvPr id="167" name="Shape 167"/>
           <p:cNvSpPr/>
           <p:nvPr>
             <p:ph type="sldImg"/>
@@ -370,7 +370,7 @@
       </p:sp>
       <p:sp>
         <p:nvSpPr>
-          <p:cNvPr id="164" name="Shape 164"/>
+          <p:cNvPr id="168" name="Shape 168"/>
           <p:cNvSpPr/>
           <p:nvPr>
             <p:ph type="body" sz="quarter" idx="1"/>
@@ -402,9 +402,9 @@
         <a:spcPct val="117999"/>
       </a:lnSpc>
       <a:defRPr sz="2200">
-        <a:latin typeface="Helvetica Neue"/>
-        <a:ea typeface="Helvetica Neue"/>
-        <a:cs typeface="Helvetica Neue"/>
+        <a:latin typeface="+mj-lt"/>
+        <a:ea typeface="+mj-ea"/>
+        <a:cs typeface="+mj-cs"/>
         <a:sym typeface="Helvetica Neue"/>
       </a:defRPr>
     </a:lvl1pPr>
@@ -413,9 +413,9 @@
         <a:spcPct val="117999"/>
       </a:lnSpc>
       <a:defRPr sz="2200">
-        <a:latin typeface="Helvetica Neue"/>
-        <a:ea typeface="Helvetica Neue"/>
-        <a:cs typeface="Helvetica Neue"/>
+        <a:latin typeface="+mj-lt"/>
+        <a:ea typeface="+mj-ea"/>
+        <a:cs typeface="+mj-cs"/>
         <a:sym typeface="Helvetica Neue"/>
       </a:defRPr>
     </a:lvl2pPr>
@@ -424,9 +424,9 @@
         <a:spcPct val="117999"/>
       </a:lnSpc>
       <a:defRPr sz="2200">
-        <a:latin typeface="Helvetica Neue"/>
-        <a:ea typeface="Helvetica Neue"/>
-        <a:cs typeface="Helvetica Neue"/>
+        <a:latin typeface="+mj-lt"/>
+        <a:ea typeface="+mj-ea"/>
+        <a:cs typeface="+mj-cs"/>
         <a:sym typeface="Helvetica Neue"/>
       </a:defRPr>
     </a:lvl3pPr>
@@ -435,9 +435,9 @@
         <a:spcPct val="117999"/>
       </a:lnSpc>
       <a:defRPr sz="2200">
-        <a:latin typeface="Helvetica Neue"/>
-        <a:ea typeface="Helvetica Neue"/>
-        <a:cs typeface="Helvetica Neue"/>
+        <a:latin typeface="+mj-lt"/>
+        <a:ea typeface="+mj-ea"/>
+        <a:cs typeface="+mj-cs"/>
         <a:sym typeface="Helvetica Neue"/>
       </a:defRPr>
     </a:lvl4pPr>
@@ -446,9 +446,9 @@
         <a:spcPct val="117999"/>
       </a:lnSpc>
       <a:defRPr sz="2200">
-        <a:latin typeface="Helvetica Neue"/>
-        <a:ea typeface="Helvetica Neue"/>
-        <a:cs typeface="Helvetica Neue"/>
+        <a:latin typeface="+mj-lt"/>
+        <a:ea typeface="+mj-ea"/>
+        <a:cs typeface="+mj-cs"/>
         <a:sym typeface="Helvetica Neue"/>
       </a:defRPr>
     </a:lvl5pPr>
@@ -457,9 +457,9 @@
         <a:spcPct val="117999"/>
       </a:lnSpc>
       <a:defRPr sz="2200">
-        <a:latin typeface="Helvetica Neue"/>
-        <a:ea typeface="Helvetica Neue"/>
-        <a:cs typeface="Helvetica Neue"/>
+        <a:latin typeface="+mj-lt"/>
+        <a:ea typeface="+mj-ea"/>
+        <a:cs typeface="+mj-cs"/>
         <a:sym typeface="Helvetica Neue"/>
       </a:defRPr>
     </a:lvl6pPr>
@@ -468,9 +468,9 @@
         <a:spcPct val="117999"/>
       </a:lnSpc>
       <a:defRPr sz="2200">
-        <a:latin typeface="Helvetica Neue"/>
-        <a:ea typeface="Helvetica Neue"/>
-        <a:cs typeface="Helvetica Neue"/>
+        <a:latin typeface="+mj-lt"/>
+        <a:ea typeface="+mj-ea"/>
+        <a:cs typeface="+mj-cs"/>
         <a:sym typeface="Helvetica Neue"/>
       </a:defRPr>
     </a:lvl7pPr>
@@ -479,9 +479,9 @@
         <a:spcPct val="117999"/>
       </a:lnSpc>
       <a:defRPr sz="2200">
-        <a:latin typeface="Helvetica Neue"/>
-        <a:ea typeface="Helvetica Neue"/>
-        <a:cs typeface="Helvetica Neue"/>
+        <a:latin typeface="+mj-lt"/>
+        <a:ea typeface="+mj-ea"/>
+        <a:cs typeface="+mj-cs"/>
         <a:sym typeface="Helvetica Neue"/>
       </a:defRPr>
     </a:lvl8pPr>
@@ -490,9 +490,9 @@
         <a:spcPct val="117999"/>
       </a:lnSpc>
       <a:defRPr sz="2200">
-        <a:latin typeface="Helvetica Neue"/>
-        <a:ea typeface="Helvetica Neue"/>
-        <a:cs typeface="Helvetica Neue"/>
+        <a:latin typeface="+mj-lt"/>
+        <a:ea typeface="+mj-ea"/>
+        <a:cs typeface="+mj-cs"/>
         <a:sym typeface="Helvetica Neue"/>
       </a:defRPr>
     </a:lvl9pPr>
@@ -501,15 +501,8 @@
 </file>
 
 <file path=ppt/slideLayouts/slideLayout1.xml><?xml version="1.0" encoding="utf-8"?>
-<p:sldLayout xmlns:a="http://schemas.openxmlformats.org/drawingml/2006/main" xmlns:r="http://schemas.openxmlformats.org/officeDocument/2006/relationships" xmlns:p="http://schemas.openxmlformats.org/presentationml/2006/main" xmlns:m="http://schemas.openxmlformats.org/officeDocument/2006/math" xmlns:a14="http://schemas.microsoft.com/office/drawing/2010/main" type="title" showMasterSp="0" showMasterPhAnim="1">
+<p:sldLayout xmlns:a="http://schemas.openxmlformats.org/drawingml/2006/main" xmlns:r="http://schemas.openxmlformats.org/officeDocument/2006/relationships" xmlns:p="http://schemas.openxmlformats.org/presentationml/2006/main" xmlns:m="http://schemas.openxmlformats.org/officeDocument/2006/math" xmlns:a14="http://schemas.microsoft.com/office/drawing/2010/main" type="title" showMasterSp="1" showMasterPhAnim="1">
   <p:cSld name="标题与副标题">
-    <p:bg>
-      <p:bgPr>
-        <a:solidFill>
-          <a:srgbClr val="222222"/>
-        </a:solidFill>
-      </p:bgPr>
-    </p:bg>
     <p:spTree>
       <p:nvGrpSpPr>
         <p:cNvPr id="1" name=""/>
@@ -526,73 +519,20 @@
       </p:grpSpPr>
       <p:sp>
         <p:nvSpPr>
-          <p:cNvPr id="12" name="线条"/>
-          <p:cNvSpPr/>
-          <p:nvPr/>
-        </p:nvSpPr>
-        <p:spPr>
-          <a:xfrm flipV="1">
-            <a:off x="406400" y="6140894"/>
-            <a:ext cx="12192000" cy="263"/>
-          </a:xfrm>
-          <a:prstGeom prst="line">
-            <a:avLst/>
-          </a:prstGeom>
-          <a:ln w="38100">
-            <a:solidFill>
-              <a:srgbClr val="A6AAA9"/>
-            </a:solidFill>
-            <a:miter lim="400000"/>
-          </a:ln>
-        </p:spPr>
-        <p:txBody>
-          <a:bodyPr lIns="50800" tIns="50800" rIns="50800" bIns="50800" anchor="ctr"/>
-          <a:lstStyle/>
-          <a:p>
-            <a:pPr defTabSz="457200">
-              <a:spcBef>
-                <a:spcPts val="0"/>
-              </a:spcBef>
-              <a:defRPr sz="1200">
-                <a:solidFill>
-                  <a:srgbClr val="000000"/>
-                </a:solidFill>
-                <a:latin typeface="Helvetica"/>
-                <a:ea typeface="Helvetica"/>
-                <a:cs typeface="Helvetica"/>
-                <a:sym typeface="Helvetica"/>
-              </a:defRPr>
-            </a:pPr>
-          </a:p>
-        </p:txBody>
-      </p:sp>
-      <p:sp>
-        <p:nvSpPr>
-          <p:cNvPr id="13" name="标题文本"/>
+          <p:cNvPr id="12" name="标题文本"/>
           <p:cNvSpPr txBox="1"/>
           <p:nvPr>
             <p:ph type="title"/>
           </p:nvPr>
         </p:nvSpPr>
         <p:spPr>
-          <a:xfrm>
-            <a:off x="406400" y="6426200"/>
-            <a:ext cx="12192000" cy="2705100"/>
-          </a:xfrm>
           <a:prstGeom prst="rect">
             <a:avLst/>
           </a:prstGeom>
         </p:spPr>
         <p:txBody>
           <a:bodyPr/>
-          <a:lstStyle>
-            <a:lvl1pPr>
-              <a:spcBef>
-                <a:spcPts val="0"/>
-              </a:spcBef>
-              <a:defRPr sz="17000"/>
-            </a:lvl1pPr>
-          </a:lstStyle>
+          <a:lstStyle/>
           <a:p>
             <a:pPr/>
             <a:r>
@@ -603,130 +543,20 @@
       </p:sp>
       <p:sp>
         <p:nvSpPr>
-          <p:cNvPr id="14" name="正文级别 1…"/>
+          <p:cNvPr id="13" name="正文级别 1…"/>
           <p:cNvSpPr txBox="1"/>
           <p:nvPr>
             <p:ph type="body" sz="quarter" idx="1"/>
           </p:nvPr>
         </p:nvSpPr>
         <p:spPr>
-          <a:xfrm>
-            <a:off x="406400" y="4267200"/>
-            <a:ext cx="12192000" cy="1803400"/>
-          </a:xfrm>
           <a:prstGeom prst="rect">
             <a:avLst/>
           </a:prstGeom>
         </p:spPr>
         <p:txBody>
-          <a:bodyPr anchor="b"/>
-          <a:lstStyle>
-            <a:lvl1pPr marL="0" indent="0">
-              <a:lnSpc>
-                <a:spcPct val="80000"/>
-              </a:lnSpc>
-              <a:spcBef>
-                <a:spcPts val="2300"/>
-              </a:spcBef>
-              <a:buClrTx/>
-              <a:buSzTx/>
-              <a:buFontTx/>
-              <a:buNone/>
-              <a:defRPr cap="all" sz="5400">
-                <a:solidFill>
-                  <a:srgbClr val="A6AAA9"/>
-                </a:solidFill>
-                <a:latin typeface="+mn-lt"/>
-                <a:ea typeface="+mn-ea"/>
-                <a:cs typeface="+mn-cs"/>
-                <a:sym typeface="Baskerville"/>
-              </a:defRPr>
-            </a:lvl1pPr>
-            <a:lvl2pPr marL="0" indent="0">
-              <a:lnSpc>
-                <a:spcPct val="80000"/>
-              </a:lnSpc>
-              <a:spcBef>
-                <a:spcPts val="2300"/>
-              </a:spcBef>
-              <a:buClrTx/>
-              <a:buSzTx/>
-              <a:buFontTx/>
-              <a:buNone/>
-              <a:defRPr cap="all" sz="5400">
-                <a:solidFill>
-                  <a:srgbClr val="A6AAA9"/>
-                </a:solidFill>
-                <a:latin typeface="+mn-lt"/>
-                <a:ea typeface="+mn-ea"/>
-                <a:cs typeface="+mn-cs"/>
-                <a:sym typeface="Baskerville"/>
-              </a:defRPr>
-            </a:lvl2pPr>
-            <a:lvl3pPr marL="0" indent="0">
-              <a:lnSpc>
-                <a:spcPct val="80000"/>
-              </a:lnSpc>
-              <a:spcBef>
-                <a:spcPts val="2300"/>
-              </a:spcBef>
-              <a:buClrTx/>
-              <a:buSzTx/>
-              <a:buFontTx/>
-              <a:buNone/>
-              <a:defRPr cap="all" sz="5400">
-                <a:solidFill>
-                  <a:srgbClr val="A6AAA9"/>
-                </a:solidFill>
-                <a:latin typeface="+mn-lt"/>
-                <a:ea typeface="+mn-ea"/>
-                <a:cs typeface="+mn-cs"/>
-                <a:sym typeface="Baskerville"/>
-              </a:defRPr>
-            </a:lvl3pPr>
-            <a:lvl4pPr marL="0" indent="0">
-              <a:lnSpc>
-                <a:spcPct val="80000"/>
-              </a:lnSpc>
-              <a:spcBef>
-                <a:spcPts val="2300"/>
-              </a:spcBef>
-              <a:buClrTx/>
-              <a:buSzTx/>
-              <a:buFontTx/>
-              <a:buNone/>
-              <a:defRPr cap="all" sz="5400">
-                <a:solidFill>
-                  <a:srgbClr val="A6AAA9"/>
-                </a:solidFill>
-                <a:latin typeface="+mn-lt"/>
-                <a:ea typeface="+mn-ea"/>
-                <a:cs typeface="+mn-cs"/>
-                <a:sym typeface="Baskerville"/>
-              </a:defRPr>
-            </a:lvl4pPr>
-            <a:lvl5pPr marL="0" indent="0">
-              <a:lnSpc>
-                <a:spcPct val="80000"/>
-              </a:lnSpc>
-              <a:spcBef>
-                <a:spcPts val="2300"/>
-              </a:spcBef>
-              <a:buClrTx/>
-              <a:buSzTx/>
-              <a:buFontTx/>
-              <a:buNone/>
-              <a:defRPr cap="all" sz="5400">
-                <a:solidFill>
-                  <a:srgbClr val="A6AAA9"/>
-                </a:solidFill>
-                <a:latin typeface="+mn-lt"/>
-                <a:ea typeface="+mn-ea"/>
-                <a:cs typeface="+mn-cs"/>
-                <a:sym typeface="Baskerville"/>
-              </a:defRPr>
-            </a:lvl5pPr>
-          </a:lstStyle>
+          <a:bodyPr/>
+          <a:lstStyle/>
           <a:p>
             <a:pPr/>
             <a:r>
@@ -761,17 +591,13 @@
       </p:sp>
       <p:sp>
         <p:nvSpPr>
-          <p:cNvPr id="15" name="幻灯片编号"/>
+          <p:cNvPr id="14" name="幻灯片编号"/>
           <p:cNvSpPr txBox="1"/>
           <p:nvPr>
             <p:ph type="sldNum" sz="quarter" idx="2"/>
           </p:nvPr>
         </p:nvSpPr>
         <p:spPr>
-          <a:xfrm>
-            <a:off x="12182237" y="431800"/>
-            <a:ext cx="419101" cy="457200"/>
-          </a:xfrm>
           <a:prstGeom prst="rect">
             <a:avLst/>
           </a:prstGeom>
@@ -795,15 +621,8 @@
 </file>
 
 <file path=ppt/slideLayouts/slideLayout10.xml><?xml version="1.0" encoding="utf-8"?>
-<p:sldLayout xmlns:a="http://schemas.openxmlformats.org/drawingml/2006/main" xmlns:r="http://schemas.openxmlformats.org/officeDocument/2006/relationships" xmlns:p="http://schemas.openxmlformats.org/presentationml/2006/main" xmlns:m="http://schemas.openxmlformats.org/officeDocument/2006/math" xmlns:a14="http://schemas.microsoft.com/office/drawing/2010/main" type="tx" showMasterSp="1" showMasterPhAnim="1">
+<p:sldLayout xmlns:a="http://schemas.openxmlformats.org/drawingml/2006/main" xmlns:r="http://schemas.openxmlformats.org/officeDocument/2006/relationships" xmlns:p="http://schemas.openxmlformats.org/presentationml/2006/main" xmlns:m="http://schemas.openxmlformats.org/officeDocument/2006/math" xmlns:a14="http://schemas.microsoft.com/office/drawing/2010/main" type="tx" showMasterSp="0" showMasterPhAnim="1">
   <p:cSld name="项目符号">
-    <p:bg>
-      <p:bgPr>
-        <a:solidFill>
-          <a:srgbClr val="222222"/>
-        </a:solidFill>
-      </p:bgPr>
-    </p:bg>
     <p:spTree>
       <p:nvGrpSpPr>
         <p:cNvPr id="1" name=""/>
@@ -820,141 +639,210 @@
       </p:grpSpPr>
       <p:sp>
         <p:nvSpPr>
-          <p:cNvPr id="102" name="文本"/>
+          <p:cNvPr id="104" name="线条"/>
+          <p:cNvSpPr/>
+          <p:nvPr/>
+        </p:nvSpPr>
+        <p:spPr>
+          <a:xfrm flipV="1">
+            <a:off x="406400" y="993160"/>
+            <a:ext cx="12192000" cy="264"/>
+          </a:xfrm>
+          <a:prstGeom prst="line">
+            <a:avLst/>
+          </a:prstGeom>
+          <a:ln w="25400">
+            <a:solidFill>
+              <a:srgbClr val="A6AAA9"/>
+            </a:solidFill>
+            <a:miter lim="400000"/>
+          </a:ln>
+        </p:spPr>
+        <p:txBody>
+          <a:bodyPr lIns="45718" tIns="45718" rIns="45718" bIns="45718"/>
+          <a:lstStyle/>
+          <a:p>
+            <a:pPr>
+              <a:defRPr>
+                <a:solidFill>
+                  <a:srgbClr val="838787"/>
+                </a:solidFill>
+              </a:defRPr>
+            </a:pPr>
+          </a:p>
+        </p:txBody>
+      </p:sp>
+      <p:sp>
+        <p:nvSpPr>
+          <p:cNvPr id="105" name="正文级别 1…"/>
           <p:cNvSpPr txBox="1"/>
           <p:nvPr>
-            <p:ph type="body" sz="quarter" idx="13"/>
+            <p:ph type="body" sz="quarter" idx="1"/>
           </p:nvPr>
         </p:nvSpPr>
         <p:spPr>
           <a:xfrm>
             <a:off x="406400" y="393700"/>
-            <a:ext cx="11176000" cy="520701"/>
+            <a:ext cx="11176000" cy="520702"/>
           </a:xfrm>
           <a:prstGeom prst="rect">
             <a:avLst/>
           </a:prstGeom>
         </p:spPr>
         <p:txBody>
-          <a:bodyPr anchor="b">
-            <a:spAutoFit/>
-          </a:bodyPr>
+          <a:bodyPr/>
           <a:lstStyle>
-            <a:lvl1pPr marL="0" indent="0" defTabSz="457200">
-              <a:lnSpc>
-                <a:spcPct val="80000"/>
-              </a:lnSpc>
+            <a:lvl1pPr defTabSz="457200">
               <a:spcBef>
                 <a:spcPts val="0"/>
               </a:spcBef>
-              <a:buClrTx/>
-              <a:buSzTx/>
-              <a:buFontTx/>
-              <a:buNone/>
-              <a:defRPr b="1" cap="all" spc="120" sz="2400">
-                <a:latin typeface="+mn-lt"/>
-                <a:ea typeface="+mn-ea"/>
-                <a:cs typeface="+mn-cs"/>
-                <a:sym typeface="Baskerville"/>
+              <a:defRPr b="1" spc="120" sz="2400">
+                <a:solidFill>
+                  <a:srgbClr val="838787"/>
+                </a:solidFill>
               </a:defRPr>
             </a:lvl1pPr>
+            <a:lvl2pPr marL="758264" indent="-313764" defTabSz="457200">
+              <a:spcBef>
+                <a:spcPts val="0"/>
+              </a:spcBef>
+              <a:buSzPct val="104999"/>
+              <a:buChar char="‣"/>
+              <a:defRPr b="1" spc="120" sz="2400">
+                <a:solidFill>
+                  <a:srgbClr val="838787"/>
+                </a:solidFill>
+              </a:defRPr>
+            </a:lvl2pPr>
+            <a:lvl3pPr marL="1202764" indent="-313764" defTabSz="457200">
+              <a:spcBef>
+                <a:spcPts val="0"/>
+              </a:spcBef>
+              <a:buSzPct val="104999"/>
+              <a:buChar char="‣"/>
+              <a:defRPr b="1" spc="120" sz="2400">
+                <a:solidFill>
+                  <a:srgbClr val="838787"/>
+                </a:solidFill>
+              </a:defRPr>
+            </a:lvl3pPr>
+            <a:lvl4pPr marL="1647264" indent="-313764" defTabSz="457200">
+              <a:spcBef>
+                <a:spcPts val="0"/>
+              </a:spcBef>
+              <a:buSzPct val="104999"/>
+              <a:buChar char="‣"/>
+              <a:defRPr b="1" spc="120" sz="2400">
+                <a:solidFill>
+                  <a:srgbClr val="838787"/>
+                </a:solidFill>
+              </a:defRPr>
+            </a:lvl4pPr>
+            <a:lvl5pPr marL="2091764" indent="-313764" defTabSz="457200">
+              <a:spcBef>
+                <a:spcPts val="0"/>
+              </a:spcBef>
+              <a:buSzPct val="104999"/>
+              <a:buChar char="‣"/>
+              <a:defRPr b="1" spc="120" sz="2400">
+                <a:solidFill>
+                  <a:srgbClr val="838787"/>
+                </a:solidFill>
+              </a:defRPr>
+            </a:lvl5pPr>
           </a:lstStyle>
           <a:p>
             <a:pPr/>
             <a:r>
-              <a:t>文本</a:t>
-            </a:r>
-          </a:p>
-        </p:txBody>
-      </p:sp>
-      <p:sp>
-        <p:nvSpPr>
-          <p:cNvPr id="103" name="正文级别 1…"/>
+              <a:t>正文级别 1</a:t>
+            </a:r>
+          </a:p>
+          <a:p>
+            <a:pPr lvl="1"/>
+            <a:r>
+              <a:t>正文级别 2</a:t>
+            </a:r>
+          </a:p>
+          <a:p>
+            <a:pPr lvl="2"/>
+            <a:r>
+              <a:t>正文级别 3</a:t>
+            </a:r>
+          </a:p>
+          <a:p>
+            <a:pPr lvl="3"/>
+            <a:r>
+              <a:t>正文级别 4</a:t>
+            </a:r>
+          </a:p>
+          <a:p>
+            <a:pPr lvl="4"/>
+            <a:r>
+              <a:t>正文级别 5</a:t>
+            </a:r>
+          </a:p>
+        </p:txBody>
+      </p:sp>
+      <p:sp>
+        <p:nvSpPr>
+          <p:cNvPr id="106" name="正文级别 1…"/>
           <p:cNvSpPr txBox="1"/>
           <p:nvPr>
-            <p:ph type="body" idx="1"/>
+            <p:ph type="body" idx="13"/>
           </p:nvPr>
         </p:nvSpPr>
         <p:spPr>
+          <a:xfrm>
+            <a:off x="406400" y="2743200"/>
+            <a:ext cx="12192000" cy="6108700"/>
+          </a:xfrm>
           <a:prstGeom prst="rect">
             <a:avLst/>
           </a:prstGeom>
         </p:spPr>
         <p:txBody>
-          <a:bodyPr/>
-          <a:lstStyle>
-            <a:lvl1pPr>
+          <a:bodyPr anchor="t"/>
+          <a:lstStyle/>
+          <a:p>
+            <a:pPr marL="444500" indent="-444500">
+              <a:lnSpc>
+                <a:spcPct val="100000"/>
+              </a:lnSpc>
+              <a:spcBef>
+                <a:spcPts val="2800"/>
+              </a:spcBef>
               <a:buClr>
                 <a:schemeClr val="accent1"/>
               </a:buClr>
+              <a:buSzPct val="104999"/>
+              <a:buFont typeface="Avenir Next"/>
               <a:buChar char="▸"/>
-            </a:lvl1pPr>
-            <a:lvl2pPr>
-              <a:buClr>
-                <a:schemeClr val="accent1"/>
-              </a:buClr>
-              <a:buChar char="▸"/>
-            </a:lvl2pPr>
-            <a:lvl3pPr>
-              <a:buClr>
-                <a:schemeClr val="accent1"/>
-              </a:buClr>
-              <a:buChar char="▸"/>
-            </a:lvl3pPr>
-            <a:lvl4pPr>
-              <a:buClr>
-                <a:schemeClr val="accent1"/>
-              </a:buClr>
-              <a:buChar char="▸"/>
-            </a:lvl4pPr>
-            <a:lvl5pPr>
-              <a:buClr>
-                <a:schemeClr val="accent1"/>
-              </a:buClr>
-              <a:buChar char="▸"/>
-            </a:lvl5pPr>
-          </a:lstStyle>
-          <a:p>
-            <a:pPr/>
-            <a:r>
-              <a:t>正文级别 1</a:t>
-            </a:r>
-          </a:p>
-          <a:p>
-            <a:pPr lvl="1"/>
-            <a:r>
-              <a:t>正文级别 2</a:t>
-            </a:r>
-          </a:p>
-          <a:p>
-            <a:pPr lvl="2"/>
-            <a:r>
-              <a:t>正文级别 3</a:t>
-            </a:r>
-          </a:p>
-          <a:p>
-            <a:pPr lvl="3"/>
-            <a:r>
-              <a:t>正文级别 4</a:t>
-            </a:r>
-          </a:p>
-          <a:p>
-            <a:pPr lvl="4"/>
-            <a:r>
-              <a:t>正文级别 5</a:t>
-            </a:r>
-          </a:p>
-        </p:txBody>
-      </p:sp>
-      <p:sp>
-        <p:nvSpPr>
-          <p:cNvPr id="104" name="幻灯片编号"/>
+              <a:defRPr cap="none" sz="3400">
+                <a:solidFill>
+                  <a:srgbClr val="838787"/>
+                </a:solidFill>
+                <a:latin typeface="Avenir Next Medium"/>
+                <a:ea typeface="Avenir Next Medium"/>
+                <a:cs typeface="Avenir Next Medium"/>
+                <a:sym typeface="Avenir Next Medium"/>
+              </a:defRPr>
+            </a:pPr>
+          </a:p>
+        </p:txBody>
+      </p:sp>
+      <p:sp>
+        <p:nvSpPr>
+          <p:cNvPr id="107" name="幻灯片编号"/>
           <p:cNvSpPr txBox="1"/>
           <p:nvPr>
             <p:ph type="sldNum" sz="quarter" idx="2"/>
           </p:nvPr>
         </p:nvSpPr>
         <p:spPr>
+          <a:xfrm>
+            <a:off x="12174418" y="431800"/>
+            <a:ext cx="419101" cy="457200"/>
+          </a:xfrm>
           <a:prstGeom prst="rect">
             <a:avLst/>
           </a:prstGeom>
@@ -980,13 +868,6 @@
 <file path=ppt/slideLayouts/slideLayout11.xml><?xml version="1.0" encoding="utf-8"?>
 <p:sldLayout xmlns:a="http://schemas.openxmlformats.org/drawingml/2006/main" xmlns:r="http://schemas.openxmlformats.org/officeDocument/2006/relationships" xmlns:p="http://schemas.openxmlformats.org/presentationml/2006/main" xmlns:m="http://schemas.openxmlformats.org/officeDocument/2006/math" xmlns:a14="http://schemas.microsoft.com/office/drawing/2010/main" type="tx" showMasterSp="0" showMasterPhAnim="1">
   <p:cSld name="照片 - 3 联">
-    <p:bg>
-      <p:bgPr>
-        <a:solidFill>
-          <a:srgbClr val="222222"/>
-        </a:solidFill>
-      </p:bgPr>
-    </p:bg>
     <p:spTree>
       <p:nvGrpSpPr>
         <p:cNvPr id="1" name=""/>
@@ -1003,7 +884,7 @@
       </p:grpSpPr>
       <p:sp>
         <p:nvSpPr>
-          <p:cNvPr id="111" name="图像"/>
+          <p:cNvPr id="114" name="图像"/>
           <p:cNvSpPr/>
           <p:nvPr>
             <p:ph type="pic" sz="half" idx="13"/>
@@ -1019,7 +900,7 @@
           </a:prstGeom>
         </p:spPr>
         <p:txBody>
-          <a:bodyPr lIns="91439" tIns="45719" rIns="91439" bIns="45719">
+          <a:bodyPr lIns="91439" tIns="45719" rIns="91439" bIns="45719" anchor="t">
             <a:noAutofit/>
           </a:bodyPr>
           <a:lstStyle/>
@@ -1030,7 +911,7 @@
       </p:sp>
       <p:sp>
         <p:nvSpPr>
-          <p:cNvPr id="112" name="图像"/>
+          <p:cNvPr id="115" name="图像"/>
           <p:cNvSpPr/>
           <p:nvPr>
             <p:ph type="pic" sz="half" idx="14"/>
@@ -1046,7 +927,7 @@
           </a:prstGeom>
         </p:spPr>
         <p:txBody>
-          <a:bodyPr lIns="91439" tIns="45719" rIns="91439" bIns="45719">
+          <a:bodyPr lIns="91439" tIns="45719" rIns="91439" bIns="45719" anchor="t">
             <a:noAutofit/>
           </a:bodyPr>
           <a:lstStyle/>
@@ -1057,7 +938,7 @@
       </p:sp>
       <p:sp>
         <p:nvSpPr>
-          <p:cNvPr id="113" name="图像"/>
+          <p:cNvPr id="116" name="图像"/>
           <p:cNvSpPr/>
           <p:nvPr>
             <p:ph type="pic" idx="15"/>
@@ -1073,7 +954,7 @@
           </a:prstGeom>
         </p:spPr>
         <p:txBody>
-          <a:bodyPr lIns="91439" tIns="45719" rIns="91439" bIns="45719">
+          <a:bodyPr lIns="91439" tIns="45719" rIns="91439" bIns="45719" anchor="t">
             <a:noAutofit/>
           </a:bodyPr>
           <a:lstStyle/>
@@ -1084,13 +965,17 @@
       </p:sp>
       <p:sp>
         <p:nvSpPr>
-          <p:cNvPr id="114" name="幻灯片编号"/>
+          <p:cNvPr id="117" name="幻灯片编号"/>
           <p:cNvSpPr txBox="1"/>
           <p:nvPr>
             <p:ph type="sldNum" sz="quarter" idx="2"/>
           </p:nvPr>
         </p:nvSpPr>
         <p:spPr>
+          <a:xfrm>
+            <a:off x="12174418" y="431800"/>
+            <a:ext cx="419101" cy="457200"/>
+          </a:xfrm>
           <a:prstGeom prst="rect">
             <a:avLst/>
           </a:prstGeom>
@@ -1114,15 +999,8 @@
 </file>
 
 <file path=ppt/slideLayouts/slideLayout12.xml><?xml version="1.0" encoding="utf-8"?>
-<p:sldLayout xmlns:a="http://schemas.openxmlformats.org/drawingml/2006/main" xmlns:r="http://schemas.openxmlformats.org/officeDocument/2006/relationships" xmlns:p="http://schemas.openxmlformats.org/presentationml/2006/main" xmlns:m="http://schemas.openxmlformats.org/officeDocument/2006/math" xmlns:a14="http://schemas.microsoft.com/office/drawing/2010/main" type="tx" showMasterSp="1" showMasterPhAnim="1">
+<p:sldLayout xmlns:a="http://schemas.openxmlformats.org/drawingml/2006/main" xmlns:r="http://schemas.openxmlformats.org/officeDocument/2006/relationships" xmlns:p="http://schemas.openxmlformats.org/presentationml/2006/main" xmlns:m="http://schemas.openxmlformats.org/officeDocument/2006/math" xmlns:a14="http://schemas.microsoft.com/office/drawing/2010/main" type="tx" showMasterSp="0" showMasterPhAnim="1">
   <p:cSld name="引文">
-    <p:bg>
-      <p:bgPr>
-        <a:solidFill>
-          <a:srgbClr val="222222"/>
-        </a:solidFill>
-      </p:bgPr>
-    </p:bg>
     <p:spTree>
       <p:nvGrpSpPr>
         <p:cNvPr id="1" name=""/>
@@ -1139,14 +1017,49 @@
       </p:grpSpPr>
       <p:sp>
         <p:nvSpPr>
-          <p:cNvPr id="121" name="矩形标注"/>
+          <p:cNvPr id="124" name="线条"/>
           <p:cNvSpPr/>
           <p:nvPr/>
         </p:nvSpPr>
         <p:spPr>
+          <a:xfrm flipV="1">
+            <a:off x="406400" y="993160"/>
+            <a:ext cx="12192000" cy="264"/>
+          </a:xfrm>
+          <a:prstGeom prst="line">
+            <a:avLst/>
+          </a:prstGeom>
+          <a:ln w="25400">
+            <a:solidFill>
+              <a:srgbClr val="A6AAA9"/>
+            </a:solidFill>
+            <a:miter lim="400000"/>
+          </a:ln>
+        </p:spPr>
+        <p:txBody>
+          <a:bodyPr lIns="45718" tIns="45718" rIns="45718" bIns="45718"/>
+          <a:lstStyle/>
+          <a:p>
+            <a:pPr>
+              <a:defRPr>
+                <a:solidFill>
+                  <a:srgbClr val="838787"/>
+                </a:solidFill>
+              </a:defRPr>
+            </a:pPr>
+          </a:p>
+        </p:txBody>
+      </p:sp>
+      <p:sp>
+        <p:nvSpPr>
+          <p:cNvPr id="125" name="矩形标注"/>
+          <p:cNvSpPr/>
+          <p:nvPr/>
+        </p:nvSpPr>
+        <p:spPr>
           <a:xfrm>
             <a:off x="469900" y="2362200"/>
-            <a:ext cx="12065000" cy="5229225"/>
+            <a:ext cx="12065001" cy="5229225"/>
           </a:xfrm>
           <a:custGeom>
             <a:avLst/>
@@ -1239,10 +1152,6 @@
                 <a:solidFill>
                   <a:srgbClr val="FFFFFF"/>
                 </a:solidFill>
-                <a:latin typeface="+mn-lt"/>
-                <a:ea typeface="+mn-ea"/>
-                <a:cs typeface="+mn-cs"/>
-                <a:sym typeface="Baskerville"/>
               </a:defRPr>
             </a:pPr>
           </a:p>
@@ -1250,10 +1159,10 @@
       </p:sp>
       <p:sp>
         <p:nvSpPr>
-          <p:cNvPr id="122" name="在此键入引文。"/>
+          <p:cNvPr id="126" name="正文级别 1…"/>
           <p:cNvSpPr txBox="1"/>
           <p:nvPr>
-            <p:ph type="body" sz="quarter" idx="13"/>
+            <p:ph type="body" sz="quarter" idx="1"/>
           </p:nvPr>
         </p:nvSpPr>
         <p:spPr>
@@ -1266,43 +1175,136 @@
           </a:prstGeom>
         </p:spPr>
         <p:txBody>
-          <a:bodyPr>
-            <a:spAutoFit/>
-          </a:bodyPr>
+          <a:bodyPr anchor="t"/>
           <a:lstStyle>
-            <a:lvl1pPr marL="0" indent="0">
-              <a:lnSpc>
-                <a:spcPct val="80000"/>
-              </a:lnSpc>
+            <a:lvl1pPr>
               <a:spcBef>
                 <a:spcPts val="0"/>
               </a:spcBef>
-              <a:buClrTx/>
-              <a:buSzTx/>
-              <a:buFontTx/>
-              <a:buNone/>
-              <a:defRPr b="1" cap="all" sz="9400">
+              <a:defRPr b="1" sz="9400">
                 <a:solidFill>
                   <a:srgbClr val="FFFFFF"/>
                 </a:solidFill>
-                <a:latin typeface="+mn-lt"/>
-                <a:ea typeface="+mn-ea"/>
-                <a:cs typeface="+mn-cs"/>
-                <a:sym typeface="Baskerville"/>
               </a:defRPr>
             </a:lvl1pPr>
+            <a:lvl2pPr marL="1673411" indent="-1228911">
+              <a:spcBef>
+                <a:spcPts val="0"/>
+              </a:spcBef>
+              <a:buSzPct val="104999"/>
+              <a:buChar char="‣"/>
+              <a:defRPr b="1" sz="9400">
+                <a:solidFill>
+                  <a:srgbClr val="FFFFFF"/>
+                </a:solidFill>
+              </a:defRPr>
+            </a:lvl2pPr>
+            <a:lvl3pPr marL="2117911" indent="-1228911">
+              <a:spcBef>
+                <a:spcPts val="0"/>
+              </a:spcBef>
+              <a:buSzPct val="104999"/>
+              <a:buChar char="‣"/>
+              <a:defRPr b="1" sz="9400">
+                <a:solidFill>
+                  <a:srgbClr val="FFFFFF"/>
+                </a:solidFill>
+              </a:defRPr>
+            </a:lvl3pPr>
+            <a:lvl4pPr marL="2562411" indent="-1228911">
+              <a:spcBef>
+                <a:spcPts val="0"/>
+              </a:spcBef>
+              <a:buSzPct val="104999"/>
+              <a:buChar char="‣"/>
+              <a:defRPr b="1" sz="9400">
+                <a:solidFill>
+                  <a:srgbClr val="FFFFFF"/>
+                </a:solidFill>
+              </a:defRPr>
+            </a:lvl4pPr>
+            <a:lvl5pPr marL="3006911" indent="-1228911">
+              <a:spcBef>
+                <a:spcPts val="0"/>
+              </a:spcBef>
+              <a:buSzPct val="104999"/>
+              <a:buChar char="‣"/>
+              <a:defRPr b="1" sz="9400">
+                <a:solidFill>
+                  <a:srgbClr val="FFFFFF"/>
+                </a:solidFill>
+              </a:defRPr>
+            </a:lvl5pPr>
           </a:lstStyle>
           <a:p>
             <a:pPr/>
             <a:r>
-              <a:t>在此键入引文。</a:t>
-            </a:r>
-          </a:p>
-        </p:txBody>
-      </p:sp>
-      <p:sp>
-        <p:nvSpPr>
-          <p:cNvPr id="123" name="Johnny Appleseed"/>
+              <a:t>正文级别 1</a:t>
+            </a:r>
+          </a:p>
+          <a:p>
+            <a:pPr lvl="1"/>
+            <a:r>
+              <a:t>正文级别 2</a:t>
+            </a:r>
+          </a:p>
+          <a:p>
+            <a:pPr lvl="2"/>
+            <a:r>
+              <a:t>正文级别 3</a:t>
+            </a:r>
+          </a:p>
+          <a:p>
+            <a:pPr lvl="3"/>
+            <a:r>
+              <a:t>正文级别 4</a:t>
+            </a:r>
+          </a:p>
+          <a:p>
+            <a:pPr lvl="4"/>
+            <a:r>
+              <a:t>正文级别 5</a:t>
+            </a:r>
+          </a:p>
+        </p:txBody>
+      </p:sp>
+      <p:sp>
+        <p:nvSpPr>
+          <p:cNvPr id="127" name="Johnny Appleseed"/>
+          <p:cNvSpPr txBox="1"/>
+          <p:nvPr>
+            <p:ph type="body" sz="quarter" idx="13"/>
+          </p:nvPr>
+        </p:nvSpPr>
+        <p:spPr>
+          <a:xfrm>
+            <a:off x="406400" y="7789333"/>
+            <a:ext cx="12192000" cy="977902"/>
+          </a:xfrm>
+          <a:prstGeom prst="rect">
+            <a:avLst/>
+          </a:prstGeom>
+        </p:spPr>
+        <p:txBody>
+          <a:bodyPr anchor="t"/>
+          <a:lstStyle/>
+          <a:p>
+            <a:pPr algn="r">
+              <a:spcBef>
+                <a:spcPts val="0"/>
+              </a:spcBef>
+              <a:defRPr cap="none" sz="6000">
+                <a:solidFill>
+                  <a:srgbClr val="838787"/>
+                </a:solidFill>
+              </a:defRPr>
+            </a:pPr>
+          </a:p>
+        </p:txBody>
+      </p:sp>
+      <p:sp>
+        <p:nvSpPr>
+          <p:cNvPr id="128" name="文本"/>
           <p:cNvSpPr txBox="1"/>
           <p:nvPr>
             <p:ph type="body" sz="quarter" idx="14"/>
@@ -1310,103 +1312,43 @@
         </p:nvSpPr>
         <p:spPr>
           <a:xfrm>
-            <a:off x="406400" y="7789333"/>
-            <a:ext cx="12192000" cy="977901"/>
+            <a:off x="406400" y="393700"/>
+            <a:ext cx="11176000" cy="520702"/>
           </a:xfrm>
           <a:prstGeom prst="rect">
             <a:avLst/>
           </a:prstGeom>
         </p:spPr>
         <p:txBody>
-          <a:bodyPr>
-            <a:spAutoFit/>
-          </a:bodyPr>
-          <a:lstStyle>
-            <a:lvl1pPr marL="0" indent="0" algn="r">
-              <a:lnSpc>
-                <a:spcPct val="80000"/>
-              </a:lnSpc>
+          <a:bodyPr/>
+          <a:lstStyle/>
+          <a:p>
+            <a:pPr defTabSz="457200">
               <a:spcBef>
                 <a:spcPts val="0"/>
               </a:spcBef>
-              <a:buClrTx/>
-              <a:buSzTx/>
-              <a:buFontTx/>
-              <a:buNone/>
-              <a:defRPr sz="6000">
-                <a:latin typeface="+mn-lt"/>
-                <a:ea typeface="+mn-ea"/>
-                <a:cs typeface="+mn-cs"/>
-                <a:sym typeface="Baskerville"/>
-              </a:defRPr>
-            </a:lvl1pPr>
-          </a:lstStyle>
-          <a:p>
-            <a:pPr/>
-            <a:r>
-              <a:t>Johnny Appleseed</a:t>
-            </a:r>
-          </a:p>
-        </p:txBody>
-      </p:sp>
-      <p:sp>
-        <p:nvSpPr>
-          <p:cNvPr id="124" name="文本"/>
-          <p:cNvSpPr txBox="1"/>
-          <p:nvPr>
-            <p:ph type="body" sz="quarter" idx="15"/>
-          </p:nvPr>
-        </p:nvSpPr>
-        <p:spPr>
-          <a:xfrm>
-            <a:off x="406400" y="393700"/>
-            <a:ext cx="11176000" cy="520701"/>
-          </a:xfrm>
-          <a:prstGeom prst="rect">
-            <a:avLst/>
-          </a:prstGeom>
-        </p:spPr>
-        <p:txBody>
-          <a:bodyPr anchor="b">
-            <a:spAutoFit/>
-          </a:bodyPr>
-          <a:lstStyle>
-            <a:lvl1pPr marL="0" indent="0" defTabSz="457200">
-              <a:lnSpc>
-                <a:spcPct val="80000"/>
-              </a:lnSpc>
-              <a:spcBef>
-                <a:spcPts val="0"/>
-              </a:spcBef>
-              <a:buClrTx/>
-              <a:buSzTx/>
-              <a:buFontTx/>
-              <a:buNone/>
-              <a:defRPr b="1" cap="all" spc="120" sz="2400">
-                <a:latin typeface="+mn-lt"/>
-                <a:ea typeface="+mn-ea"/>
-                <a:cs typeface="+mn-cs"/>
-                <a:sym typeface="Baskerville"/>
-              </a:defRPr>
-            </a:lvl1pPr>
-          </a:lstStyle>
-          <a:p>
-            <a:pPr/>
-            <a:r>
-              <a:t>文本</a:t>
-            </a:r>
-          </a:p>
-        </p:txBody>
-      </p:sp>
-      <p:sp>
-        <p:nvSpPr>
-          <p:cNvPr id="125" name="幻灯片编号"/>
+              <a:defRPr b="1" spc="100" sz="2400">
+                <a:solidFill>
+                  <a:srgbClr val="838787"/>
+                </a:solidFill>
+              </a:defRPr>
+            </a:pPr>
+          </a:p>
+        </p:txBody>
+      </p:sp>
+      <p:sp>
+        <p:nvSpPr>
+          <p:cNvPr id="129" name="幻灯片编号"/>
           <p:cNvSpPr txBox="1"/>
           <p:nvPr>
             <p:ph type="sldNum" sz="quarter" idx="2"/>
           </p:nvPr>
         </p:nvSpPr>
         <p:spPr>
+          <a:xfrm>
+            <a:off x="12174418" y="431800"/>
+            <a:ext cx="419101" cy="457200"/>
+          </a:xfrm>
           <a:prstGeom prst="rect">
             <a:avLst/>
           </a:prstGeom>
@@ -1455,62 +1397,121 @@
       </p:grpSpPr>
       <p:sp>
         <p:nvSpPr>
-          <p:cNvPr id="132" name="在此键入引文。"/>
+          <p:cNvPr id="136" name="正文级别 1…"/>
           <p:cNvSpPr txBox="1"/>
           <p:nvPr>
-            <p:ph type="body" sz="quarter" idx="13"/>
+            <p:ph type="body" sz="quarter" idx="1"/>
           </p:nvPr>
         </p:nvSpPr>
         <p:spPr>
           <a:xfrm>
             <a:off x="5892800" y="2641600"/>
-            <a:ext cx="6705600" cy="3119121"/>
+            <a:ext cx="6705600" cy="3119122"/>
           </a:xfrm>
           <a:prstGeom prst="rect">
             <a:avLst/>
           </a:prstGeom>
         </p:spPr>
         <p:txBody>
-          <a:bodyPr>
-            <a:spAutoFit/>
-          </a:bodyPr>
+          <a:bodyPr anchor="t"/>
           <a:lstStyle>
-            <a:lvl1pPr marL="0" indent="0">
-              <a:lnSpc>
-                <a:spcPct val="80000"/>
-              </a:lnSpc>
+            <a:lvl1pPr>
               <a:spcBef>
                 <a:spcPts val="0"/>
               </a:spcBef>
-              <a:buClrTx/>
-              <a:buSzTx/>
-              <a:buFontTx/>
-              <a:buNone/>
-              <a:defRPr b="1" cap="all" sz="9400">
+              <a:defRPr b="1" sz="9400">
                 <a:solidFill>
                   <a:srgbClr val="FFFFFF"/>
                 </a:solidFill>
-                <a:latin typeface="+mn-lt"/>
-                <a:ea typeface="+mn-ea"/>
-                <a:cs typeface="+mn-cs"/>
-                <a:sym typeface="Baskerville"/>
               </a:defRPr>
             </a:lvl1pPr>
+            <a:lvl2pPr marL="1673411" indent="-1228911">
+              <a:spcBef>
+                <a:spcPts val="0"/>
+              </a:spcBef>
+              <a:buSzPct val="104999"/>
+              <a:buChar char="‣"/>
+              <a:defRPr b="1" sz="9400">
+                <a:solidFill>
+                  <a:srgbClr val="FFFFFF"/>
+                </a:solidFill>
+              </a:defRPr>
+            </a:lvl2pPr>
+            <a:lvl3pPr marL="2117911" indent="-1228911">
+              <a:spcBef>
+                <a:spcPts val="0"/>
+              </a:spcBef>
+              <a:buSzPct val="104999"/>
+              <a:buChar char="‣"/>
+              <a:defRPr b="1" sz="9400">
+                <a:solidFill>
+                  <a:srgbClr val="FFFFFF"/>
+                </a:solidFill>
+              </a:defRPr>
+            </a:lvl3pPr>
+            <a:lvl4pPr marL="2562411" indent="-1228911">
+              <a:spcBef>
+                <a:spcPts val="0"/>
+              </a:spcBef>
+              <a:buSzPct val="104999"/>
+              <a:buChar char="‣"/>
+              <a:defRPr b="1" sz="9400">
+                <a:solidFill>
+                  <a:srgbClr val="FFFFFF"/>
+                </a:solidFill>
+              </a:defRPr>
+            </a:lvl4pPr>
+            <a:lvl5pPr marL="3006911" indent="-1228911">
+              <a:spcBef>
+                <a:spcPts val="0"/>
+              </a:spcBef>
+              <a:buSzPct val="104999"/>
+              <a:buChar char="‣"/>
+              <a:defRPr b="1" sz="9400">
+                <a:solidFill>
+                  <a:srgbClr val="FFFFFF"/>
+                </a:solidFill>
+              </a:defRPr>
+            </a:lvl5pPr>
           </a:lstStyle>
           <a:p>
             <a:pPr/>
             <a:r>
-              <a:t>在此键入引文。</a:t>
-            </a:r>
-          </a:p>
-        </p:txBody>
-      </p:sp>
-      <p:sp>
-        <p:nvSpPr>
-          <p:cNvPr id="133" name="图像"/>
+              <a:t>正文级别 1</a:t>
+            </a:r>
+          </a:p>
+          <a:p>
+            <a:pPr lvl="1"/>
+            <a:r>
+              <a:t>正文级别 2</a:t>
+            </a:r>
+          </a:p>
+          <a:p>
+            <a:pPr lvl="2"/>
+            <a:r>
+              <a:t>正文级别 3</a:t>
+            </a:r>
+          </a:p>
+          <a:p>
+            <a:pPr lvl="3"/>
+            <a:r>
+              <a:t>正文级别 4</a:t>
+            </a:r>
+          </a:p>
+          <a:p>
+            <a:pPr lvl="4"/>
+            <a:r>
+              <a:t>正文级别 5</a:t>
+            </a:r>
+          </a:p>
+        </p:txBody>
+      </p:sp>
+      <p:sp>
+        <p:nvSpPr>
+          <p:cNvPr id="137" name="图像"/>
           <p:cNvSpPr/>
           <p:nvPr>
-            <p:ph type="pic" idx="14"/>
+            <p:ph type="pic" idx="13"/>
           </p:nvPr>
         </p:nvSpPr>
         <p:spPr>
@@ -1523,7 +1524,7 @@
           </a:prstGeom>
         </p:spPr>
         <p:txBody>
-          <a:bodyPr lIns="91439" tIns="45719" rIns="91439" bIns="45719">
+          <a:bodyPr lIns="91439" tIns="45719" rIns="91439" bIns="45719" anchor="t">
             <a:noAutofit/>
           </a:bodyPr>
           <a:lstStyle/>
@@ -1534,62 +1535,54 @@
       </p:sp>
       <p:sp>
         <p:nvSpPr>
-          <p:cNvPr id="134" name="Johnny Appleseed"/>
+          <p:cNvPr id="138" name="Johnny Appleseed"/>
           <p:cNvSpPr txBox="1"/>
           <p:nvPr>
-            <p:ph type="body" sz="quarter" idx="15"/>
+            <p:ph type="body" sz="quarter" idx="14"/>
           </p:nvPr>
         </p:nvSpPr>
         <p:spPr>
           <a:xfrm>
             <a:off x="5892800" y="7732183"/>
-            <a:ext cx="6705600" cy="977901"/>
+            <a:ext cx="6705600" cy="977902"/>
           </a:xfrm>
           <a:prstGeom prst="rect">
             <a:avLst/>
           </a:prstGeom>
         </p:spPr>
         <p:txBody>
-          <a:bodyPr anchor="ctr">
-            <a:spAutoFit/>
-          </a:bodyPr>
-          <a:lstStyle>
-            <a:lvl1pPr marL="0" indent="0" defTabSz="457200">
+          <a:bodyPr anchor="ctr"/>
+          <a:lstStyle/>
+          <a:p>
+            <a:pPr defTabSz="457200">
+              <a:lnSpc>
+                <a:spcPct val="100000"/>
+              </a:lnSpc>
               <a:spcBef>
                 <a:spcPts val="0"/>
               </a:spcBef>
-              <a:buClrTx/>
-              <a:buSzTx/>
-              <a:buFontTx/>
-              <a:buNone/>
-              <a:defRPr b="1" sz="6000">
+              <a:defRPr b="1" cap="none" sz="6000">
                 <a:solidFill>
                   <a:srgbClr val="232323"/>
                 </a:solidFill>
-                <a:latin typeface="+mn-lt"/>
-                <a:ea typeface="+mn-ea"/>
-                <a:cs typeface="+mn-cs"/>
-                <a:sym typeface="Baskerville"/>
-              </a:defRPr>
-            </a:lvl1pPr>
-          </a:lstStyle>
-          <a:p>
-            <a:pPr/>
-            <a:r>
-              <a:t>Johnny Appleseed</a:t>
-            </a:r>
-          </a:p>
-        </p:txBody>
-      </p:sp>
-      <p:sp>
-        <p:nvSpPr>
-          <p:cNvPr id="135" name="幻灯片编号"/>
+              </a:defRPr>
+            </a:pPr>
+          </a:p>
+        </p:txBody>
+      </p:sp>
+      <p:sp>
+        <p:nvSpPr>
+          <p:cNvPr id="139" name="幻灯片编号"/>
           <p:cNvSpPr txBox="1"/>
           <p:nvPr>
             <p:ph type="sldNum" sz="quarter" idx="2"/>
           </p:nvPr>
         </p:nvSpPr>
         <p:spPr>
+          <a:xfrm>
+            <a:off x="12174418" y="431800"/>
+            <a:ext cx="419101" cy="457200"/>
+          </a:xfrm>
           <a:prstGeom prst="rect">
             <a:avLst/>
           </a:prstGeom>
@@ -1615,6 +1608,2000 @@
 <file path=ppt/slideLayouts/slideLayout14.xml><?xml version="1.0" encoding="utf-8"?>
 <p:sldLayout xmlns:a="http://schemas.openxmlformats.org/drawingml/2006/main" xmlns:r="http://schemas.openxmlformats.org/officeDocument/2006/relationships" xmlns:p="http://schemas.openxmlformats.org/presentationml/2006/main" xmlns:m="http://schemas.openxmlformats.org/officeDocument/2006/math" xmlns:a14="http://schemas.microsoft.com/office/drawing/2010/main" type="tx" showMasterSp="0" showMasterPhAnim="1">
   <p:cSld name="照片">
+    <p:spTree>
+      <p:nvGrpSpPr>
+        <p:cNvPr id="1" name=""/>
+        <p:cNvGrpSpPr/>
+        <p:nvPr/>
+      </p:nvGrpSpPr>
+      <p:grpSpPr>
+        <a:xfrm>
+          <a:off x="0" y="0"/>
+          <a:ext cx="0" cy="0"/>
+          <a:chOff x="0" y="0"/>
+          <a:chExt cx="0" cy="0"/>
+        </a:xfrm>
+      </p:grpSpPr>
+      <p:sp>
+        <p:nvSpPr>
+          <p:cNvPr id="146" name="图像"/>
+          <p:cNvSpPr/>
+          <p:nvPr>
+            <p:ph type="pic" idx="13"/>
+          </p:nvPr>
+        </p:nvSpPr>
+        <p:spPr>
+          <a:xfrm>
+            <a:off x="0" y="0"/>
+            <a:ext cx="13004800" cy="9753600"/>
+          </a:xfrm>
+          <a:prstGeom prst="rect">
+            <a:avLst/>
+          </a:prstGeom>
+        </p:spPr>
+        <p:txBody>
+          <a:bodyPr lIns="91439" tIns="45719" rIns="91439" bIns="45719" anchor="t">
+            <a:noAutofit/>
+          </a:bodyPr>
+          <a:lstStyle/>
+          <a:p>
+            <a:pPr/>
+          </a:p>
+        </p:txBody>
+      </p:sp>
+      <p:sp>
+        <p:nvSpPr>
+          <p:cNvPr id="147" name="幻灯片编号"/>
+          <p:cNvSpPr txBox="1"/>
+          <p:nvPr>
+            <p:ph type="sldNum" sz="quarter" idx="2"/>
+          </p:nvPr>
+        </p:nvSpPr>
+        <p:spPr>
+          <a:xfrm>
+            <a:off x="12174418" y="431800"/>
+            <a:ext cx="419101" cy="457200"/>
+          </a:xfrm>
+          <a:prstGeom prst="rect">
+            <a:avLst/>
+          </a:prstGeom>
+        </p:spPr>
+        <p:txBody>
+          <a:bodyPr/>
+          <a:lstStyle/>
+          <a:p>
+            <a:pPr/>
+            <a:fld id="{86CB4B4D-7CA3-9044-876B-883B54F8677D}" type="slidenum"/>
+          </a:p>
+        </p:txBody>
+      </p:sp>
+    </p:spTree>
+  </p:cSld>
+  <p:clrMapOvr>
+    <a:masterClrMapping/>
+  </p:clrMapOvr>
+  <p:transition xmlns:p14="http://schemas.microsoft.com/office/powerpoint/2010/main" spd="med" advClick="1"/>
+</p:sldLayout>
+</file>
+
+<file path=ppt/slideLayouts/slideLayout15.xml><?xml version="1.0" encoding="utf-8"?>
+<p:sldLayout xmlns:a="http://schemas.openxmlformats.org/drawingml/2006/main" xmlns:r="http://schemas.openxmlformats.org/officeDocument/2006/relationships" xmlns:p="http://schemas.openxmlformats.org/presentationml/2006/main" xmlns:m="http://schemas.openxmlformats.org/officeDocument/2006/math" xmlns:a14="http://schemas.microsoft.com/office/drawing/2010/main" type="tx" showMasterSp="0" showMasterPhAnim="1">
+  <p:cSld name="空白">
+    <p:spTree>
+      <p:nvGrpSpPr>
+        <p:cNvPr id="1" name=""/>
+        <p:cNvGrpSpPr/>
+        <p:nvPr/>
+      </p:nvGrpSpPr>
+      <p:grpSpPr>
+        <a:xfrm>
+          <a:off x="0" y="0"/>
+          <a:ext cx="0" cy="0"/>
+          <a:chOff x="0" y="0"/>
+          <a:chExt cx="0" cy="0"/>
+        </a:xfrm>
+      </p:grpSpPr>
+      <p:sp>
+        <p:nvSpPr>
+          <p:cNvPr id="154" name="幻灯片编号"/>
+          <p:cNvSpPr txBox="1"/>
+          <p:nvPr>
+            <p:ph type="sldNum" sz="quarter" idx="2"/>
+          </p:nvPr>
+        </p:nvSpPr>
+        <p:spPr>
+          <a:xfrm>
+            <a:off x="12174418" y="431800"/>
+            <a:ext cx="419101" cy="457200"/>
+          </a:xfrm>
+          <a:prstGeom prst="rect">
+            <a:avLst/>
+          </a:prstGeom>
+        </p:spPr>
+        <p:txBody>
+          <a:bodyPr/>
+          <a:lstStyle/>
+          <a:p>
+            <a:pPr/>
+            <a:fld id="{86CB4B4D-7CA3-9044-876B-883B54F8677D}" type="slidenum"/>
+          </a:p>
+        </p:txBody>
+      </p:sp>
+    </p:spTree>
+  </p:cSld>
+  <p:clrMapOvr>
+    <a:masterClrMapping/>
+  </p:clrMapOvr>
+  <p:transition xmlns:p14="http://schemas.microsoft.com/office/powerpoint/2010/main" spd="med" advClick="1"/>
+</p:sldLayout>
+</file>
+
+<file path=ppt/slideLayouts/slideLayout16.xml><?xml version="1.0" encoding="utf-8"?>
+<p:sldLayout xmlns:a="http://schemas.openxmlformats.org/drawingml/2006/main" xmlns:r="http://schemas.openxmlformats.org/officeDocument/2006/relationships" xmlns:p="http://schemas.openxmlformats.org/presentationml/2006/main" xmlns:m="http://schemas.openxmlformats.org/officeDocument/2006/math" xmlns:a14="http://schemas.microsoft.com/office/drawing/2010/main" type="tx" showMasterSp="0" showMasterPhAnim="1">
+  <p:cSld name="空白（备选）">
+    <p:bg>
+      <p:bgPr>
+        <a:solidFill>
+          <a:srgbClr val="FFFFFF"/>
+        </a:solidFill>
+      </p:bgPr>
+    </p:bg>
+    <p:spTree>
+      <p:nvGrpSpPr>
+        <p:cNvPr id="1" name=""/>
+        <p:cNvGrpSpPr/>
+        <p:nvPr/>
+      </p:nvGrpSpPr>
+      <p:grpSpPr>
+        <a:xfrm>
+          <a:off x="0" y="0"/>
+          <a:ext cx="0" cy="0"/>
+          <a:chOff x="0" y="0"/>
+          <a:chExt cx="0" cy="0"/>
+        </a:xfrm>
+      </p:grpSpPr>
+      <p:sp>
+        <p:nvSpPr>
+          <p:cNvPr id="161" name="幻灯片编号"/>
+          <p:cNvSpPr txBox="1"/>
+          <p:nvPr>
+            <p:ph type="sldNum" sz="quarter" idx="2"/>
+          </p:nvPr>
+        </p:nvSpPr>
+        <p:spPr>
+          <a:xfrm>
+            <a:off x="12174418" y="431800"/>
+            <a:ext cx="419101" cy="457200"/>
+          </a:xfrm>
+          <a:prstGeom prst="rect">
+            <a:avLst/>
+          </a:prstGeom>
+        </p:spPr>
+        <p:txBody>
+          <a:bodyPr/>
+          <a:lstStyle/>
+          <a:p>
+            <a:pPr/>
+            <a:fld id="{86CB4B4D-7CA3-9044-876B-883B54F8677D}" type="slidenum"/>
+          </a:p>
+        </p:txBody>
+      </p:sp>
+    </p:spTree>
+  </p:cSld>
+  <p:clrMapOvr>
+    <a:masterClrMapping/>
+  </p:clrMapOvr>
+  <p:transition xmlns:p14="http://schemas.microsoft.com/office/powerpoint/2010/main" spd="med" advClick="1"/>
+</p:sldLayout>
+</file>
+
+<file path=ppt/slideLayouts/slideLayout2.xml><?xml version="1.0" encoding="utf-8"?>
+<p:sldLayout xmlns:a="http://schemas.openxmlformats.org/drawingml/2006/main" xmlns:r="http://schemas.openxmlformats.org/officeDocument/2006/relationships" xmlns:p="http://schemas.openxmlformats.org/presentationml/2006/main" xmlns:m="http://schemas.openxmlformats.org/officeDocument/2006/math" xmlns:a14="http://schemas.microsoft.com/office/drawing/2010/main" type="tx" showMasterSp="0" showMasterPhAnim="1">
+  <p:cSld name="照片 - 水平">
+    <p:spTree>
+      <p:nvGrpSpPr>
+        <p:cNvPr id="1" name=""/>
+        <p:cNvGrpSpPr/>
+        <p:nvPr/>
+      </p:nvGrpSpPr>
+      <p:grpSpPr>
+        <a:xfrm>
+          <a:off x="0" y="0"/>
+          <a:ext cx="0" cy="0"/>
+          <a:chOff x="0" y="0"/>
+          <a:chExt cx="0" cy="0"/>
+        </a:xfrm>
+      </p:grpSpPr>
+      <p:sp>
+        <p:nvSpPr>
+          <p:cNvPr id="21" name="图像"/>
+          <p:cNvSpPr/>
+          <p:nvPr>
+            <p:ph type="pic" idx="13"/>
+          </p:nvPr>
+        </p:nvSpPr>
+        <p:spPr>
+          <a:xfrm>
+            <a:off x="0" y="0"/>
+            <a:ext cx="13004800" cy="9753600"/>
+          </a:xfrm>
+          <a:prstGeom prst="rect">
+            <a:avLst/>
+          </a:prstGeom>
+        </p:spPr>
+        <p:txBody>
+          <a:bodyPr lIns="91439" tIns="45719" rIns="91439" bIns="45719" anchor="t">
+            <a:noAutofit/>
+          </a:bodyPr>
+          <a:lstStyle/>
+          <a:p>
+            <a:pPr/>
+          </a:p>
+        </p:txBody>
+      </p:sp>
+      <p:sp>
+        <p:nvSpPr>
+          <p:cNvPr id="22" name="正文级别 1…"/>
+          <p:cNvSpPr txBox="1"/>
+          <p:nvPr>
+            <p:ph type="body" sz="quarter" idx="1"/>
+          </p:nvPr>
+        </p:nvSpPr>
+        <p:spPr>
+          <a:xfrm>
+            <a:off x="406400" y="6140894"/>
+            <a:ext cx="12192000" cy="264"/>
+          </a:xfrm>
+          <a:prstGeom prst="rect">
+            <a:avLst/>
+          </a:prstGeom>
+          <a:ln w="38100">
+            <a:solidFill>
+              <a:srgbClr val="A6AAA9"/>
+            </a:solidFill>
+          </a:ln>
+        </p:spPr>
+        <p:txBody>
+          <a:bodyPr anchor="ctr"/>
+          <a:lstStyle>
+            <a:lvl1pPr marL="444500" indent="-444500">
+              <a:lnSpc>
+                <a:spcPct val="100000"/>
+              </a:lnSpc>
+              <a:spcBef>
+                <a:spcPts val="2800"/>
+              </a:spcBef>
+              <a:buClr>
+                <a:srgbClr val="39A3D5"/>
+              </a:buClr>
+              <a:buSzPct val="104999"/>
+              <a:buFont typeface="Avenir Next"/>
+              <a:buChar char="‣"/>
+              <a:defRPr cap="none" sz="3400">
+                <a:solidFill>
+                  <a:srgbClr val="838787"/>
+                </a:solidFill>
+                <a:latin typeface="Avenir Next Medium"/>
+                <a:ea typeface="Avenir Next Medium"/>
+                <a:cs typeface="Avenir Next Medium"/>
+                <a:sym typeface="Avenir Next Medium"/>
+              </a:defRPr>
+            </a:lvl1pPr>
+            <a:lvl2pPr marL="889000" indent="-444500">
+              <a:lnSpc>
+                <a:spcPct val="100000"/>
+              </a:lnSpc>
+              <a:spcBef>
+                <a:spcPts val="2800"/>
+              </a:spcBef>
+              <a:buClr>
+                <a:srgbClr val="39A3D5"/>
+              </a:buClr>
+              <a:buSzPct val="104999"/>
+              <a:buFont typeface="Avenir Next"/>
+              <a:buChar char="‣"/>
+              <a:defRPr cap="none" sz="3400">
+                <a:solidFill>
+                  <a:srgbClr val="838787"/>
+                </a:solidFill>
+                <a:latin typeface="Avenir Next Medium"/>
+                <a:ea typeface="Avenir Next Medium"/>
+                <a:cs typeface="Avenir Next Medium"/>
+                <a:sym typeface="Avenir Next Medium"/>
+              </a:defRPr>
+            </a:lvl2pPr>
+            <a:lvl3pPr marL="1333500" indent="-444500">
+              <a:lnSpc>
+                <a:spcPct val="100000"/>
+              </a:lnSpc>
+              <a:spcBef>
+                <a:spcPts val="2800"/>
+              </a:spcBef>
+              <a:buClr>
+                <a:srgbClr val="39A3D5"/>
+              </a:buClr>
+              <a:buSzPct val="104999"/>
+              <a:buFont typeface="Avenir Next"/>
+              <a:buChar char="‣"/>
+              <a:defRPr cap="none" sz="3400">
+                <a:solidFill>
+                  <a:srgbClr val="838787"/>
+                </a:solidFill>
+                <a:latin typeface="Avenir Next Medium"/>
+                <a:ea typeface="Avenir Next Medium"/>
+                <a:cs typeface="Avenir Next Medium"/>
+                <a:sym typeface="Avenir Next Medium"/>
+              </a:defRPr>
+            </a:lvl3pPr>
+            <a:lvl4pPr marL="1778000" indent="-444500">
+              <a:lnSpc>
+                <a:spcPct val="100000"/>
+              </a:lnSpc>
+              <a:spcBef>
+                <a:spcPts val="2800"/>
+              </a:spcBef>
+              <a:buClr>
+                <a:srgbClr val="39A3D5"/>
+              </a:buClr>
+              <a:buSzPct val="104999"/>
+              <a:buFont typeface="Avenir Next"/>
+              <a:buChar char="‣"/>
+              <a:defRPr cap="none" sz="3400">
+                <a:solidFill>
+                  <a:srgbClr val="838787"/>
+                </a:solidFill>
+                <a:latin typeface="Avenir Next Medium"/>
+                <a:ea typeface="Avenir Next Medium"/>
+                <a:cs typeface="Avenir Next Medium"/>
+                <a:sym typeface="Avenir Next Medium"/>
+              </a:defRPr>
+            </a:lvl4pPr>
+            <a:lvl5pPr marL="2222500" indent="-444500">
+              <a:lnSpc>
+                <a:spcPct val="100000"/>
+              </a:lnSpc>
+              <a:spcBef>
+                <a:spcPts val="2800"/>
+              </a:spcBef>
+              <a:buClr>
+                <a:srgbClr val="39A3D5"/>
+              </a:buClr>
+              <a:buSzPct val="104999"/>
+              <a:buFont typeface="Avenir Next"/>
+              <a:buChar char="‣"/>
+              <a:defRPr cap="none" sz="3400">
+                <a:solidFill>
+                  <a:srgbClr val="838787"/>
+                </a:solidFill>
+                <a:latin typeface="Avenir Next Medium"/>
+                <a:ea typeface="Avenir Next Medium"/>
+                <a:cs typeface="Avenir Next Medium"/>
+                <a:sym typeface="Avenir Next Medium"/>
+              </a:defRPr>
+            </a:lvl5pPr>
+          </a:lstStyle>
+          <a:p>
+            <a:pPr/>
+            <a:r>
+              <a:t>正文级别 1</a:t>
+            </a:r>
+          </a:p>
+          <a:p>
+            <a:pPr lvl="1"/>
+            <a:r>
+              <a:t>正文级别 2</a:t>
+            </a:r>
+          </a:p>
+          <a:p>
+            <a:pPr lvl="2"/>
+            <a:r>
+              <a:t>正文级别 3</a:t>
+            </a:r>
+          </a:p>
+          <a:p>
+            <a:pPr lvl="3"/>
+            <a:r>
+              <a:t>正文级别 4</a:t>
+            </a:r>
+          </a:p>
+          <a:p>
+            <a:pPr lvl="4"/>
+            <a:r>
+              <a:t>正文级别 5</a:t>
+            </a:r>
+          </a:p>
+        </p:txBody>
+      </p:sp>
+      <p:sp>
+        <p:nvSpPr>
+          <p:cNvPr id="23" name="标题文本"/>
+          <p:cNvSpPr txBox="1"/>
+          <p:nvPr>
+            <p:ph type="title"/>
+          </p:nvPr>
+        </p:nvSpPr>
+        <p:spPr>
+          <a:prstGeom prst="rect">
+            <a:avLst/>
+          </a:prstGeom>
+        </p:spPr>
+        <p:txBody>
+          <a:bodyPr/>
+          <a:lstStyle/>
+          <a:p>
+            <a:pPr/>
+            <a:r>
+              <a:t>标题文本</a:t>
+            </a:r>
+          </a:p>
+        </p:txBody>
+      </p:sp>
+      <p:sp>
+        <p:nvSpPr>
+          <p:cNvPr id="24" name="正文级别 1…"/>
+          <p:cNvSpPr txBox="1"/>
+          <p:nvPr>
+            <p:ph type="body" sz="quarter" idx="14"/>
+          </p:nvPr>
+        </p:nvSpPr>
+        <p:spPr>
+          <a:prstGeom prst="rect">
+            <a:avLst/>
+          </a:prstGeom>
+        </p:spPr>
+        <p:txBody>
+          <a:bodyPr/>
+          <a:lstStyle/>
+          <a:p>
+            <a:pPr/>
+          </a:p>
+        </p:txBody>
+      </p:sp>
+      <p:sp>
+        <p:nvSpPr>
+          <p:cNvPr id="25" name="幻灯片编号"/>
+          <p:cNvSpPr txBox="1"/>
+          <p:nvPr>
+            <p:ph type="sldNum" sz="quarter" idx="2"/>
+          </p:nvPr>
+        </p:nvSpPr>
+        <p:spPr>
+          <a:prstGeom prst="rect">
+            <a:avLst/>
+          </a:prstGeom>
+        </p:spPr>
+        <p:txBody>
+          <a:bodyPr/>
+          <a:lstStyle/>
+          <a:p>
+            <a:pPr/>
+            <a:fld id="{86CB4B4D-7CA3-9044-876B-883B54F8677D}" type="slidenum"/>
+          </a:p>
+        </p:txBody>
+      </p:sp>
+    </p:spTree>
+  </p:cSld>
+  <p:clrMapOvr>
+    <a:masterClrMapping/>
+  </p:clrMapOvr>
+  <p:transition xmlns:p14="http://schemas.microsoft.com/office/powerpoint/2010/main" spd="med" advClick="1"/>
+</p:sldLayout>
+</file>
+
+<file path=ppt/slideLayouts/slideLayout3.xml><?xml version="1.0" encoding="utf-8"?>
+<p:sldLayout xmlns:a="http://schemas.openxmlformats.org/drawingml/2006/main" xmlns:r="http://schemas.openxmlformats.org/officeDocument/2006/relationships" xmlns:p="http://schemas.openxmlformats.org/presentationml/2006/main" xmlns:m="http://schemas.openxmlformats.org/officeDocument/2006/math" xmlns:a14="http://schemas.microsoft.com/office/drawing/2010/main" type="tx" showMasterSp="1" showMasterPhAnim="1">
+  <p:cSld name="标题与副标题（备选）">
+    <p:bg>
+      <p:bgPr>
+        <a:solidFill>
+          <a:srgbClr val="FFFFFF"/>
+        </a:solidFill>
+      </p:bgPr>
+    </p:bg>
+    <p:spTree>
+      <p:nvGrpSpPr>
+        <p:cNvPr id="1" name=""/>
+        <p:cNvGrpSpPr/>
+        <p:nvPr/>
+      </p:nvGrpSpPr>
+      <p:grpSpPr>
+        <a:xfrm>
+          <a:off x="0" y="0"/>
+          <a:ext cx="0" cy="0"/>
+          <a:chOff x="0" y="0"/>
+          <a:chExt cx="0" cy="0"/>
+        </a:xfrm>
+      </p:grpSpPr>
+      <p:sp>
+        <p:nvSpPr>
+          <p:cNvPr id="32" name="标题文本"/>
+          <p:cNvSpPr txBox="1"/>
+          <p:nvPr>
+            <p:ph type="title"/>
+          </p:nvPr>
+        </p:nvSpPr>
+        <p:spPr>
+          <a:prstGeom prst="rect">
+            <a:avLst/>
+          </a:prstGeom>
+        </p:spPr>
+        <p:txBody>
+          <a:bodyPr/>
+          <a:lstStyle/>
+          <a:p>
+            <a:pPr/>
+            <a:r>
+              <a:t>标题文本</a:t>
+            </a:r>
+          </a:p>
+        </p:txBody>
+      </p:sp>
+      <p:sp>
+        <p:nvSpPr>
+          <p:cNvPr id="33" name="正文级别 1…"/>
+          <p:cNvSpPr txBox="1"/>
+          <p:nvPr>
+            <p:ph type="body" sz="quarter" idx="1"/>
+          </p:nvPr>
+        </p:nvSpPr>
+        <p:spPr>
+          <a:prstGeom prst="rect">
+            <a:avLst/>
+          </a:prstGeom>
+        </p:spPr>
+        <p:txBody>
+          <a:bodyPr/>
+          <a:lstStyle/>
+          <a:p>
+            <a:pPr/>
+            <a:r>
+              <a:t>正文级别 1</a:t>
+            </a:r>
+          </a:p>
+          <a:p>
+            <a:pPr lvl="1"/>
+            <a:r>
+              <a:t>正文级别 2</a:t>
+            </a:r>
+          </a:p>
+          <a:p>
+            <a:pPr lvl="2"/>
+            <a:r>
+              <a:t>正文级别 3</a:t>
+            </a:r>
+          </a:p>
+          <a:p>
+            <a:pPr lvl="3"/>
+            <a:r>
+              <a:t>正文级别 4</a:t>
+            </a:r>
+          </a:p>
+          <a:p>
+            <a:pPr lvl="4"/>
+            <a:r>
+              <a:t>正文级别 5</a:t>
+            </a:r>
+          </a:p>
+        </p:txBody>
+      </p:sp>
+      <p:sp>
+        <p:nvSpPr>
+          <p:cNvPr id="34" name="幻灯片编号"/>
+          <p:cNvSpPr txBox="1"/>
+          <p:nvPr>
+            <p:ph type="sldNum" sz="quarter" idx="2"/>
+          </p:nvPr>
+        </p:nvSpPr>
+        <p:spPr>
+          <a:xfrm>
+            <a:off x="12149656" y="419100"/>
+            <a:ext cx="419101" cy="457200"/>
+          </a:xfrm>
+          <a:prstGeom prst="rect">
+            <a:avLst/>
+          </a:prstGeom>
+        </p:spPr>
+        <p:txBody>
+          <a:bodyPr/>
+          <a:lstStyle/>
+          <a:p>
+            <a:pPr/>
+            <a:fld id="{86CB4B4D-7CA3-9044-876B-883B54F8677D}" type="slidenum"/>
+          </a:p>
+        </p:txBody>
+      </p:sp>
+    </p:spTree>
+  </p:cSld>
+  <p:clrMapOvr>
+    <a:masterClrMapping/>
+  </p:clrMapOvr>
+  <p:transition xmlns:p14="http://schemas.microsoft.com/office/powerpoint/2010/main" spd="med" advClick="1"/>
+</p:sldLayout>
+</file>
+
+<file path=ppt/slideLayouts/slideLayout4.xml><?xml version="1.0" encoding="utf-8"?>
+<p:sldLayout xmlns:a="http://schemas.openxmlformats.org/drawingml/2006/main" xmlns:r="http://schemas.openxmlformats.org/officeDocument/2006/relationships" xmlns:p="http://schemas.openxmlformats.org/presentationml/2006/main" xmlns:m="http://schemas.openxmlformats.org/officeDocument/2006/math" xmlns:a14="http://schemas.microsoft.com/office/drawing/2010/main" type="tx" showMasterSp="0" showMasterPhAnim="1">
+  <p:cSld name="标题 - 居中">
+    <p:spTree>
+      <p:nvGrpSpPr>
+        <p:cNvPr id="1" name=""/>
+        <p:cNvGrpSpPr/>
+        <p:nvPr/>
+      </p:nvGrpSpPr>
+      <p:grpSpPr>
+        <a:xfrm>
+          <a:off x="0" y="0"/>
+          <a:ext cx="0" cy="0"/>
+          <a:chOff x="0" y="0"/>
+          <a:chExt cx="0" cy="0"/>
+        </a:xfrm>
+      </p:grpSpPr>
+      <p:sp>
+        <p:nvSpPr>
+          <p:cNvPr id="41" name="标题文本"/>
+          <p:cNvSpPr txBox="1"/>
+          <p:nvPr>
+            <p:ph type="title"/>
+          </p:nvPr>
+        </p:nvSpPr>
+        <p:spPr>
+          <a:xfrm>
+            <a:off x="406400" y="4038600"/>
+            <a:ext cx="12192000" cy="4521200"/>
+          </a:xfrm>
+          <a:prstGeom prst="rect">
+            <a:avLst/>
+          </a:prstGeom>
+        </p:spPr>
+        <p:txBody>
+          <a:bodyPr/>
+          <a:lstStyle/>
+          <a:p>
+            <a:pPr/>
+            <a:r>
+              <a:t>标题文本</a:t>
+            </a:r>
+          </a:p>
+        </p:txBody>
+      </p:sp>
+      <p:sp>
+        <p:nvSpPr>
+          <p:cNvPr id="42" name="幻灯片编号"/>
+          <p:cNvSpPr txBox="1"/>
+          <p:nvPr>
+            <p:ph type="sldNum" sz="quarter" idx="2"/>
+          </p:nvPr>
+        </p:nvSpPr>
+        <p:spPr>
+          <a:prstGeom prst="rect">
+            <a:avLst/>
+          </a:prstGeom>
+        </p:spPr>
+        <p:txBody>
+          <a:bodyPr/>
+          <a:lstStyle/>
+          <a:p>
+            <a:pPr/>
+            <a:fld id="{86CB4B4D-7CA3-9044-876B-883B54F8677D}" type="slidenum"/>
+          </a:p>
+        </p:txBody>
+      </p:sp>
+    </p:spTree>
+  </p:cSld>
+  <p:clrMapOvr>
+    <a:masterClrMapping/>
+  </p:clrMapOvr>
+  <p:transition xmlns:p14="http://schemas.microsoft.com/office/powerpoint/2010/main" spd="med" advClick="1"/>
+</p:sldLayout>
+</file>
+
+<file path=ppt/slideLayouts/slideLayout5.xml><?xml version="1.0" encoding="utf-8"?>
+<p:sldLayout xmlns:a="http://schemas.openxmlformats.org/drawingml/2006/main" xmlns:r="http://schemas.openxmlformats.org/officeDocument/2006/relationships" xmlns:p="http://schemas.openxmlformats.org/presentationml/2006/main" xmlns:m="http://schemas.openxmlformats.org/officeDocument/2006/math" xmlns:a14="http://schemas.microsoft.com/office/drawing/2010/main" type="tx" showMasterSp="0" showMasterPhAnim="1">
+  <p:cSld name="照片 - 垂直">
+    <p:spTree>
+      <p:nvGrpSpPr>
+        <p:cNvPr id="1" name=""/>
+        <p:cNvGrpSpPr/>
+        <p:nvPr/>
+      </p:nvGrpSpPr>
+      <p:grpSpPr>
+        <a:xfrm>
+          <a:off x="0" y="0"/>
+          <a:ext cx="0" cy="0"/>
+          <a:chOff x="0" y="0"/>
+          <a:chExt cx="0" cy="0"/>
+        </a:xfrm>
+      </p:grpSpPr>
+      <p:sp>
+        <p:nvSpPr>
+          <p:cNvPr id="49" name="线条"/>
+          <p:cNvSpPr/>
+          <p:nvPr/>
+        </p:nvSpPr>
+        <p:spPr>
+          <a:xfrm flipV="1">
+            <a:off x="5892800" y="6141011"/>
+            <a:ext cx="6705600" cy="146"/>
+          </a:xfrm>
+          <a:prstGeom prst="line">
+            <a:avLst/>
+          </a:prstGeom>
+          <a:ln w="38100">
+            <a:solidFill>
+              <a:srgbClr val="A6AAA9"/>
+            </a:solidFill>
+            <a:miter lim="400000"/>
+          </a:ln>
+        </p:spPr>
+        <p:txBody>
+          <a:bodyPr lIns="45718" tIns="45718" rIns="45718" bIns="45718"/>
+          <a:lstStyle/>
+          <a:p>
+            <a:pPr>
+              <a:defRPr>
+                <a:solidFill>
+                  <a:srgbClr val="838787"/>
+                </a:solidFill>
+              </a:defRPr>
+            </a:pPr>
+          </a:p>
+        </p:txBody>
+      </p:sp>
+      <p:sp>
+        <p:nvSpPr>
+          <p:cNvPr id="50" name="图像"/>
+          <p:cNvSpPr/>
+          <p:nvPr>
+            <p:ph type="pic" idx="13"/>
+          </p:nvPr>
+        </p:nvSpPr>
+        <p:spPr>
+          <a:xfrm>
+            <a:off x="0" y="0"/>
+            <a:ext cx="5486400" cy="9753600"/>
+          </a:xfrm>
+          <a:prstGeom prst="rect">
+            <a:avLst/>
+          </a:prstGeom>
+        </p:spPr>
+        <p:txBody>
+          <a:bodyPr lIns="91439" tIns="45719" rIns="91439" bIns="45719" anchor="t">
+            <a:noAutofit/>
+          </a:bodyPr>
+          <a:lstStyle/>
+          <a:p>
+            <a:pPr/>
+          </a:p>
+        </p:txBody>
+      </p:sp>
+      <p:sp>
+        <p:nvSpPr>
+          <p:cNvPr id="51" name="标题文本"/>
+          <p:cNvSpPr txBox="1"/>
+          <p:nvPr>
+            <p:ph type="title"/>
+          </p:nvPr>
+        </p:nvSpPr>
+        <p:spPr>
+          <a:xfrm>
+            <a:off x="5892800" y="6426200"/>
+            <a:ext cx="6705600" cy="2705100"/>
+          </a:xfrm>
+          <a:prstGeom prst="rect">
+            <a:avLst/>
+          </a:prstGeom>
+        </p:spPr>
+        <p:txBody>
+          <a:bodyPr/>
+          <a:lstStyle/>
+          <a:p>
+            <a:pPr/>
+            <a:r>
+              <a:t>标题文本</a:t>
+            </a:r>
+          </a:p>
+        </p:txBody>
+      </p:sp>
+      <p:sp>
+        <p:nvSpPr>
+          <p:cNvPr id="52" name="正文级别 1…"/>
+          <p:cNvSpPr txBox="1"/>
+          <p:nvPr>
+            <p:ph type="body" sz="quarter" idx="1"/>
+          </p:nvPr>
+        </p:nvSpPr>
+        <p:spPr>
+          <a:xfrm>
+            <a:off x="5892800" y="4267200"/>
+            <a:ext cx="6705600" cy="1803400"/>
+          </a:xfrm>
+          <a:prstGeom prst="rect">
+            <a:avLst/>
+          </a:prstGeom>
+        </p:spPr>
+        <p:txBody>
+          <a:bodyPr/>
+          <a:lstStyle/>
+          <a:p>
+            <a:pPr/>
+            <a:r>
+              <a:t>正文级别 1</a:t>
+            </a:r>
+          </a:p>
+          <a:p>
+            <a:pPr lvl="1"/>
+            <a:r>
+              <a:t>正文级别 2</a:t>
+            </a:r>
+          </a:p>
+          <a:p>
+            <a:pPr lvl="2"/>
+            <a:r>
+              <a:t>正文级别 3</a:t>
+            </a:r>
+          </a:p>
+          <a:p>
+            <a:pPr lvl="3"/>
+            <a:r>
+              <a:t>正文级别 4</a:t>
+            </a:r>
+          </a:p>
+          <a:p>
+            <a:pPr lvl="4"/>
+            <a:r>
+              <a:t>正文级别 5</a:t>
+            </a:r>
+          </a:p>
+        </p:txBody>
+      </p:sp>
+      <p:sp>
+        <p:nvSpPr>
+          <p:cNvPr id="53" name="幻灯片编号"/>
+          <p:cNvSpPr txBox="1"/>
+          <p:nvPr>
+            <p:ph type="sldNum" sz="quarter" idx="2"/>
+          </p:nvPr>
+        </p:nvSpPr>
+        <p:spPr>
+          <a:prstGeom prst="rect">
+            <a:avLst/>
+          </a:prstGeom>
+        </p:spPr>
+        <p:txBody>
+          <a:bodyPr/>
+          <a:lstStyle/>
+          <a:p>
+            <a:pPr/>
+            <a:fld id="{86CB4B4D-7CA3-9044-876B-883B54F8677D}" type="slidenum"/>
+          </a:p>
+        </p:txBody>
+      </p:sp>
+    </p:spTree>
+  </p:cSld>
+  <p:clrMapOvr>
+    <a:masterClrMapping/>
+  </p:clrMapOvr>
+  <p:transition xmlns:p14="http://schemas.microsoft.com/office/powerpoint/2010/main" spd="med" advClick="1"/>
+</p:sldLayout>
+</file>
+
+<file path=ppt/slideLayouts/slideLayout6.xml><?xml version="1.0" encoding="utf-8"?>
+<p:sldLayout xmlns:a="http://schemas.openxmlformats.org/drawingml/2006/main" xmlns:r="http://schemas.openxmlformats.org/officeDocument/2006/relationships" xmlns:p="http://schemas.openxmlformats.org/presentationml/2006/main" xmlns:m="http://schemas.openxmlformats.org/officeDocument/2006/math" xmlns:a14="http://schemas.microsoft.com/office/drawing/2010/main" type="tx" showMasterSp="0" showMasterPhAnim="1">
+  <p:cSld name="标题 - 顶部对齐">
+    <p:bg>
+      <p:bgPr>
+        <a:solidFill>
+          <a:srgbClr val="FFFFFF"/>
+        </a:solidFill>
+      </p:bgPr>
+    </p:bg>
+    <p:spTree>
+      <p:nvGrpSpPr>
+        <p:cNvPr id="1" name=""/>
+        <p:cNvGrpSpPr/>
+        <p:nvPr/>
+      </p:nvGrpSpPr>
+      <p:grpSpPr>
+        <a:xfrm>
+          <a:off x="0" y="0"/>
+          <a:ext cx="0" cy="0"/>
+          <a:chOff x="0" y="0"/>
+          <a:chExt cx="0" cy="0"/>
+        </a:xfrm>
+      </p:grpSpPr>
+      <p:sp>
+        <p:nvSpPr>
+          <p:cNvPr id="60" name="线条"/>
+          <p:cNvSpPr/>
+          <p:nvPr/>
+        </p:nvSpPr>
+        <p:spPr>
+          <a:xfrm flipV="1">
+            <a:off x="406400" y="993160"/>
+            <a:ext cx="12192000" cy="264"/>
+          </a:xfrm>
+          <a:prstGeom prst="line">
+            <a:avLst/>
+          </a:prstGeom>
+          <a:ln w="25400">
+            <a:solidFill>
+              <a:srgbClr val="A6AAA9"/>
+            </a:solidFill>
+            <a:miter lim="400000"/>
+          </a:ln>
+        </p:spPr>
+        <p:txBody>
+          <a:bodyPr lIns="45718" tIns="45718" rIns="45718" bIns="45718"/>
+          <a:lstStyle/>
+          <a:p>
+            <a:pPr>
+              <a:defRPr>
+                <a:solidFill>
+                  <a:srgbClr val="838787"/>
+                </a:solidFill>
+              </a:defRPr>
+            </a:pPr>
+          </a:p>
+        </p:txBody>
+      </p:sp>
+      <p:sp>
+        <p:nvSpPr>
+          <p:cNvPr id="61" name="正文级别 1…"/>
+          <p:cNvSpPr txBox="1"/>
+          <p:nvPr>
+            <p:ph type="body" sz="quarter" idx="1"/>
+          </p:nvPr>
+        </p:nvSpPr>
+        <p:spPr>
+          <a:xfrm>
+            <a:off x="406400" y="393700"/>
+            <a:ext cx="11176000" cy="520702"/>
+          </a:xfrm>
+          <a:prstGeom prst="rect">
+            <a:avLst/>
+          </a:prstGeom>
+        </p:spPr>
+        <p:txBody>
+          <a:bodyPr/>
+          <a:lstStyle>
+            <a:lvl1pPr defTabSz="457200">
+              <a:spcBef>
+                <a:spcPts val="0"/>
+              </a:spcBef>
+              <a:defRPr b="1" spc="120" sz="2400">
+                <a:solidFill>
+                  <a:srgbClr val="838787"/>
+                </a:solidFill>
+              </a:defRPr>
+            </a:lvl1pPr>
+            <a:lvl2pPr marL="758264" indent="-313764" defTabSz="457200">
+              <a:spcBef>
+                <a:spcPts val="0"/>
+              </a:spcBef>
+              <a:buSzPct val="104999"/>
+              <a:buChar char="‣"/>
+              <a:defRPr b="1" spc="120" sz="2400">
+                <a:solidFill>
+                  <a:srgbClr val="838787"/>
+                </a:solidFill>
+              </a:defRPr>
+            </a:lvl2pPr>
+            <a:lvl3pPr marL="1202764" indent="-313764" defTabSz="457200">
+              <a:spcBef>
+                <a:spcPts val="0"/>
+              </a:spcBef>
+              <a:buSzPct val="104999"/>
+              <a:buChar char="‣"/>
+              <a:defRPr b="1" spc="120" sz="2400">
+                <a:solidFill>
+                  <a:srgbClr val="838787"/>
+                </a:solidFill>
+              </a:defRPr>
+            </a:lvl3pPr>
+            <a:lvl4pPr marL="1647264" indent="-313764" defTabSz="457200">
+              <a:spcBef>
+                <a:spcPts val="0"/>
+              </a:spcBef>
+              <a:buSzPct val="104999"/>
+              <a:buChar char="‣"/>
+              <a:defRPr b="1" spc="120" sz="2400">
+                <a:solidFill>
+                  <a:srgbClr val="838787"/>
+                </a:solidFill>
+              </a:defRPr>
+            </a:lvl4pPr>
+            <a:lvl5pPr marL="2091764" indent="-313764" defTabSz="457200">
+              <a:spcBef>
+                <a:spcPts val="0"/>
+              </a:spcBef>
+              <a:buSzPct val="104999"/>
+              <a:buChar char="‣"/>
+              <a:defRPr b="1" spc="120" sz="2400">
+                <a:solidFill>
+                  <a:srgbClr val="838787"/>
+                </a:solidFill>
+              </a:defRPr>
+            </a:lvl5pPr>
+          </a:lstStyle>
+          <a:p>
+            <a:pPr/>
+            <a:r>
+              <a:t>正文级别 1</a:t>
+            </a:r>
+          </a:p>
+          <a:p>
+            <a:pPr lvl="1"/>
+            <a:r>
+              <a:t>正文级别 2</a:t>
+            </a:r>
+          </a:p>
+          <a:p>
+            <a:pPr lvl="2"/>
+            <a:r>
+              <a:t>正文级别 3</a:t>
+            </a:r>
+          </a:p>
+          <a:p>
+            <a:pPr lvl="3"/>
+            <a:r>
+              <a:t>正文级别 4</a:t>
+            </a:r>
+          </a:p>
+          <a:p>
+            <a:pPr lvl="4"/>
+            <a:r>
+              <a:t>正文级别 5</a:t>
+            </a:r>
+          </a:p>
+        </p:txBody>
+      </p:sp>
+      <p:sp>
+        <p:nvSpPr>
+          <p:cNvPr id="62" name="标题文本"/>
+          <p:cNvSpPr txBox="1"/>
+          <p:nvPr>
+            <p:ph type="title"/>
+          </p:nvPr>
+        </p:nvSpPr>
+        <p:spPr>
+          <a:xfrm>
+            <a:off x="406400" y="1536700"/>
+            <a:ext cx="12192000" cy="723900"/>
+          </a:xfrm>
+          <a:prstGeom prst="rect">
+            <a:avLst/>
+          </a:prstGeom>
+        </p:spPr>
+        <p:txBody>
+          <a:bodyPr/>
+          <a:lstStyle>
+            <a:lvl1pPr>
+              <a:spcBef>
+                <a:spcPts val="2800"/>
+              </a:spcBef>
+              <a:defRPr sz="6000"/>
+            </a:lvl1pPr>
+          </a:lstStyle>
+          <a:p>
+            <a:pPr/>
+            <a:r>
+              <a:t>标题文本</a:t>
+            </a:r>
+          </a:p>
+        </p:txBody>
+      </p:sp>
+      <p:sp>
+        <p:nvSpPr>
+          <p:cNvPr id="63" name="幻灯片编号"/>
+          <p:cNvSpPr txBox="1"/>
+          <p:nvPr>
+            <p:ph type="sldNum" sz="quarter" idx="2"/>
+          </p:nvPr>
+        </p:nvSpPr>
+        <p:spPr>
+          <a:xfrm>
+            <a:off x="12174418" y="431800"/>
+            <a:ext cx="419101" cy="457200"/>
+          </a:xfrm>
+          <a:prstGeom prst="rect">
+            <a:avLst/>
+          </a:prstGeom>
+        </p:spPr>
+        <p:txBody>
+          <a:bodyPr/>
+          <a:lstStyle/>
+          <a:p>
+            <a:pPr/>
+            <a:fld id="{86CB4B4D-7CA3-9044-876B-883B54F8677D}" type="slidenum"/>
+          </a:p>
+        </p:txBody>
+      </p:sp>
+    </p:spTree>
+  </p:cSld>
+  <p:clrMapOvr>
+    <a:masterClrMapping/>
+  </p:clrMapOvr>
+  <p:transition xmlns:p14="http://schemas.microsoft.com/office/powerpoint/2010/main" spd="med" advClick="1"/>
+</p:sldLayout>
+</file>
+
+<file path=ppt/slideLayouts/slideLayout7.xml><?xml version="1.0" encoding="utf-8"?>
+<p:sldLayout xmlns:a="http://schemas.openxmlformats.org/drawingml/2006/main" xmlns:r="http://schemas.openxmlformats.org/officeDocument/2006/relationships" xmlns:p="http://schemas.openxmlformats.org/presentationml/2006/main" xmlns:m="http://schemas.openxmlformats.org/officeDocument/2006/math" xmlns:a14="http://schemas.microsoft.com/office/drawing/2010/main" type="tx" showMasterSp="0" showMasterPhAnim="1">
+  <p:cSld name="标题与项目符号">
+    <p:spTree>
+      <p:nvGrpSpPr>
+        <p:cNvPr id="1" name=""/>
+        <p:cNvGrpSpPr/>
+        <p:nvPr/>
+      </p:nvGrpSpPr>
+      <p:grpSpPr>
+        <a:xfrm>
+          <a:off x="0" y="0"/>
+          <a:ext cx="0" cy="0"/>
+          <a:chOff x="0" y="0"/>
+          <a:chExt cx="0" cy="0"/>
+        </a:xfrm>
+      </p:grpSpPr>
+      <p:sp>
+        <p:nvSpPr>
+          <p:cNvPr id="70" name="线条"/>
+          <p:cNvSpPr/>
+          <p:nvPr/>
+        </p:nvSpPr>
+        <p:spPr>
+          <a:xfrm flipV="1">
+            <a:off x="406400" y="993160"/>
+            <a:ext cx="12192000" cy="264"/>
+          </a:xfrm>
+          <a:prstGeom prst="line">
+            <a:avLst/>
+          </a:prstGeom>
+          <a:ln w="25400">
+            <a:solidFill>
+              <a:srgbClr val="A6AAA9"/>
+            </a:solidFill>
+            <a:miter lim="400000"/>
+          </a:ln>
+        </p:spPr>
+        <p:txBody>
+          <a:bodyPr lIns="45718" tIns="45718" rIns="45718" bIns="45718"/>
+          <a:lstStyle/>
+          <a:p>
+            <a:pPr>
+              <a:defRPr>
+                <a:solidFill>
+                  <a:srgbClr val="838787"/>
+                </a:solidFill>
+              </a:defRPr>
+            </a:pPr>
+          </a:p>
+        </p:txBody>
+      </p:sp>
+      <p:sp>
+        <p:nvSpPr>
+          <p:cNvPr id="71" name="正文级别 1…"/>
+          <p:cNvSpPr txBox="1"/>
+          <p:nvPr>
+            <p:ph type="body" sz="quarter" idx="1"/>
+          </p:nvPr>
+        </p:nvSpPr>
+        <p:spPr>
+          <a:xfrm>
+            <a:off x="406400" y="393700"/>
+            <a:ext cx="11176000" cy="520702"/>
+          </a:xfrm>
+          <a:prstGeom prst="rect">
+            <a:avLst/>
+          </a:prstGeom>
+        </p:spPr>
+        <p:txBody>
+          <a:bodyPr/>
+          <a:lstStyle>
+            <a:lvl1pPr defTabSz="457200">
+              <a:spcBef>
+                <a:spcPts val="0"/>
+              </a:spcBef>
+              <a:defRPr b="1" spc="120" sz="2400">
+                <a:solidFill>
+                  <a:srgbClr val="838787"/>
+                </a:solidFill>
+              </a:defRPr>
+            </a:lvl1pPr>
+            <a:lvl2pPr marL="758264" indent="-313764" defTabSz="457200">
+              <a:spcBef>
+                <a:spcPts val="0"/>
+              </a:spcBef>
+              <a:buSzPct val="104999"/>
+              <a:buChar char="‣"/>
+              <a:defRPr b="1" spc="120" sz="2400">
+                <a:solidFill>
+                  <a:srgbClr val="838787"/>
+                </a:solidFill>
+              </a:defRPr>
+            </a:lvl2pPr>
+            <a:lvl3pPr marL="1202764" indent="-313764" defTabSz="457200">
+              <a:spcBef>
+                <a:spcPts val="0"/>
+              </a:spcBef>
+              <a:buSzPct val="104999"/>
+              <a:buChar char="‣"/>
+              <a:defRPr b="1" spc="120" sz="2400">
+                <a:solidFill>
+                  <a:srgbClr val="838787"/>
+                </a:solidFill>
+              </a:defRPr>
+            </a:lvl3pPr>
+            <a:lvl4pPr marL="1647264" indent="-313764" defTabSz="457200">
+              <a:spcBef>
+                <a:spcPts val="0"/>
+              </a:spcBef>
+              <a:buSzPct val="104999"/>
+              <a:buChar char="‣"/>
+              <a:defRPr b="1" spc="120" sz="2400">
+                <a:solidFill>
+                  <a:srgbClr val="838787"/>
+                </a:solidFill>
+              </a:defRPr>
+            </a:lvl4pPr>
+            <a:lvl5pPr marL="2091764" indent="-313764" defTabSz="457200">
+              <a:spcBef>
+                <a:spcPts val="0"/>
+              </a:spcBef>
+              <a:buSzPct val="104999"/>
+              <a:buChar char="‣"/>
+              <a:defRPr b="1" spc="120" sz="2400">
+                <a:solidFill>
+                  <a:srgbClr val="838787"/>
+                </a:solidFill>
+              </a:defRPr>
+            </a:lvl5pPr>
+          </a:lstStyle>
+          <a:p>
+            <a:pPr/>
+            <a:r>
+              <a:t>正文级别 1</a:t>
+            </a:r>
+          </a:p>
+          <a:p>
+            <a:pPr lvl="1"/>
+            <a:r>
+              <a:t>正文级别 2</a:t>
+            </a:r>
+          </a:p>
+          <a:p>
+            <a:pPr lvl="2"/>
+            <a:r>
+              <a:t>正文级别 3</a:t>
+            </a:r>
+          </a:p>
+          <a:p>
+            <a:pPr lvl="3"/>
+            <a:r>
+              <a:t>正文级别 4</a:t>
+            </a:r>
+          </a:p>
+          <a:p>
+            <a:pPr lvl="4"/>
+            <a:r>
+              <a:t>正文级别 5</a:t>
+            </a:r>
+          </a:p>
+        </p:txBody>
+      </p:sp>
+      <p:sp>
+        <p:nvSpPr>
+          <p:cNvPr id="72" name="标题文本"/>
+          <p:cNvSpPr txBox="1"/>
+          <p:nvPr>
+            <p:ph type="title"/>
+          </p:nvPr>
+        </p:nvSpPr>
+        <p:spPr>
+          <a:xfrm>
+            <a:off x="406400" y="1536700"/>
+            <a:ext cx="12192000" cy="723900"/>
+          </a:xfrm>
+          <a:prstGeom prst="rect">
+            <a:avLst/>
+          </a:prstGeom>
+        </p:spPr>
+        <p:txBody>
+          <a:bodyPr/>
+          <a:lstStyle>
+            <a:lvl1pPr>
+              <a:spcBef>
+                <a:spcPts val="2800"/>
+              </a:spcBef>
+              <a:defRPr sz="6000"/>
+            </a:lvl1pPr>
+          </a:lstStyle>
+          <a:p>
+            <a:pPr/>
+            <a:r>
+              <a:t>标题文本</a:t>
+            </a:r>
+          </a:p>
+        </p:txBody>
+      </p:sp>
+      <p:sp>
+        <p:nvSpPr>
+          <p:cNvPr id="73" name="正文级别 1…"/>
+          <p:cNvSpPr txBox="1"/>
+          <p:nvPr>
+            <p:ph type="body" idx="13"/>
+          </p:nvPr>
+        </p:nvSpPr>
+        <p:spPr>
+          <a:xfrm>
+            <a:off x="406400" y="2743200"/>
+            <a:ext cx="12192000" cy="6108700"/>
+          </a:xfrm>
+          <a:prstGeom prst="rect">
+            <a:avLst/>
+          </a:prstGeom>
+        </p:spPr>
+        <p:txBody>
+          <a:bodyPr anchor="t"/>
+          <a:lstStyle/>
+          <a:p>
+            <a:pPr marL="444500" indent="-444500">
+              <a:lnSpc>
+                <a:spcPct val="100000"/>
+              </a:lnSpc>
+              <a:spcBef>
+                <a:spcPts val="2800"/>
+              </a:spcBef>
+              <a:buClr>
+                <a:schemeClr val="accent1"/>
+              </a:buClr>
+              <a:buSzPct val="104999"/>
+              <a:buFont typeface="Avenir Next"/>
+              <a:buChar char="▸"/>
+              <a:defRPr cap="none" sz="3400">
+                <a:solidFill>
+                  <a:srgbClr val="838787"/>
+                </a:solidFill>
+                <a:latin typeface="Avenir Next Medium"/>
+                <a:ea typeface="Avenir Next Medium"/>
+                <a:cs typeface="Avenir Next Medium"/>
+                <a:sym typeface="Avenir Next Medium"/>
+              </a:defRPr>
+            </a:pPr>
+          </a:p>
+        </p:txBody>
+      </p:sp>
+      <p:sp>
+        <p:nvSpPr>
+          <p:cNvPr id="74" name="幻灯片编号"/>
+          <p:cNvSpPr txBox="1"/>
+          <p:nvPr>
+            <p:ph type="sldNum" sz="quarter" idx="2"/>
+          </p:nvPr>
+        </p:nvSpPr>
+        <p:spPr>
+          <a:xfrm>
+            <a:off x="12174418" y="431800"/>
+            <a:ext cx="419101" cy="457200"/>
+          </a:xfrm>
+          <a:prstGeom prst="rect">
+            <a:avLst/>
+          </a:prstGeom>
+        </p:spPr>
+        <p:txBody>
+          <a:bodyPr/>
+          <a:lstStyle/>
+          <a:p>
+            <a:pPr/>
+            <a:fld id="{86CB4B4D-7CA3-9044-876B-883B54F8677D}" type="slidenum"/>
+          </a:p>
+        </p:txBody>
+      </p:sp>
+    </p:spTree>
+  </p:cSld>
+  <p:clrMapOvr>
+    <a:masterClrMapping/>
+  </p:clrMapOvr>
+  <p:transition xmlns:p14="http://schemas.microsoft.com/office/powerpoint/2010/main" spd="med" advClick="1"/>
+</p:sldLayout>
+</file>
+
+<file path=ppt/slideLayouts/slideLayout8.xml><?xml version="1.0" encoding="utf-8"?>
+<p:sldLayout xmlns:a="http://schemas.openxmlformats.org/drawingml/2006/main" xmlns:r="http://schemas.openxmlformats.org/officeDocument/2006/relationships" xmlns:p="http://schemas.openxmlformats.org/presentationml/2006/main" xmlns:m="http://schemas.openxmlformats.org/officeDocument/2006/math" xmlns:a14="http://schemas.microsoft.com/office/drawing/2010/main" type="tx" showMasterSp="0" showMasterPhAnim="1">
+  <p:cSld name="标题与项目符号（备选）">
+    <p:bg>
+      <p:bgPr>
+        <a:solidFill>
+          <a:srgbClr val="FFFFFF"/>
+        </a:solidFill>
+      </p:bgPr>
+    </p:bg>
+    <p:spTree>
+      <p:nvGrpSpPr>
+        <p:cNvPr id="1" name=""/>
+        <p:cNvGrpSpPr/>
+        <p:nvPr/>
+      </p:nvGrpSpPr>
+      <p:grpSpPr>
+        <a:xfrm>
+          <a:off x="0" y="0"/>
+          <a:ext cx="0" cy="0"/>
+          <a:chOff x="0" y="0"/>
+          <a:chExt cx="0" cy="0"/>
+        </a:xfrm>
+      </p:grpSpPr>
+      <p:sp>
+        <p:nvSpPr>
+          <p:cNvPr id="81" name="线条"/>
+          <p:cNvSpPr/>
+          <p:nvPr/>
+        </p:nvSpPr>
+        <p:spPr>
+          <a:xfrm flipV="1">
+            <a:off x="406400" y="993160"/>
+            <a:ext cx="12192000" cy="264"/>
+          </a:xfrm>
+          <a:prstGeom prst="line">
+            <a:avLst/>
+          </a:prstGeom>
+          <a:ln w="25400">
+            <a:solidFill>
+              <a:srgbClr val="A6AAA9"/>
+            </a:solidFill>
+            <a:miter lim="400000"/>
+          </a:ln>
+        </p:spPr>
+        <p:txBody>
+          <a:bodyPr lIns="45718" tIns="45718" rIns="45718" bIns="45718"/>
+          <a:lstStyle/>
+          <a:p>
+            <a:pPr>
+              <a:defRPr>
+                <a:solidFill>
+                  <a:srgbClr val="838787"/>
+                </a:solidFill>
+              </a:defRPr>
+            </a:pPr>
+          </a:p>
+        </p:txBody>
+      </p:sp>
+      <p:sp>
+        <p:nvSpPr>
+          <p:cNvPr id="82" name="正文级别 1…"/>
+          <p:cNvSpPr txBox="1"/>
+          <p:nvPr>
+            <p:ph type="body" sz="quarter" idx="1"/>
+          </p:nvPr>
+        </p:nvSpPr>
+        <p:spPr>
+          <a:xfrm>
+            <a:off x="406400" y="393700"/>
+            <a:ext cx="11176000" cy="520702"/>
+          </a:xfrm>
+          <a:prstGeom prst="rect">
+            <a:avLst/>
+          </a:prstGeom>
+        </p:spPr>
+        <p:txBody>
+          <a:bodyPr/>
+          <a:lstStyle>
+            <a:lvl1pPr defTabSz="457200">
+              <a:spcBef>
+                <a:spcPts val="0"/>
+              </a:spcBef>
+              <a:defRPr b="1" spc="120" sz="2400">
+                <a:solidFill>
+                  <a:srgbClr val="838787"/>
+                </a:solidFill>
+              </a:defRPr>
+            </a:lvl1pPr>
+            <a:lvl2pPr marL="758264" indent="-313764" defTabSz="457200">
+              <a:spcBef>
+                <a:spcPts val="0"/>
+              </a:spcBef>
+              <a:buSzPct val="104999"/>
+              <a:buChar char="‣"/>
+              <a:defRPr b="1" spc="120" sz="2400">
+                <a:solidFill>
+                  <a:srgbClr val="838787"/>
+                </a:solidFill>
+              </a:defRPr>
+            </a:lvl2pPr>
+            <a:lvl3pPr marL="1202764" indent="-313764" defTabSz="457200">
+              <a:spcBef>
+                <a:spcPts val="0"/>
+              </a:spcBef>
+              <a:buSzPct val="104999"/>
+              <a:buChar char="‣"/>
+              <a:defRPr b="1" spc="120" sz="2400">
+                <a:solidFill>
+                  <a:srgbClr val="838787"/>
+                </a:solidFill>
+              </a:defRPr>
+            </a:lvl3pPr>
+            <a:lvl4pPr marL="1647264" indent="-313764" defTabSz="457200">
+              <a:spcBef>
+                <a:spcPts val="0"/>
+              </a:spcBef>
+              <a:buSzPct val="104999"/>
+              <a:buChar char="‣"/>
+              <a:defRPr b="1" spc="120" sz="2400">
+                <a:solidFill>
+                  <a:srgbClr val="838787"/>
+                </a:solidFill>
+              </a:defRPr>
+            </a:lvl4pPr>
+            <a:lvl5pPr marL="2091764" indent="-313764" defTabSz="457200">
+              <a:spcBef>
+                <a:spcPts val="0"/>
+              </a:spcBef>
+              <a:buSzPct val="104999"/>
+              <a:buChar char="‣"/>
+              <a:defRPr b="1" spc="120" sz="2400">
+                <a:solidFill>
+                  <a:srgbClr val="838787"/>
+                </a:solidFill>
+              </a:defRPr>
+            </a:lvl5pPr>
+          </a:lstStyle>
+          <a:p>
+            <a:pPr/>
+            <a:r>
+              <a:t>正文级别 1</a:t>
+            </a:r>
+          </a:p>
+          <a:p>
+            <a:pPr lvl="1"/>
+            <a:r>
+              <a:t>正文级别 2</a:t>
+            </a:r>
+          </a:p>
+          <a:p>
+            <a:pPr lvl="2"/>
+            <a:r>
+              <a:t>正文级别 3</a:t>
+            </a:r>
+          </a:p>
+          <a:p>
+            <a:pPr lvl="3"/>
+            <a:r>
+              <a:t>正文级别 4</a:t>
+            </a:r>
+          </a:p>
+          <a:p>
+            <a:pPr lvl="4"/>
+            <a:r>
+              <a:t>正文级别 5</a:t>
+            </a:r>
+          </a:p>
+        </p:txBody>
+      </p:sp>
+      <p:sp>
+        <p:nvSpPr>
+          <p:cNvPr id="83" name="标题文本"/>
+          <p:cNvSpPr txBox="1"/>
+          <p:nvPr>
+            <p:ph type="title"/>
+          </p:nvPr>
+        </p:nvSpPr>
+        <p:spPr>
+          <a:xfrm>
+            <a:off x="406400" y="1536700"/>
+            <a:ext cx="12192000" cy="723900"/>
+          </a:xfrm>
+          <a:prstGeom prst="rect">
+            <a:avLst/>
+          </a:prstGeom>
+        </p:spPr>
+        <p:txBody>
+          <a:bodyPr/>
+          <a:lstStyle>
+            <a:lvl1pPr>
+              <a:spcBef>
+                <a:spcPts val="2800"/>
+              </a:spcBef>
+              <a:defRPr sz="6000"/>
+            </a:lvl1pPr>
+          </a:lstStyle>
+          <a:p>
+            <a:pPr/>
+            <a:r>
+              <a:t>标题文本</a:t>
+            </a:r>
+          </a:p>
+        </p:txBody>
+      </p:sp>
+      <p:sp>
+        <p:nvSpPr>
+          <p:cNvPr id="84" name="正文级别 1…"/>
+          <p:cNvSpPr txBox="1"/>
+          <p:nvPr>
+            <p:ph type="body" idx="13"/>
+          </p:nvPr>
+        </p:nvSpPr>
+        <p:spPr>
+          <a:xfrm>
+            <a:off x="406400" y="2743200"/>
+            <a:ext cx="12192000" cy="6108700"/>
+          </a:xfrm>
+          <a:prstGeom prst="rect">
+            <a:avLst/>
+          </a:prstGeom>
+        </p:spPr>
+        <p:txBody>
+          <a:bodyPr anchor="t"/>
+          <a:lstStyle/>
+          <a:p>
+            <a:pPr marL="444500" indent="-444500">
+              <a:lnSpc>
+                <a:spcPct val="100000"/>
+              </a:lnSpc>
+              <a:spcBef>
+                <a:spcPts val="2800"/>
+              </a:spcBef>
+              <a:buClr>
+                <a:schemeClr val="accent1"/>
+              </a:buClr>
+              <a:buSzPct val="104999"/>
+              <a:buFont typeface="Avenir Next"/>
+              <a:buChar char="▸"/>
+              <a:defRPr cap="none" sz="3400">
+                <a:solidFill>
+                  <a:srgbClr val="838787"/>
+                </a:solidFill>
+                <a:latin typeface="Avenir Next Medium"/>
+                <a:ea typeface="Avenir Next Medium"/>
+                <a:cs typeface="Avenir Next Medium"/>
+                <a:sym typeface="Avenir Next Medium"/>
+              </a:defRPr>
+            </a:pPr>
+          </a:p>
+        </p:txBody>
+      </p:sp>
+      <p:sp>
+        <p:nvSpPr>
+          <p:cNvPr id="85" name="幻灯片编号"/>
+          <p:cNvSpPr txBox="1"/>
+          <p:nvPr>
+            <p:ph type="sldNum" sz="quarter" idx="2"/>
+          </p:nvPr>
+        </p:nvSpPr>
+        <p:spPr>
+          <a:xfrm>
+            <a:off x="12174418" y="431800"/>
+            <a:ext cx="419101" cy="457200"/>
+          </a:xfrm>
+          <a:prstGeom prst="rect">
+            <a:avLst/>
+          </a:prstGeom>
+        </p:spPr>
+        <p:txBody>
+          <a:bodyPr/>
+          <a:lstStyle/>
+          <a:p>
+            <a:pPr/>
+            <a:fld id="{86CB4B4D-7CA3-9044-876B-883B54F8677D}" type="slidenum"/>
+          </a:p>
+        </p:txBody>
+      </p:sp>
+    </p:spTree>
+  </p:cSld>
+  <p:clrMapOvr>
+    <a:masterClrMapping/>
+  </p:clrMapOvr>
+  <p:transition xmlns:p14="http://schemas.microsoft.com/office/powerpoint/2010/main" spd="med" advClick="1"/>
+</p:sldLayout>
+</file>
+
+<file path=ppt/slideLayouts/slideLayout9.xml><?xml version="1.0" encoding="utf-8"?>
+<p:sldLayout xmlns:a="http://schemas.openxmlformats.org/drawingml/2006/main" xmlns:r="http://schemas.openxmlformats.org/officeDocument/2006/relationships" xmlns:p="http://schemas.openxmlformats.org/presentationml/2006/main" xmlns:m="http://schemas.openxmlformats.org/officeDocument/2006/math" xmlns:a14="http://schemas.microsoft.com/office/drawing/2010/main" type="tx" showMasterSp="0" showMasterPhAnim="1">
+  <p:cSld name="标题、项目符号与照片">
+    <p:spTree>
+      <p:nvGrpSpPr>
+        <p:cNvPr id="1" name=""/>
+        <p:cNvGrpSpPr/>
+        <p:nvPr/>
+      </p:nvGrpSpPr>
+      <p:grpSpPr>
+        <a:xfrm>
+          <a:off x="0" y="0"/>
+          <a:ext cx="0" cy="0"/>
+          <a:chOff x="0" y="0"/>
+          <a:chExt cx="0" cy="0"/>
+        </a:xfrm>
+      </p:grpSpPr>
+      <p:sp>
+        <p:nvSpPr>
+          <p:cNvPr id="92" name="线条"/>
+          <p:cNvSpPr/>
+          <p:nvPr/>
+        </p:nvSpPr>
+        <p:spPr>
+          <a:xfrm flipV="1">
+            <a:off x="406400" y="993160"/>
+            <a:ext cx="12192000" cy="264"/>
+          </a:xfrm>
+          <a:prstGeom prst="line">
+            <a:avLst/>
+          </a:prstGeom>
+          <a:ln w="25400">
+            <a:solidFill>
+              <a:srgbClr val="A6AAA9"/>
+            </a:solidFill>
+            <a:miter lim="400000"/>
+          </a:ln>
+        </p:spPr>
+        <p:txBody>
+          <a:bodyPr lIns="45718" tIns="45718" rIns="45718" bIns="45718"/>
+          <a:lstStyle/>
+          <a:p>
+            <a:pPr>
+              <a:defRPr>
+                <a:solidFill>
+                  <a:srgbClr val="838787"/>
+                </a:solidFill>
+              </a:defRPr>
+            </a:pPr>
+          </a:p>
+        </p:txBody>
+      </p:sp>
+      <p:sp>
+        <p:nvSpPr>
+          <p:cNvPr id="93" name="正文级别 1…"/>
+          <p:cNvSpPr txBox="1"/>
+          <p:nvPr>
+            <p:ph type="body" sz="quarter" idx="1"/>
+          </p:nvPr>
+        </p:nvSpPr>
+        <p:spPr>
+          <a:xfrm>
+            <a:off x="406400" y="393700"/>
+            <a:ext cx="11176000" cy="520702"/>
+          </a:xfrm>
+          <a:prstGeom prst="rect">
+            <a:avLst/>
+          </a:prstGeom>
+        </p:spPr>
+        <p:txBody>
+          <a:bodyPr/>
+          <a:lstStyle>
+            <a:lvl1pPr defTabSz="457200">
+              <a:spcBef>
+                <a:spcPts val="0"/>
+              </a:spcBef>
+              <a:defRPr b="1" spc="120" sz="2400">
+                <a:solidFill>
+                  <a:srgbClr val="838787"/>
+                </a:solidFill>
+              </a:defRPr>
+            </a:lvl1pPr>
+            <a:lvl2pPr marL="758264" indent="-313764" defTabSz="457200">
+              <a:spcBef>
+                <a:spcPts val="0"/>
+              </a:spcBef>
+              <a:buSzPct val="104999"/>
+              <a:buChar char="‣"/>
+              <a:defRPr b="1" spc="120" sz="2400">
+                <a:solidFill>
+                  <a:srgbClr val="838787"/>
+                </a:solidFill>
+              </a:defRPr>
+            </a:lvl2pPr>
+            <a:lvl3pPr marL="1202764" indent="-313764" defTabSz="457200">
+              <a:spcBef>
+                <a:spcPts val="0"/>
+              </a:spcBef>
+              <a:buSzPct val="104999"/>
+              <a:buChar char="‣"/>
+              <a:defRPr b="1" spc="120" sz="2400">
+                <a:solidFill>
+                  <a:srgbClr val="838787"/>
+                </a:solidFill>
+              </a:defRPr>
+            </a:lvl3pPr>
+            <a:lvl4pPr marL="1647264" indent="-313764" defTabSz="457200">
+              <a:spcBef>
+                <a:spcPts val="0"/>
+              </a:spcBef>
+              <a:buSzPct val="104999"/>
+              <a:buChar char="‣"/>
+              <a:defRPr b="1" spc="120" sz="2400">
+                <a:solidFill>
+                  <a:srgbClr val="838787"/>
+                </a:solidFill>
+              </a:defRPr>
+            </a:lvl4pPr>
+            <a:lvl5pPr marL="2091764" indent="-313764" defTabSz="457200">
+              <a:spcBef>
+                <a:spcPts val="0"/>
+              </a:spcBef>
+              <a:buSzPct val="104999"/>
+              <a:buChar char="‣"/>
+              <a:defRPr b="1" spc="120" sz="2400">
+                <a:solidFill>
+                  <a:srgbClr val="838787"/>
+                </a:solidFill>
+              </a:defRPr>
+            </a:lvl5pPr>
+          </a:lstStyle>
+          <a:p>
+            <a:pPr/>
+            <a:r>
+              <a:t>正文级别 1</a:t>
+            </a:r>
+          </a:p>
+          <a:p>
+            <a:pPr lvl="1"/>
+            <a:r>
+              <a:t>正文级别 2</a:t>
+            </a:r>
+          </a:p>
+          <a:p>
+            <a:pPr lvl="2"/>
+            <a:r>
+              <a:t>正文级别 3</a:t>
+            </a:r>
+          </a:p>
+          <a:p>
+            <a:pPr lvl="3"/>
+            <a:r>
+              <a:t>正文级别 4</a:t>
+            </a:r>
+          </a:p>
+          <a:p>
+            <a:pPr lvl="4"/>
+            <a:r>
+              <a:t>正文级别 5</a:t>
+            </a:r>
+          </a:p>
+        </p:txBody>
+      </p:sp>
+      <p:sp>
+        <p:nvSpPr>
+          <p:cNvPr id="94" name="图像"/>
+          <p:cNvSpPr/>
+          <p:nvPr>
+            <p:ph type="pic" sz="half" idx="13"/>
+          </p:nvPr>
+        </p:nvSpPr>
+        <p:spPr>
+          <a:xfrm>
+            <a:off x="7112000" y="1536700"/>
+            <a:ext cx="5486400" cy="7797800"/>
+          </a:xfrm>
+          <a:prstGeom prst="rect">
+            <a:avLst/>
+          </a:prstGeom>
+        </p:spPr>
+        <p:txBody>
+          <a:bodyPr lIns="91439" tIns="45719" rIns="91439" bIns="45719" anchor="t">
+            <a:noAutofit/>
+          </a:bodyPr>
+          <a:lstStyle/>
+          <a:p>
+            <a:pPr/>
+          </a:p>
+        </p:txBody>
+      </p:sp>
+      <p:sp>
+        <p:nvSpPr>
+          <p:cNvPr id="95" name="标题文本"/>
+          <p:cNvSpPr txBox="1"/>
+          <p:nvPr>
+            <p:ph type="title"/>
+          </p:nvPr>
+        </p:nvSpPr>
+        <p:spPr>
+          <a:xfrm>
+            <a:off x="406400" y="1536700"/>
+            <a:ext cx="6299200" cy="723900"/>
+          </a:xfrm>
+          <a:prstGeom prst="rect">
+            <a:avLst/>
+          </a:prstGeom>
+        </p:spPr>
+        <p:txBody>
+          <a:bodyPr/>
+          <a:lstStyle>
+            <a:lvl1pPr>
+              <a:spcBef>
+                <a:spcPts val="2800"/>
+              </a:spcBef>
+              <a:defRPr sz="6000"/>
+            </a:lvl1pPr>
+          </a:lstStyle>
+          <a:p>
+            <a:pPr/>
+            <a:r>
+              <a:t>标题文本</a:t>
+            </a:r>
+          </a:p>
+        </p:txBody>
+      </p:sp>
+      <p:sp>
+        <p:nvSpPr>
+          <p:cNvPr id="96" name="正文级别 1…"/>
+          <p:cNvSpPr txBox="1"/>
+          <p:nvPr>
+            <p:ph type="body" sz="half" idx="14"/>
+          </p:nvPr>
+        </p:nvSpPr>
+        <p:spPr>
+          <a:xfrm>
+            <a:off x="406400" y="2743200"/>
+            <a:ext cx="6299200" cy="6108700"/>
+          </a:xfrm>
+          <a:prstGeom prst="rect">
+            <a:avLst/>
+          </a:prstGeom>
+        </p:spPr>
+        <p:txBody>
+          <a:bodyPr anchor="t"/>
+          <a:lstStyle/>
+          <a:p>
+            <a:pPr marL="444500" indent="-444500">
+              <a:lnSpc>
+                <a:spcPct val="100000"/>
+              </a:lnSpc>
+              <a:spcBef>
+                <a:spcPts val="2800"/>
+              </a:spcBef>
+              <a:buClr>
+                <a:schemeClr val="accent1"/>
+              </a:buClr>
+              <a:buSzPct val="104999"/>
+              <a:buFont typeface="Avenir Next"/>
+              <a:buChar char="▸"/>
+              <a:defRPr cap="none" sz="2800">
+                <a:solidFill>
+                  <a:srgbClr val="838787"/>
+                </a:solidFill>
+                <a:latin typeface="Avenir Next Medium"/>
+                <a:ea typeface="Avenir Next Medium"/>
+                <a:cs typeface="Avenir Next Medium"/>
+                <a:sym typeface="Avenir Next Medium"/>
+              </a:defRPr>
+            </a:pPr>
+          </a:p>
+        </p:txBody>
+      </p:sp>
+      <p:sp>
+        <p:nvSpPr>
+          <p:cNvPr id="97" name="幻灯片编号"/>
+          <p:cNvSpPr txBox="1"/>
+          <p:nvPr>
+            <p:ph type="sldNum" sz="quarter" idx="2"/>
+          </p:nvPr>
+        </p:nvSpPr>
+        <p:spPr>
+          <a:xfrm>
+            <a:off x="12174418" y="431800"/>
+            <a:ext cx="419101" cy="457200"/>
+          </a:xfrm>
+          <a:prstGeom prst="rect">
+            <a:avLst/>
+          </a:prstGeom>
+        </p:spPr>
+        <p:txBody>
+          <a:bodyPr/>
+          <a:lstStyle/>
+          <a:p>
+            <a:pPr/>
+            <a:fld id="{86CB4B4D-7CA3-9044-876B-883B54F8677D}" type="slidenum"/>
+          </a:p>
+        </p:txBody>
+      </p:sp>
+    </p:spTree>
+  </p:cSld>
+  <p:clrMapOvr>
+    <a:masterClrMapping/>
+  </p:clrMapOvr>
+  <p:transition xmlns:p14="http://schemas.microsoft.com/office/powerpoint/2010/main" spd="med" advClick="1"/>
+</p:sldLayout>
+</file>
+
+<file path=ppt/slideMasters/slideMaster1.xml><?xml version="1.0" encoding="utf-8"?>
+<p:sldMaster xmlns:a="http://schemas.openxmlformats.org/drawingml/2006/main" xmlns:r="http://schemas.openxmlformats.org/officeDocument/2006/relationships" xmlns:p="http://schemas.openxmlformats.org/presentationml/2006/main" xmlns:m="http://schemas.openxmlformats.org/officeDocument/2006/math" xmlns:a14="http://schemas.microsoft.com/office/drawing/2010/main">
+  <p:cSld>
     <p:bg>
       <p:bgPr>
         <a:solidFill>
@@ -1638,520 +3625,14 @@
       </p:grpSpPr>
       <p:sp>
         <p:nvSpPr>
-          <p:cNvPr id="142" name="图像"/>
+          <p:cNvPr id="2" name="线条"/>
           <p:cNvSpPr/>
-          <p:nvPr>
-            <p:ph type="pic" idx="13"/>
-          </p:nvPr>
-        </p:nvSpPr>
-        <p:spPr>
-          <a:xfrm>
-            <a:off x="0" y="0"/>
-            <a:ext cx="13004800" cy="9753600"/>
-          </a:xfrm>
-          <a:prstGeom prst="rect">
-            <a:avLst/>
-          </a:prstGeom>
-        </p:spPr>
-        <p:txBody>
-          <a:bodyPr lIns="91439" tIns="45719" rIns="91439" bIns="45719">
-            <a:noAutofit/>
-          </a:bodyPr>
-          <a:lstStyle/>
-          <a:p>
-            <a:pPr/>
-          </a:p>
-        </p:txBody>
-      </p:sp>
-      <p:sp>
-        <p:nvSpPr>
-          <p:cNvPr id="143" name="幻灯片编号"/>
-          <p:cNvSpPr txBox="1"/>
-          <p:nvPr>
-            <p:ph type="sldNum" sz="quarter" idx="2"/>
-          </p:nvPr>
-        </p:nvSpPr>
-        <p:spPr>
-          <a:prstGeom prst="rect">
-            <a:avLst/>
-          </a:prstGeom>
-        </p:spPr>
-        <p:txBody>
-          <a:bodyPr/>
-          <a:lstStyle/>
-          <a:p>
-            <a:pPr/>
-            <a:fld id="{86CB4B4D-7CA3-9044-876B-883B54F8677D}" type="slidenum"/>
-          </a:p>
-        </p:txBody>
-      </p:sp>
-    </p:spTree>
-  </p:cSld>
-  <p:clrMapOvr>
-    <a:masterClrMapping/>
-  </p:clrMapOvr>
-  <p:transition xmlns:p14="http://schemas.microsoft.com/office/powerpoint/2010/main" spd="med" advClick="1"/>
-</p:sldLayout>
-</file>
-
-<file path=ppt/slideLayouts/slideLayout15.xml><?xml version="1.0" encoding="utf-8"?>
-<p:sldLayout xmlns:a="http://schemas.openxmlformats.org/drawingml/2006/main" xmlns:r="http://schemas.openxmlformats.org/officeDocument/2006/relationships" xmlns:p="http://schemas.openxmlformats.org/presentationml/2006/main" xmlns:m="http://schemas.openxmlformats.org/officeDocument/2006/math" xmlns:a14="http://schemas.microsoft.com/office/drawing/2010/main" type="tx" showMasterSp="0" showMasterPhAnim="1">
-  <p:cSld name="空白">
-    <p:bg>
-      <p:bgPr>
-        <a:solidFill>
-          <a:srgbClr val="222222"/>
-        </a:solidFill>
-      </p:bgPr>
-    </p:bg>
-    <p:spTree>
-      <p:nvGrpSpPr>
-        <p:cNvPr id="1" name=""/>
-        <p:cNvGrpSpPr/>
-        <p:nvPr/>
-      </p:nvGrpSpPr>
-      <p:grpSpPr>
-        <a:xfrm>
-          <a:off x="0" y="0"/>
-          <a:ext cx="0" cy="0"/>
-          <a:chOff x="0" y="0"/>
-          <a:chExt cx="0" cy="0"/>
-        </a:xfrm>
-      </p:grpSpPr>
-      <p:sp>
-        <p:nvSpPr>
-          <p:cNvPr id="150" name="幻灯片编号"/>
-          <p:cNvSpPr txBox="1"/>
-          <p:nvPr>
-            <p:ph type="sldNum" sz="quarter" idx="2"/>
-          </p:nvPr>
-        </p:nvSpPr>
-        <p:spPr>
-          <a:prstGeom prst="rect">
-            <a:avLst/>
-          </a:prstGeom>
-        </p:spPr>
-        <p:txBody>
-          <a:bodyPr/>
-          <a:lstStyle/>
-          <a:p>
-            <a:pPr/>
-            <a:fld id="{86CB4B4D-7CA3-9044-876B-883B54F8677D}" type="slidenum"/>
-          </a:p>
-        </p:txBody>
-      </p:sp>
-    </p:spTree>
-  </p:cSld>
-  <p:clrMapOvr>
-    <a:masterClrMapping/>
-  </p:clrMapOvr>
-  <p:transition xmlns:p14="http://schemas.microsoft.com/office/powerpoint/2010/main" spd="med" advClick="1"/>
-</p:sldLayout>
-</file>
-
-<file path=ppt/slideLayouts/slideLayout16.xml><?xml version="1.0" encoding="utf-8"?>
-<p:sldLayout xmlns:a="http://schemas.openxmlformats.org/drawingml/2006/main" xmlns:r="http://schemas.openxmlformats.org/officeDocument/2006/relationships" xmlns:p="http://schemas.openxmlformats.org/presentationml/2006/main" xmlns:m="http://schemas.openxmlformats.org/officeDocument/2006/math" xmlns:a14="http://schemas.microsoft.com/office/drawing/2010/main" type="tx" showMasterSp="0" showMasterPhAnim="1">
-  <p:cSld name="空白（备选）">
-    <p:spTree>
-      <p:nvGrpSpPr>
-        <p:cNvPr id="1" name=""/>
-        <p:cNvGrpSpPr/>
-        <p:nvPr/>
-      </p:nvGrpSpPr>
-      <p:grpSpPr>
-        <a:xfrm>
-          <a:off x="0" y="0"/>
-          <a:ext cx="0" cy="0"/>
-          <a:chOff x="0" y="0"/>
-          <a:chExt cx="0" cy="0"/>
-        </a:xfrm>
-      </p:grpSpPr>
-      <p:sp>
-        <p:nvSpPr>
-          <p:cNvPr id="157" name="幻灯片编号"/>
-          <p:cNvSpPr txBox="1"/>
-          <p:nvPr>
-            <p:ph type="sldNum" sz="quarter" idx="2"/>
-          </p:nvPr>
-        </p:nvSpPr>
-        <p:spPr>
-          <a:prstGeom prst="rect">
-            <a:avLst/>
-          </a:prstGeom>
-        </p:spPr>
-        <p:txBody>
-          <a:bodyPr/>
-          <a:lstStyle/>
-          <a:p>
-            <a:pPr/>
-            <a:fld id="{86CB4B4D-7CA3-9044-876B-883B54F8677D}" type="slidenum"/>
-          </a:p>
-        </p:txBody>
-      </p:sp>
-    </p:spTree>
-  </p:cSld>
-  <p:clrMapOvr>
-    <a:masterClrMapping/>
-  </p:clrMapOvr>
-  <p:transition xmlns:p14="http://schemas.microsoft.com/office/powerpoint/2010/main" spd="med" advClick="1"/>
-</p:sldLayout>
-</file>
-
-<file path=ppt/slideLayouts/slideLayout2.xml><?xml version="1.0" encoding="utf-8"?>
-<p:sldLayout xmlns:a="http://schemas.openxmlformats.org/drawingml/2006/main" xmlns:r="http://schemas.openxmlformats.org/officeDocument/2006/relationships" xmlns:p="http://schemas.openxmlformats.org/presentationml/2006/main" xmlns:m="http://schemas.openxmlformats.org/officeDocument/2006/math" xmlns:a14="http://schemas.microsoft.com/office/drawing/2010/main" type="tx" showMasterSp="0" showMasterPhAnim="1">
-  <p:cSld name="照片 - 水平">
-    <p:bg>
-      <p:bgPr>
-        <a:solidFill>
-          <a:srgbClr val="222222"/>
-        </a:solidFill>
-      </p:bgPr>
-    </p:bg>
-    <p:spTree>
-      <p:nvGrpSpPr>
-        <p:cNvPr id="1" name=""/>
-        <p:cNvGrpSpPr/>
-        <p:nvPr/>
-      </p:nvGrpSpPr>
-      <p:grpSpPr>
-        <a:xfrm>
-          <a:off x="0" y="0"/>
-          <a:ext cx="0" cy="0"/>
-          <a:chOff x="0" y="0"/>
-          <a:chExt cx="0" cy="0"/>
-        </a:xfrm>
-      </p:grpSpPr>
-      <p:sp>
-        <p:nvSpPr>
-          <p:cNvPr id="22" name="图像"/>
-          <p:cNvSpPr/>
-          <p:nvPr>
-            <p:ph type="pic" idx="13"/>
-          </p:nvPr>
-        </p:nvSpPr>
-        <p:spPr>
-          <a:xfrm>
-            <a:off x="0" y="0"/>
-            <a:ext cx="13004800" cy="9753600"/>
-          </a:xfrm>
-          <a:prstGeom prst="rect">
-            <a:avLst/>
-          </a:prstGeom>
-        </p:spPr>
-        <p:txBody>
-          <a:bodyPr lIns="91439" tIns="45719" rIns="91439" bIns="45719">
-            <a:noAutofit/>
-          </a:bodyPr>
-          <a:lstStyle/>
-          <a:p>
-            <a:pPr/>
-          </a:p>
-        </p:txBody>
-      </p:sp>
-      <p:sp>
-        <p:nvSpPr>
-          <p:cNvPr id="23" name="线条"/>
-          <p:cNvSpPr/>
-          <p:nvPr>
-            <p:ph type="body" sz="quarter" idx="14"/>
-          </p:nvPr>
+          <p:nvPr/>
         </p:nvSpPr>
         <p:spPr>
           <a:xfrm flipV="1">
             <a:off x="406400" y="6140894"/>
-            <a:ext cx="12192000" cy="263"/>
-          </a:xfrm>
-          <a:prstGeom prst="line">
-            <a:avLst/>
-          </a:prstGeom>
-          <a:ln w="38100">
-            <a:solidFill>
-              <a:srgbClr val="A6AAA9"/>
-            </a:solidFill>
-          </a:ln>
-        </p:spPr>
-        <p:txBody>
-          <a:bodyPr anchor="ctr">
-            <a:noAutofit/>
-          </a:bodyPr>
-          <a:lstStyle/>
-          <a:p>
-            <a:pPr marL="0" indent="0" defTabSz="457200">
-              <a:spcBef>
-                <a:spcPts val="0"/>
-              </a:spcBef>
-              <a:buClrTx/>
-              <a:buSzTx/>
-              <a:buFontTx/>
-              <a:buNone/>
-              <a:defRPr sz="1200">
-                <a:solidFill>
-                  <a:srgbClr val="000000"/>
-                </a:solidFill>
-                <a:latin typeface="Helvetica"/>
-                <a:ea typeface="Helvetica"/>
-                <a:cs typeface="Helvetica"/>
-                <a:sym typeface="Helvetica"/>
-              </a:defRPr>
-            </a:pPr>
-          </a:p>
-        </p:txBody>
-      </p:sp>
-      <p:sp>
-        <p:nvSpPr>
-          <p:cNvPr id="24" name="标题文本"/>
-          <p:cNvSpPr txBox="1"/>
-          <p:nvPr>
-            <p:ph type="title"/>
-          </p:nvPr>
-        </p:nvSpPr>
-        <p:spPr>
-          <a:xfrm>
-            <a:off x="406400" y="6426200"/>
-            <a:ext cx="12192000" cy="2705100"/>
-          </a:xfrm>
-          <a:prstGeom prst="rect">
-            <a:avLst/>
-          </a:prstGeom>
-        </p:spPr>
-        <p:txBody>
-          <a:bodyPr/>
-          <a:lstStyle>
-            <a:lvl1pPr>
-              <a:spcBef>
-                <a:spcPts val="0"/>
-              </a:spcBef>
-              <a:defRPr sz="17000"/>
-            </a:lvl1pPr>
-          </a:lstStyle>
-          <a:p>
-            <a:pPr/>
-            <a:r>
-              <a:t>标题文本</a:t>
-            </a:r>
-          </a:p>
-        </p:txBody>
-      </p:sp>
-      <p:sp>
-        <p:nvSpPr>
-          <p:cNvPr id="25" name="正文级别 1…"/>
-          <p:cNvSpPr txBox="1"/>
-          <p:nvPr>
-            <p:ph type="body" sz="quarter" idx="1"/>
-          </p:nvPr>
-        </p:nvSpPr>
-        <p:spPr>
-          <a:xfrm>
-            <a:off x="406400" y="4267200"/>
-            <a:ext cx="12192000" cy="1803400"/>
-          </a:xfrm>
-          <a:prstGeom prst="rect">
-            <a:avLst/>
-          </a:prstGeom>
-        </p:spPr>
-        <p:txBody>
-          <a:bodyPr anchor="b"/>
-          <a:lstStyle>
-            <a:lvl1pPr marL="0" indent="0">
-              <a:lnSpc>
-                <a:spcPct val="80000"/>
-              </a:lnSpc>
-              <a:spcBef>
-                <a:spcPts val="2300"/>
-              </a:spcBef>
-              <a:buClrTx/>
-              <a:buSzTx/>
-              <a:buFontTx/>
-              <a:buNone/>
-              <a:defRPr cap="all" sz="5400">
-                <a:solidFill>
-                  <a:srgbClr val="A6AAA9"/>
-                </a:solidFill>
-                <a:latin typeface="+mn-lt"/>
-                <a:ea typeface="+mn-ea"/>
-                <a:cs typeface="+mn-cs"/>
-                <a:sym typeface="Baskerville"/>
-              </a:defRPr>
-            </a:lvl1pPr>
-            <a:lvl2pPr marL="0" indent="0">
-              <a:lnSpc>
-                <a:spcPct val="80000"/>
-              </a:lnSpc>
-              <a:spcBef>
-                <a:spcPts val="2300"/>
-              </a:spcBef>
-              <a:buClrTx/>
-              <a:buSzTx/>
-              <a:buFontTx/>
-              <a:buNone/>
-              <a:defRPr cap="all" sz="5400">
-                <a:solidFill>
-                  <a:srgbClr val="A6AAA9"/>
-                </a:solidFill>
-                <a:latin typeface="+mn-lt"/>
-                <a:ea typeface="+mn-ea"/>
-                <a:cs typeface="+mn-cs"/>
-                <a:sym typeface="Baskerville"/>
-              </a:defRPr>
-            </a:lvl2pPr>
-            <a:lvl3pPr marL="0" indent="0">
-              <a:lnSpc>
-                <a:spcPct val="80000"/>
-              </a:lnSpc>
-              <a:spcBef>
-                <a:spcPts val="2300"/>
-              </a:spcBef>
-              <a:buClrTx/>
-              <a:buSzTx/>
-              <a:buFontTx/>
-              <a:buNone/>
-              <a:defRPr cap="all" sz="5400">
-                <a:solidFill>
-                  <a:srgbClr val="A6AAA9"/>
-                </a:solidFill>
-                <a:latin typeface="+mn-lt"/>
-                <a:ea typeface="+mn-ea"/>
-                <a:cs typeface="+mn-cs"/>
-                <a:sym typeface="Baskerville"/>
-              </a:defRPr>
-            </a:lvl3pPr>
-            <a:lvl4pPr marL="0" indent="0">
-              <a:lnSpc>
-                <a:spcPct val="80000"/>
-              </a:lnSpc>
-              <a:spcBef>
-                <a:spcPts val="2300"/>
-              </a:spcBef>
-              <a:buClrTx/>
-              <a:buSzTx/>
-              <a:buFontTx/>
-              <a:buNone/>
-              <a:defRPr cap="all" sz="5400">
-                <a:solidFill>
-                  <a:srgbClr val="A6AAA9"/>
-                </a:solidFill>
-                <a:latin typeface="+mn-lt"/>
-                <a:ea typeface="+mn-ea"/>
-                <a:cs typeface="+mn-cs"/>
-                <a:sym typeface="Baskerville"/>
-              </a:defRPr>
-            </a:lvl4pPr>
-            <a:lvl5pPr marL="0" indent="0">
-              <a:lnSpc>
-                <a:spcPct val="80000"/>
-              </a:lnSpc>
-              <a:spcBef>
-                <a:spcPts val="2300"/>
-              </a:spcBef>
-              <a:buClrTx/>
-              <a:buSzTx/>
-              <a:buFontTx/>
-              <a:buNone/>
-              <a:defRPr cap="all" sz="5400">
-                <a:solidFill>
-                  <a:srgbClr val="A6AAA9"/>
-                </a:solidFill>
-                <a:latin typeface="+mn-lt"/>
-                <a:ea typeface="+mn-ea"/>
-                <a:cs typeface="+mn-cs"/>
-                <a:sym typeface="Baskerville"/>
-              </a:defRPr>
-            </a:lvl5pPr>
-          </a:lstStyle>
-          <a:p>
-            <a:pPr/>
-            <a:r>
-              <a:t>正文级别 1</a:t>
-            </a:r>
-          </a:p>
-          <a:p>
-            <a:pPr lvl="1"/>
-            <a:r>
-              <a:t>正文级别 2</a:t>
-            </a:r>
-          </a:p>
-          <a:p>
-            <a:pPr lvl="2"/>
-            <a:r>
-              <a:t>正文级别 3</a:t>
-            </a:r>
-          </a:p>
-          <a:p>
-            <a:pPr lvl="3"/>
-            <a:r>
-              <a:t>正文级别 4</a:t>
-            </a:r>
-          </a:p>
-          <a:p>
-            <a:pPr lvl="4"/>
-            <a:r>
-              <a:t>正文级别 5</a:t>
-            </a:r>
-          </a:p>
-        </p:txBody>
-      </p:sp>
-      <p:sp>
-        <p:nvSpPr>
-          <p:cNvPr id="26" name="幻灯片编号"/>
-          <p:cNvSpPr txBox="1"/>
-          <p:nvPr>
-            <p:ph type="sldNum" sz="quarter" idx="2"/>
-          </p:nvPr>
-        </p:nvSpPr>
-        <p:spPr>
-          <a:xfrm>
-            <a:off x="12182237" y="431800"/>
-            <a:ext cx="419101" cy="457200"/>
-          </a:xfrm>
-          <a:prstGeom prst="rect">
-            <a:avLst/>
-          </a:prstGeom>
-        </p:spPr>
-        <p:txBody>
-          <a:bodyPr/>
-          <a:lstStyle/>
-          <a:p>
-            <a:pPr/>
-            <a:fld id="{86CB4B4D-7CA3-9044-876B-883B54F8677D}" type="slidenum"/>
-          </a:p>
-        </p:txBody>
-      </p:sp>
-    </p:spTree>
-  </p:cSld>
-  <p:clrMapOvr>
-    <a:masterClrMapping/>
-  </p:clrMapOvr>
-  <p:transition xmlns:p14="http://schemas.microsoft.com/office/powerpoint/2010/main" spd="med" advClick="1"/>
-</p:sldLayout>
-</file>
-
-<file path=ppt/slideLayouts/slideLayout3.xml><?xml version="1.0" encoding="utf-8"?>
-<p:sldLayout xmlns:a="http://schemas.openxmlformats.org/drawingml/2006/main" xmlns:r="http://schemas.openxmlformats.org/officeDocument/2006/relationships" xmlns:p="http://schemas.openxmlformats.org/presentationml/2006/main" xmlns:m="http://schemas.openxmlformats.org/officeDocument/2006/math" xmlns:a14="http://schemas.microsoft.com/office/drawing/2010/main" type="tx" showMasterSp="0" showMasterPhAnim="1">
-  <p:cSld name="标题与副标题（备选）">
-    <p:spTree>
-      <p:nvGrpSpPr>
-        <p:cNvPr id="1" name=""/>
-        <p:cNvGrpSpPr/>
-        <p:nvPr/>
-      </p:nvGrpSpPr>
-      <p:grpSpPr>
-        <a:xfrm>
-          <a:off x="0" y="0"/>
-          <a:ext cx="0" cy="0"/>
-          <a:chOff x="0" y="0"/>
-          <a:chExt cx="0" cy="0"/>
-        </a:xfrm>
-      </p:grpSpPr>
-      <p:sp>
-        <p:nvSpPr>
-          <p:cNvPr id="33" name="线条"/>
-          <p:cNvSpPr/>
-          <p:nvPr/>
-        </p:nvSpPr>
-        <p:spPr>
-          <a:xfrm flipV="1">
-            <a:off x="406400" y="6140894"/>
-            <a:ext cx="12192000" cy="263"/>
+            <a:ext cx="12192000" cy="264"/>
           </a:xfrm>
           <a:prstGeom prst="line">
             <a:avLst/>
@@ -2164,1505 +3645,14 @@
           </a:ln>
         </p:spPr>
         <p:txBody>
-          <a:bodyPr lIns="50800" tIns="50800" rIns="50800" bIns="50800" anchor="ctr"/>
+          <a:bodyPr lIns="45718" tIns="45718" rIns="45718" bIns="45718"/>
           <a:lstStyle/>
           <a:p>
-            <a:pPr defTabSz="457200">
-              <a:spcBef>
-                <a:spcPts val="0"/>
-              </a:spcBef>
-              <a:defRPr sz="1200">
+            <a:pPr>
+              <a:defRPr>
                 <a:solidFill>
-                  <a:srgbClr val="000000"/>
+                  <a:srgbClr val="838787"/>
                 </a:solidFill>
-                <a:latin typeface="Helvetica"/>
-                <a:ea typeface="Helvetica"/>
-                <a:cs typeface="Helvetica"/>
-                <a:sym typeface="Helvetica"/>
-              </a:defRPr>
-            </a:pPr>
-          </a:p>
-        </p:txBody>
-      </p:sp>
-      <p:sp>
-        <p:nvSpPr>
-          <p:cNvPr id="34" name="标题文本"/>
-          <p:cNvSpPr txBox="1"/>
-          <p:nvPr>
-            <p:ph type="title"/>
-          </p:nvPr>
-        </p:nvSpPr>
-        <p:spPr>
-          <a:xfrm>
-            <a:off x="406400" y="6426200"/>
-            <a:ext cx="12192000" cy="2705100"/>
-          </a:xfrm>
-          <a:prstGeom prst="rect">
-            <a:avLst/>
-          </a:prstGeom>
-        </p:spPr>
-        <p:txBody>
-          <a:bodyPr/>
-          <a:lstStyle>
-            <a:lvl1pPr>
-              <a:spcBef>
-                <a:spcPts val="0"/>
-              </a:spcBef>
-              <a:defRPr sz="17000"/>
-            </a:lvl1pPr>
-          </a:lstStyle>
-          <a:p>
-            <a:pPr/>
-            <a:r>
-              <a:t>标题文本</a:t>
-            </a:r>
-          </a:p>
-        </p:txBody>
-      </p:sp>
-      <p:sp>
-        <p:nvSpPr>
-          <p:cNvPr id="35" name="正文级别 1…"/>
-          <p:cNvSpPr txBox="1"/>
-          <p:nvPr>
-            <p:ph type="body" sz="quarter" idx="1"/>
-          </p:nvPr>
-        </p:nvSpPr>
-        <p:spPr>
-          <a:xfrm>
-            <a:off x="406400" y="4267200"/>
-            <a:ext cx="12192000" cy="1803400"/>
-          </a:xfrm>
-          <a:prstGeom prst="rect">
-            <a:avLst/>
-          </a:prstGeom>
-        </p:spPr>
-        <p:txBody>
-          <a:bodyPr anchor="b"/>
-          <a:lstStyle>
-            <a:lvl1pPr marL="0" indent="0">
-              <a:lnSpc>
-                <a:spcPct val="80000"/>
-              </a:lnSpc>
-              <a:spcBef>
-                <a:spcPts val="2300"/>
-              </a:spcBef>
-              <a:buClrTx/>
-              <a:buSzTx/>
-              <a:buFontTx/>
-              <a:buNone/>
-              <a:defRPr cap="all" sz="5400">
-                <a:solidFill>
-                  <a:srgbClr val="A6AAA9"/>
-                </a:solidFill>
-                <a:latin typeface="+mn-lt"/>
-                <a:ea typeface="+mn-ea"/>
-                <a:cs typeface="+mn-cs"/>
-                <a:sym typeface="Baskerville"/>
-              </a:defRPr>
-            </a:lvl1pPr>
-            <a:lvl2pPr marL="0" indent="0">
-              <a:lnSpc>
-                <a:spcPct val="80000"/>
-              </a:lnSpc>
-              <a:spcBef>
-                <a:spcPts val="2300"/>
-              </a:spcBef>
-              <a:buClrTx/>
-              <a:buSzTx/>
-              <a:buFontTx/>
-              <a:buNone/>
-              <a:defRPr cap="all" sz="5400">
-                <a:solidFill>
-                  <a:srgbClr val="A6AAA9"/>
-                </a:solidFill>
-                <a:latin typeface="+mn-lt"/>
-                <a:ea typeface="+mn-ea"/>
-                <a:cs typeface="+mn-cs"/>
-                <a:sym typeface="Baskerville"/>
-              </a:defRPr>
-            </a:lvl2pPr>
-            <a:lvl3pPr marL="0" indent="0">
-              <a:lnSpc>
-                <a:spcPct val="80000"/>
-              </a:lnSpc>
-              <a:spcBef>
-                <a:spcPts val="2300"/>
-              </a:spcBef>
-              <a:buClrTx/>
-              <a:buSzTx/>
-              <a:buFontTx/>
-              <a:buNone/>
-              <a:defRPr cap="all" sz="5400">
-                <a:solidFill>
-                  <a:srgbClr val="A6AAA9"/>
-                </a:solidFill>
-                <a:latin typeface="+mn-lt"/>
-                <a:ea typeface="+mn-ea"/>
-                <a:cs typeface="+mn-cs"/>
-                <a:sym typeface="Baskerville"/>
-              </a:defRPr>
-            </a:lvl3pPr>
-            <a:lvl4pPr marL="0" indent="0">
-              <a:lnSpc>
-                <a:spcPct val="80000"/>
-              </a:lnSpc>
-              <a:spcBef>
-                <a:spcPts val="2300"/>
-              </a:spcBef>
-              <a:buClrTx/>
-              <a:buSzTx/>
-              <a:buFontTx/>
-              <a:buNone/>
-              <a:defRPr cap="all" sz="5400">
-                <a:solidFill>
-                  <a:srgbClr val="A6AAA9"/>
-                </a:solidFill>
-                <a:latin typeface="+mn-lt"/>
-                <a:ea typeface="+mn-ea"/>
-                <a:cs typeface="+mn-cs"/>
-                <a:sym typeface="Baskerville"/>
-              </a:defRPr>
-            </a:lvl4pPr>
-            <a:lvl5pPr marL="0" indent="0">
-              <a:lnSpc>
-                <a:spcPct val="80000"/>
-              </a:lnSpc>
-              <a:spcBef>
-                <a:spcPts val="2300"/>
-              </a:spcBef>
-              <a:buClrTx/>
-              <a:buSzTx/>
-              <a:buFontTx/>
-              <a:buNone/>
-              <a:defRPr cap="all" sz="5400">
-                <a:solidFill>
-                  <a:srgbClr val="A6AAA9"/>
-                </a:solidFill>
-                <a:latin typeface="+mn-lt"/>
-                <a:ea typeface="+mn-ea"/>
-                <a:cs typeface="+mn-cs"/>
-                <a:sym typeface="Baskerville"/>
-              </a:defRPr>
-            </a:lvl5pPr>
-          </a:lstStyle>
-          <a:p>
-            <a:pPr/>
-            <a:r>
-              <a:t>正文级别 1</a:t>
-            </a:r>
-          </a:p>
-          <a:p>
-            <a:pPr lvl="1"/>
-            <a:r>
-              <a:t>正文级别 2</a:t>
-            </a:r>
-          </a:p>
-          <a:p>
-            <a:pPr lvl="2"/>
-            <a:r>
-              <a:t>正文级别 3</a:t>
-            </a:r>
-          </a:p>
-          <a:p>
-            <a:pPr lvl="3"/>
-            <a:r>
-              <a:t>正文级别 4</a:t>
-            </a:r>
-          </a:p>
-          <a:p>
-            <a:pPr lvl="4"/>
-            <a:r>
-              <a:t>正文级别 5</a:t>
-            </a:r>
-          </a:p>
-        </p:txBody>
-      </p:sp>
-      <p:sp>
-        <p:nvSpPr>
-          <p:cNvPr id="36" name="幻灯片编号"/>
-          <p:cNvSpPr txBox="1"/>
-          <p:nvPr>
-            <p:ph type="sldNum" sz="quarter" idx="2"/>
-          </p:nvPr>
-        </p:nvSpPr>
-        <p:spPr>
-          <a:xfrm>
-            <a:off x="12149656" y="419100"/>
-            <a:ext cx="419101" cy="457200"/>
-          </a:xfrm>
-          <a:prstGeom prst="rect">
-            <a:avLst/>
-          </a:prstGeom>
-        </p:spPr>
-        <p:txBody>
-          <a:bodyPr/>
-          <a:lstStyle/>
-          <a:p>
-            <a:pPr/>
-            <a:fld id="{86CB4B4D-7CA3-9044-876B-883B54F8677D}" type="slidenum"/>
-          </a:p>
-        </p:txBody>
-      </p:sp>
-    </p:spTree>
-  </p:cSld>
-  <p:clrMapOvr>
-    <a:masterClrMapping/>
-  </p:clrMapOvr>
-  <p:transition xmlns:p14="http://schemas.microsoft.com/office/powerpoint/2010/main" spd="med" advClick="1"/>
-</p:sldLayout>
-</file>
-
-<file path=ppt/slideLayouts/slideLayout4.xml><?xml version="1.0" encoding="utf-8"?>
-<p:sldLayout xmlns:a="http://schemas.openxmlformats.org/drawingml/2006/main" xmlns:r="http://schemas.openxmlformats.org/officeDocument/2006/relationships" xmlns:p="http://schemas.openxmlformats.org/presentationml/2006/main" xmlns:m="http://schemas.openxmlformats.org/officeDocument/2006/math" xmlns:a14="http://schemas.microsoft.com/office/drawing/2010/main" type="tx" showMasterSp="0" showMasterPhAnim="1">
-  <p:cSld name="标题 - 居中">
-    <p:bg>
-      <p:bgPr>
-        <a:solidFill>
-          <a:srgbClr val="222222"/>
-        </a:solidFill>
-      </p:bgPr>
-    </p:bg>
-    <p:spTree>
-      <p:nvGrpSpPr>
-        <p:cNvPr id="1" name=""/>
-        <p:cNvGrpSpPr/>
-        <p:nvPr/>
-      </p:nvGrpSpPr>
-      <p:grpSpPr>
-        <a:xfrm>
-          <a:off x="0" y="0"/>
-          <a:ext cx="0" cy="0"/>
-          <a:chOff x="0" y="0"/>
-          <a:chExt cx="0" cy="0"/>
-        </a:xfrm>
-      </p:grpSpPr>
-      <p:sp>
-        <p:nvSpPr>
-          <p:cNvPr id="43" name="标题文本"/>
-          <p:cNvSpPr txBox="1"/>
-          <p:nvPr>
-            <p:ph type="title"/>
-          </p:nvPr>
-        </p:nvSpPr>
-        <p:spPr>
-          <a:xfrm>
-            <a:off x="406400" y="4038600"/>
-            <a:ext cx="12192000" cy="4521200"/>
-          </a:xfrm>
-          <a:prstGeom prst="rect">
-            <a:avLst/>
-          </a:prstGeom>
-        </p:spPr>
-        <p:txBody>
-          <a:bodyPr/>
-          <a:lstStyle>
-            <a:lvl1pPr>
-              <a:spcBef>
-                <a:spcPts val="0"/>
-              </a:spcBef>
-              <a:defRPr sz="17000"/>
-            </a:lvl1pPr>
-          </a:lstStyle>
-          <a:p>
-            <a:pPr/>
-            <a:r>
-              <a:t>标题文本</a:t>
-            </a:r>
-          </a:p>
-        </p:txBody>
-      </p:sp>
-      <p:sp>
-        <p:nvSpPr>
-          <p:cNvPr id="44" name="幻灯片编号"/>
-          <p:cNvSpPr txBox="1"/>
-          <p:nvPr>
-            <p:ph type="sldNum" sz="quarter" idx="2"/>
-          </p:nvPr>
-        </p:nvSpPr>
-        <p:spPr>
-          <a:xfrm>
-            <a:off x="12182237" y="431800"/>
-            <a:ext cx="419101" cy="457200"/>
-          </a:xfrm>
-          <a:prstGeom prst="rect">
-            <a:avLst/>
-          </a:prstGeom>
-        </p:spPr>
-        <p:txBody>
-          <a:bodyPr/>
-          <a:lstStyle/>
-          <a:p>
-            <a:pPr/>
-            <a:fld id="{86CB4B4D-7CA3-9044-876B-883B54F8677D}" type="slidenum"/>
-          </a:p>
-        </p:txBody>
-      </p:sp>
-    </p:spTree>
-  </p:cSld>
-  <p:clrMapOvr>
-    <a:masterClrMapping/>
-  </p:clrMapOvr>
-  <p:transition xmlns:p14="http://schemas.microsoft.com/office/powerpoint/2010/main" spd="med" advClick="1"/>
-</p:sldLayout>
-</file>
-
-<file path=ppt/slideLayouts/slideLayout5.xml><?xml version="1.0" encoding="utf-8"?>
-<p:sldLayout xmlns:a="http://schemas.openxmlformats.org/drawingml/2006/main" xmlns:r="http://schemas.openxmlformats.org/officeDocument/2006/relationships" xmlns:p="http://schemas.openxmlformats.org/presentationml/2006/main" xmlns:m="http://schemas.openxmlformats.org/officeDocument/2006/math" xmlns:a14="http://schemas.microsoft.com/office/drawing/2010/main" type="tx" showMasterSp="0" showMasterPhAnim="1">
-  <p:cSld name="照片 - 垂直">
-    <p:bg>
-      <p:bgPr>
-        <a:solidFill>
-          <a:srgbClr val="222222"/>
-        </a:solidFill>
-      </p:bgPr>
-    </p:bg>
-    <p:spTree>
-      <p:nvGrpSpPr>
-        <p:cNvPr id="1" name=""/>
-        <p:cNvGrpSpPr/>
-        <p:nvPr/>
-      </p:nvGrpSpPr>
-      <p:grpSpPr>
-        <a:xfrm>
-          <a:off x="0" y="0"/>
-          <a:ext cx="0" cy="0"/>
-          <a:chOff x="0" y="0"/>
-          <a:chExt cx="0" cy="0"/>
-        </a:xfrm>
-      </p:grpSpPr>
-      <p:sp>
-        <p:nvSpPr>
-          <p:cNvPr id="51" name="线条"/>
-          <p:cNvSpPr/>
-          <p:nvPr/>
-        </p:nvSpPr>
-        <p:spPr>
-          <a:xfrm flipV="1">
-            <a:off x="5892800" y="6141012"/>
-            <a:ext cx="6705600" cy="145"/>
-          </a:xfrm>
-          <a:prstGeom prst="line">
-            <a:avLst/>
-          </a:prstGeom>
-          <a:ln w="38100">
-            <a:solidFill>
-              <a:srgbClr val="A6AAA9"/>
-            </a:solidFill>
-            <a:miter lim="400000"/>
-          </a:ln>
-        </p:spPr>
-        <p:txBody>
-          <a:bodyPr lIns="50800" tIns="50800" rIns="50800" bIns="50800" anchor="ctr"/>
-          <a:lstStyle/>
-          <a:p>
-            <a:pPr defTabSz="457200">
-              <a:spcBef>
-                <a:spcPts val="0"/>
-              </a:spcBef>
-              <a:defRPr sz="1200">
-                <a:solidFill>
-                  <a:srgbClr val="000000"/>
-                </a:solidFill>
-                <a:latin typeface="Helvetica"/>
-                <a:ea typeface="Helvetica"/>
-                <a:cs typeface="Helvetica"/>
-                <a:sym typeface="Helvetica"/>
-              </a:defRPr>
-            </a:pPr>
-          </a:p>
-        </p:txBody>
-      </p:sp>
-      <p:sp>
-        <p:nvSpPr>
-          <p:cNvPr id="52" name="图像"/>
-          <p:cNvSpPr/>
-          <p:nvPr>
-            <p:ph type="pic" idx="13"/>
-          </p:nvPr>
-        </p:nvSpPr>
-        <p:spPr>
-          <a:xfrm>
-            <a:off x="0" y="0"/>
-            <a:ext cx="5486400" cy="9753600"/>
-          </a:xfrm>
-          <a:prstGeom prst="rect">
-            <a:avLst/>
-          </a:prstGeom>
-        </p:spPr>
-        <p:txBody>
-          <a:bodyPr lIns="91439" tIns="45719" rIns="91439" bIns="45719">
-            <a:noAutofit/>
-          </a:bodyPr>
-          <a:lstStyle/>
-          <a:p>
-            <a:pPr/>
-          </a:p>
-        </p:txBody>
-      </p:sp>
-      <p:sp>
-        <p:nvSpPr>
-          <p:cNvPr id="53" name="标题文本"/>
-          <p:cNvSpPr txBox="1"/>
-          <p:nvPr>
-            <p:ph type="title"/>
-          </p:nvPr>
-        </p:nvSpPr>
-        <p:spPr>
-          <a:xfrm>
-            <a:off x="5892800" y="6426200"/>
-            <a:ext cx="6705600" cy="2705100"/>
-          </a:xfrm>
-          <a:prstGeom prst="rect">
-            <a:avLst/>
-          </a:prstGeom>
-        </p:spPr>
-        <p:txBody>
-          <a:bodyPr/>
-          <a:lstStyle>
-            <a:lvl1pPr>
-              <a:spcBef>
-                <a:spcPts val="0"/>
-              </a:spcBef>
-              <a:defRPr sz="17000"/>
-            </a:lvl1pPr>
-          </a:lstStyle>
-          <a:p>
-            <a:pPr/>
-            <a:r>
-              <a:t>标题文本</a:t>
-            </a:r>
-          </a:p>
-        </p:txBody>
-      </p:sp>
-      <p:sp>
-        <p:nvSpPr>
-          <p:cNvPr id="54" name="正文级别 1…"/>
-          <p:cNvSpPr txBox="1"/>
-          <p:nvPr>
-            <p:ph type="body" sz="quarter" idx="1"/>
-          </p:nvPr>
-        </p:nvSpPr>
-        <p:spPr>
-          <a:xfrm>
-            <a:off x="5892800" y="4267200"/>
-            <a:ext cx="6705600" cy="1803400"/>
-          </a:xfrm>
-          <a:prstGeom prst="rect">
-            <a:avLst/>
-          </a:prstGeom>
-        </p:spPr>
-        <p:txBody>
-          <a:bodyPr anchor="b"/>
-          <a:lstStyle>
-            <a:lvl1pPr marL="0" indent="0">
-              <a:lnSpc>
-                <a:spcPct val="80000"/>
-              </a:lnSpc>
-              <a:spcBef>
-                <a:spcPts val="2300"/>
-              </a:spcBef>
-              <a:buClrTx/>
-              <a:buSzTx/>
-              <a:buFontTx/>
-              <a:buNone/>
-              <a:defRPr cap="all" sz="5400">
-                <a:solidFill>
-                  <a:srgbClr val="A6AAA9"/>
-                </a:solidFill>
-                <a:latin typeface="+mn-lt"/>
-                <a:ea typeface="+mn-ea"/>
-                <a:cs typeface="+mn-cs"/>
-                <a:sym typeface="Baskerville"/>
-              </a:defRPr>
-            </a:lvl1pPr>
-            <a:lvl2pPr marL="0" indent="0">
-              <a:lnSpc>
-                <a:spcPct val="80000"/>
-              </a:lnSpc>
-              <a:spcBef>
-                <a:spcPts val="2300"/>
-              </a:spcBef>
-              <a:buClrTx/>
-              <a:buSzTx/>
-              <a:buFontTx/>
-              <a:buNone/>
-              <a:defRPr cap="all" sz="5400">
-                <a:solidFill>
-                  <a:srgbClr val="A6AAA9"/>
-                </a:solidFill>
-                <a:latin typeface="+mn-lt"/>
-                <a:ea typeface="+mn-ea"/>
-                <a:cs typeface="+mn-cs"/>
-                <a:sym typeface="Baskerville"/>
-              </a:defRPr>
-            </a:lvl2pPr>
-            <a:lvl3pPr marL="0" indent="0">
-              <a:lnSpc>
-                <a:spcPct val="80000"/>
-              </a:lnSpc>
-              <a:spcBef>
-                <a:spcPts val="2300"/>
-              </a:spcBef>
-              <a:buClrTx/>
-              <a:buSzTx/>
-              <a:buFontTx/>
-              <a:buNone/>
-              <a:defRPr cap="all" sz="5400">
-                <a:solidFill>
-                  <a:srgbClr val="A6AAA9"/>
-                </a:solidFill>
-                <a:latin typeface="+mn-lt"/>
-                <a:ea typeface="+mn-ea"/>
-                <a:cs typeface="+mn-cs"/>
-                <a:sym typeface="Baskerville"/>
-              </a:defRPr>
-            </a:lvl3pPr>
-            <a:lvl4pPr marL="0" indent="0">
-              <a:lnSpc>
-                <a:spcPct val="80000"/>
-              </a:lnSpc>
-              <a:spcBef>
-                <a:spcPts val="2300"/>
-              </a:spcBef>
-              <a:buClrTx/>
-              <a:buSzTx/>
-              <a:buFontTx/>
-              <a:buNone/>
-              <a:defRPr cap="all" sz="5400">
-                <a:solidFill>
-                  <a:srgbClr val="A6AAA9"/>
-                </a:solidFill>
-                <a:latin typeface="+mn-lt"/>
-                <a:ea typeface="+mn-ea"/>
-                <a:cs typeface="+mn-cs"/>
-                <a:sym typeface="Baskerville"/>
-              </a:defRPr>
-            </a:lvl4pPr>
-            <a:lvl5pPr marL="0" indent="0">
-              <a:lnSpc>
-                <a:spcPct val="80000"/>
-              </a:lnSpc>
-              <a:spcBef>
-                <a:spcPts val="2300"/>
-              </a:spcBef>
-              <a:buClrTx/>
-              <a:buSzTx/>
-              <a:buFontTx/>
-              <a:buNone/>
-              <a:defRPr cap="all" sz="5400">
-                <a:solidFill>
-                  <a:srgbClr val="A6AAA9"/>
-                </a:solidFill>
-                <a:latin typeface="+mn-lt"/>
-                <a:ea typeface="+mn-ea"/>
-                <a:cs typeface="+mn-cs"/>
-                <a:sym typeface="Baskerville"/>
-              </a:defRPr>
-            </a:lvl5pPr>
-          </a:lstStyle>
-          <a:p>
-            <a:pPr/>
-            <a:r>
-              <a:t>正文级别 1</a:t>
-            </a:r>
-          </a:p>
-          <a:p>
-            <a:pPr lvl="1"/>
-            <a:r>
-              <a:t>正文级别 2</a:t>
-            </a:r>
-          </a:p>
-          <a:p>
-            <a:pPr lvl="2"/>
-            <a:r>
-              <a:t>正文级别 3</a:t>
-            </a:r>
-          </a:p>
-          <a:p>
-            <a:pPr lvl="3"/>
-            <a:r>
-              <a:t>正文级别 4</a:t>
-            </a:r>
-          </a:p>
-          <a:p>
-            <a:pPr lvl="4"/>
-            <a:r>
-              <a:t>正文级别 5</a:t>
-            </a:r>
-          </a:p>
-        </p:txBody>
-      </p:sp>
-      <p:sp>
-        <p:nvSpPr>
-          <p:cNvPr id="55" name="幻灯片编号"/>
-          <p:cNvSpPr txBox="1"/>
-          <p:nvPr>
-            <p:ph type="sldNum" sz="quarter" idx="2"/>
-          </p:nvPr>
-        </p:nvSpPr>
-        <p:spPr>
-          <a:xfrm>
-            <a:off x="12182237" y="431800"/>
-            <a:ext cx="419101" cy="457200"/>
-          </a:xfrm>
-          <a:prstGeom prst="rect">
-            <a:avLst/>
-          </a:prstGeom>
-        </p:spPr>
-        <p:txBody>
-          <a:bodyPr/>
-          <a:lstStyle/>
-          <a:p>
-            <a:pPr/>
-            <a:fld id="{86CB4B4D-7CA3-9044-876B-883B54F8677D}" type="slidenum"/>
-          </a:p>
-        </p:txBody>
-      </p:sp>
-    </p:spTree>
-  </p:cSld>
-  <p:clrMapOvr>
-    <a:masterClrMapping/>
-  </p:clrMapOvr>
-  <p:transition xmlns:p14="http://schemas.microsoft.com/office/powerpoint/2010/main" spd="med" advClick="1"/>
-</p:sldLayout>
-</file>
-
-<file path=ppt/slideLayouts/slideLayout6.xml><?xml version="1.0" encoding="utf-8"?>
-<p:sldLayout xmlns:a="http://schemas.openxmlformats.org/drawingml/2006/main" xmlns:r="http://schemas.openxmlformats.org/officeDocument/2006/relationships" xmlns:p="http://schemas.openxmlformats.org/presentationml/2006/main" xmlns:m="http://schemas.openxmlformats.org/officeDocument/2006/math" xmlns:a14="http://schemas.microsoft.com/office/drawing/2010/main" type="tx" showMasterSp="1" showMasterPhAnim="1">
-  <p:cSld name="标题 - 顶部对齐">
-    <p:spTree>
-      <p:nvGrpSpPr>
-        <p:cNvPr id="1" name=""/>
-        <p:cNvGrpSpPr/>
-        <p:nvPr/>
-      </p:nvGrpSpPr>
-      <p:grpSpPr>
-        <a:xfrm>
-          <a:off x="0" y="0"/>
-          <a:ext cx="0" cy="0"/>
-          <a:chOff x="0" y="0"/>
-          <a:chExt cx="0" cy="0"/>
-        </a:xfrm>
-      </p:grpSpPr>
-      <p:sp>
-        <p:nvSpPr>
-          <p:cNvPr id="62" name="文本"/>
-          <p:cNvSpPr txBox="1"/>
-          <p:nvPr>
-            <p:ph type="body" sz="quarter" idx="13"/>
-          </p:nvPr>
-        </p:nvSpPr>
-        <p:spPr>
-          <a:xfrm>
-            <a:off x="406400" y="393700"/>
-            <a:ext cx="11176000" cy="520701"/>
-          </a:xfrm>
-          <a:prstGeom prst="rect">
-            <a:avLst/>
-          </a:prstGeom>
-        </p:spPr>
-        <p:txBody>
-          <a:bodyPr anchor="b">
-            <a:spAutoFit/>
-          </a:bodyPr>
-          <a:lstStyle>
-            <a:lvl1pPr marL="0" indent="0" defTabSz="457200">
-              <a:lnSpc>
-                <a:spcPct val="80000"/>
-              </a:lnSpc>
-              <a:spcBef>
-                <a:spcPts val="0"/>
-              </a:spcBef>
-              <a:buClrTx/>
-              <a:buSzTx/>
-              <a:buFontTx/>
-              <a:buNone/>
-              <a:defRPr b="1" cap="all" spc="120" sz="2400">
-                <a:latin typeface="+mn-lt"/>
-                <a:ea typeface="+mn-ea"/>
-                <a:cs typeface="+mn-cs"/>
-                <a:sym typeface="Baskerville"/>
-              </a:defRPr>
-            </a:lvl1pPr>
-          </a:lstStyle>
-          <a:p>
-            <a:pPr/>
-            <a:r>
-              <a:t>文本</a:t>
-            </a:r>
-          </a:p>
-        </p:txBody>
-      </p:sp>
-      <p:sp>
-        <p:nvSpPr>
-          <p:cNvPr id="63" name="标题文本"/>
-          <p:cNvSpPr txBox="1"/>
-          <p:nvPr>
-            <p:ph type="title"/>
-          </p:nvPr>
-        </p:nvSpPr>
-        <p:spPr>
-          <a:prstGeom prst="rect">
-            <a:avLst/>
-          </a:prstGeom>
-        </p:spPr>
-        <p:txBody>
-          <a:bodyPr/>
-          <a:lstStyle/>
-          <a:p>
-            <a:pPr/>
-            <a:r>
-              <a:t>标题文本</a:t>
-            </a:r>
-          </a:p>
-        </p:txBody>
-      </p:sp>
-      <p:sp>
-        <p:nvSpPr>
-          <p:cNvPr id="64" name="幻灯片编号"/>
-          <p:cNvSpPr txBox="1"/>
-          <p:nvPr>
-            <p:ph type="sldNum" sz="quarter" idx="2"/>
-          </p:nvPr>
-        </p:nvSpPr>
-        <p:spPr>
-          <a:prstGeom prst="rect">
-            <a:avLst/>
-          </a:prstGeom>
-        </p:spPr>
-        <p:txBody>
-          <a:bodyPr/>
-          <a:lstStyle/>
-          <a:p>
-            <a:pPr/>
-            <a:fld id="{86CB4B4D-7CA3-9044-876B-883B54F8677D}" type="slidenum"/>
-          </a:p>
-        </p:txBody>
-      </p:sp>
-    </p:spTree>
-  </p:cSld>
-  <p:clrMapOvr>
-    <a:masterClrMapping/>
-  </p:clrMapOvr>
-  <p:transition xmlns:p14="http://schemas.microsoft.com/office/powerpoint/2010/main" spd="med" advClick="1"/>
-</p:sldLayout>
-</file>
-
-<file path=ppt/slideLayouts/slideLayout7.xml><?xml version="1.0" encoding="utf-8"?>
-<p:sldLayout xmlns:a="http://schemas.openxmlformats.org/drawingml/2006/main" xmlns:r="http://schemas.openxmlformats.org/officeDocument/2006/relationships" xmlns:p="http://schemas.openxmlformats.org/presentationml/2006/main" xmlns:m="http://schemas.openxmlformats.org/officeDocument/2006/math" xmlns:a14="http://schemas.microsoft.com/office/drawing/2010/main" type="tx" showMasterSp="1" showMasterPhAnim="1">
-  <p:cSld name="标题与项目符号">
-    <p:bg>
-      <p:bgPr>
-        <a:solidFill>
-          <a:srgbClr val="222222"/>
-        </a:solidFill>
-      </p:bgPr>
-    </p:bg>
-    <p:spTree>
-      <p:nvGrpSpPr>
-        <p:cNvPr id="1" name=""/>
-        <p:cNvGrpSpPr/>
-        <p:nvPr/>
-      </p:nvGrpSpPr>
-      <p:grpSpPr>
-        <a:xfrm>
-          <a:off x="0" y="0"/>
-          <a:ext cx="0" cy="0"/>
-          <a:chOff x="0" y="0"/>
-          <a:chExt cx="0" cy="0"/>
-        </a:xfrm>
-      </p:grpSpPr>
-      <p:sp>
-        <p:nvSpPr>
-          <p:cNvPr id="71" name="文本"/>
-          <p:cNvSpPr txBox="1"/>
-          <p:nvPr>
-            <p:ph type="body" sz="quarter" idx="13"/>
-          </p:nvPr>
-        </p:nvSpPr>
-        <p:spPr>
-          <a:xfrm>
-            <a:off x="406400" y="393700"/>
-            <a:ext cx="11176000" cy="520701"/>
-          </a:xfrm>
-          <a:prstGeom prst="rect">
-            <a:avLst/>
-          </a:prstGeom>
-        </p:spPr>
-        <p:txBody>
-          <a:bodyPr anchor="b">
-            <a:spAutoFit/>
-          </a:bodyPr>
-          <a:lstStyle>
-            <a:lvl1pPr marL="0" indent="0" defTabSz="457200">
-              <a:lnSpc>
-                <a:spcPct val="80000"/>
-              </a:lnSpc>
-              <a:spcBef>
-                <a:spcPts val="0"/>
-              </a:spcBef>
-              <a:buClrTx/>
-              <a:buSzTx/>
-              <a:buFontTx/>
-              <a:buNone/>
-              <a:defRPr b="1" cap="all" spc="120" sz="2400">
-                <a:latin typeface="+mn-lt"/>
-                <a:ea typeface="+mn-ea"/>
-                <a:cs typeface="+mn-cs"/>
-                <a:sym typeface="Baskerville"/>
-              </a:defRPr>
-            </a:lvl1pPr>
-          </a:lstStyle>
-          <a:p>
-            <a:pPr/>
-            <a:r>
-              <a:t>文本</a:t>
-            </a:r>
-          </a:p>
-        </p:txBody>
-      </p:sp>
-      <p:sp>
-        <p:nvSpPr>
-          <p:cNvPr id="72" name="标题文本"/>
-          <p:cNvSpPr txBox="1"/>
-          <p:nvPr>
-            <p:ph type="title"/>
-          </p:nvPr>
-        </p:nvSpPr>
-        <p:spPr>
-          <a:prstGeom prst="rect">
-            <a:avLst/>
-          </a:prstGeom>
-        </p:spPr>
-        <p:txBody>
-          <a:bodyPr/>
-          <a:lstStyle/>
-          <a:p>
-            <a:pPr/>
-            <a:r>
-              <a:t>标题文本</a:t>
-            </a:r>
-          </a:p>
-        </p:txBody>
-      </p:sp>
-      <p:sp>
-        <p:nvSpPr>
-          <p:cNvPr id="73" name="正文级别 1…"/>
-          <p:cNvSpPr txBox="1"/>
-          <p:nvPr>
-            <p:ph type="body" idx="1"/>
-          </p:nvPr>
-        </p:nvSpPr>
-        <p:spPr>
-          <a:prstGeom prst="rect">
-            <a:avLst/>
-          </a:prstGeom>
-        </p:spPr>
-        <p:txBody>
-          <a:bodyPr/>
-          <a:lstStyle>
-            <a:lvl1pPr>
-              <a:buClr>
-                <a:schemeClr val="accent1"/>
-              </a:buClr>
-              <a:buChar char="▸"/>
-            </a:lvl1pPr>
-            <a:lvl2pPr>
-              <a:buClr>
-                <a:schemeClr val="accent1"/>
-              </a:buClr>
-              <a:buChar char="▸"/>
-            </a:lvl2pPr>
-            <a:lvl3pPr>
-              <a:buClr>
-                <a:schemeClr val="accent1"/>
-              </a:buClr>
-              <a:buChar char="▸"/>
-            </a:lvl3pPr>
-            <a:lvl4pPr>
-              <a:buClr>
-                <a:schemeClr val="accent1"/>
-              </a:buClr>
-              <a:buChar char="▸"/>
-            </a:lvl4pPr>
-            <a:lvl5pPr>
-              <a:buClr>
-                <a:schemeClr val="accent1"/>
-              </a:buClr>
-              <a:buChar char="▸"/>
-            </a:lvl5pPr>
-          </a:lstStyle>
-          <a:p>
-            <a:pPr/>
-            <a:r>
-              <a:t>正文级别 1</a:t>
-            </a:r>
-          </a:p>
-          <a:p>
-            <a:pPr lvl="1"/>
-            <a:r>
-              <a:t>正文级别 2</a:t>
-            </a:r>
-          </a:p>
-          <a:p>
-            <a:pPr lvl="2"/>
-            <a:r>
-              <a:t>正文级别 3</a:t>
-            </a:r>
-          </a:p>
-          <a:p>
-            <a:pPr lvl="3"/>
-            <a:r>
-              <a:t>正文级别 4</a:t>
-            </a:r>
-          </a:p>
-          <a:p>
-            <a:pPr lvl="4"/>
-            <a:r>
-              <a:t>正文级别 5</a:t>
-            </a:r>
-          </a:p>
-        </p:txBody>
-      </p:sp>
-      <p:sp>
-        <p:nvSpPr>
-          <p:cNvPr id="74" name="幻灯片编号"/>
-          <p:cNvSpPr txBox="1"/>
-          <p:nvPr>
-            <p:ph type="sldNum" sz="quarter" idx="2"/>
-          </p:nvPr>
-        </p:nvSpPr>
-        <p:spPr>
-          <a:prstGeom prst="rect">
-            <a:avLst/>
-          </a:prstGeom>
-        </p:spPr>
-        <p:txBody>
-          <a:bodyPr/>
-          <a:lstStyle/>
-          <a:p>
-            <a:pPr/>
-            <a:fld id="{86CB4B4D-7CA3-9044-876B-883B54F8677D}" type="slidenum"/>
-          </a:p>
-        </p:txBody>
-      </p:sp>
-    </p:spTree>
-  </p:cSld>
-  <p:clrMapOvr>
-    <a:masterClrMapping/>
-  </p:clrMapOvr>
-  <p:transition xmlns:p14="http://schemas.microsoft.com/office/powerpoint/2010/main" spd="med" advClick="1"/>
-</p:sldLayout>
-</file>
-
-<file path=ppt/slideLayouts/slideLayout8.xml><?xml version="1.0" encoding="utf-8"?>
-<p:sldLayout xmlns:a="http://schemas.openxmlformats.org/drawingml/2006/main" xmlns:r="http://schemas.openxmlformats.org/officeDocument/2006/relationships" xmlns:p="http://schemas.openxmlformats.org/presentationml/2006/main" xmlns:m="http://schemas.openxmlformats.org/officeDocument/2006/math" xmlns:a14="http://schemas.microsoft.com/office/drawing/2010/main" type="tx" showMasterSp="1" showMasterPhAnim="1">
-  <p:cSld name="标题与项目符号（备选）">
-    <p:spTree>
-      <p:nvGrpSpPr>
-        <p:cNvPr id="1" name=""/>
-        <p:cNvGrpSpPr/>
-        <p:nvPr/>
-      </p:nvGrpSpPr>
-      <p:grpSpPr>
-        <a:xfrm>
-          <a:off x="0" y="0"/>
-          <a:ext cx="0" cy="0"/>
-          <a:chOff x="0" y="0"/>
-          <a:chExt cx="0" cy="0"/>
-        </a:xfrm>
-      </p:grpSpPr>
-      <p:sp>
-        <p:nvSpPr>
-          <p:cNvPr id="81" name="文本"/>
-          <p:cNvSpPr txBox="1"/>
-          <p:nvPr>
-            <p:ph type="body" sz="quarter" idx="13"/>
-          </p:nvPr>
-        </p:nvSpPr>
-        <p:spPr>
-          <a:xfrm>
-            <a:off x="406400" y="393700"/>
-            <a:ext cx="11176000" cy="520701"/>
-          </a:xfrm>
-          <a:prstGeom prst="rect">
-            <a:avLst/>
-          </a:prstGeom>
-        </p:spPr>
-        <p:txBody>
-          <a:bodyPr anchor="b">
-            <a:spAutoFit/>
-          </a:bodyPr>
-          <a:lstStyle>
-            <a:lvl1pPr marL="0" indent="0" defTabSz="457200">
-              <a:lnSpc>
-                <a:spcPct val="80000"/>
-              </a:lnSpc>
-              <a:spcBef>
-                <a:spcPts val="0"/>
-              </a:spcBef>
-              <a:buClrTx/>
-              <a:buSzTx/>
-              <a:buFontTx/>
-              <a:buNone/>
-              <a:defRPr b="1" cap="all" spc="120" sz="2400">
-                <a:latin typeface="+mn-lt"/>
-                <a:ea typeface="+mn-ea"/>
-                <a:cs typeface="+mn-cs"/>
-                <a:sym typeface="Baskerville"/>
-              </a:defRPr>
-            </a:lvl1pPr>
-          </a:lstStyle>
-          <a:p>
-            <a:pPr/>
-            <a:r>
-              <a:t>文本</a:t>
-            </a:r>
-          </a:p>
-        </p:txBody>
-      </p:sp>
-      <p:sp>
-        <p:nvSpPr>
-          <p:cNvPr id="82" name="标题文本"/>
-          <p:cNvSpPr txBox="1"/>
-          <p:nvPr>
-            <p:ph type="title"/>
-          </p:nvPr>
-        </p:nvSpPr>
-        <p:spPr>
-          <a:prstGeom prst="rect">
-            <a:avLst/>
-          </a:prstGeom>
-        </p:spPr>
-        <p:txBody>
-          <a:bodyPr/>
-          <a:lstStyle/>
-          <a:p>
-            <a:pPr/>
-            <a:r>
-              <a:t>标题文本</a:t>
-            </a:r>
-          </a:p>
-        </p:txBody>
-      </p:sp>
-      <p:sp>
-        <p:nvSpPr>
-          <p:cNvPr id="83" name="正文级别 1…"/>
-          <p:cNvSpPr txBox="1"/>
-          <p:nvPr>
-            <p:ph type="body" idx="1"/>
-          </p:nvPr>
-        </p:nvSpPr>
-        <p:spPr>
-          <a:prstGeom prst="rect">
-            <a:avLst/>
-          </a:prstGeom>
-        </p:spPr>
-        <p:txBody>
-          <a:bodyPr/>
-          <a:lstStyle>
-            <a:lvl1pPr>
-              <a:buClr>
-                <a:schemeClr val="accent1"/>
-              </a:buClr>
-              <a:buChar char="▸"/>
-            </a:lvl1pPr>
-            <a:lvl2pPr>
-              <a:buClr>
-                <a:schemeClr val="accent1"/>
-              </a:buClr>
-              <a:buChar char="▸"/>
-            </a:lvl2pPr>
-            <a:lvl3pPr>
-              <a:buClr>
-                <a:schemeClr val="accent1"/>
-              </a:buClr>
-              <a:buChar char="▸"/>
-            </a:lvl3pPr>
-            <a:lvl4pPr>
-              <a:buClr>
-                <a:schemeClr val="accent1"/>
-              </a:buClr>
-              <a:buChar char="▸"/>
-            </a:lvl4pPr>
-            <a:lvl5pPr>
-              <a:buClr>
-                <a:schemeClr val="accent1"/>
-              </a:buClr>
-              <a:buChar char="▸"/>
-            </a:lvl5pPr>
-          </a:lstStyle>
-          <a:p>
-            <a:pPr/>
-            <a:r>
-              <a:t>正文级别 1</a:t>
-            </a:r>
-          </a:p>
-          <a:p>
-            <a:pPr lvl="1"/>
-            <a:r>
-              <a:t>正文级别 2</a:t>
-            </a:r>
-          </a:p>
-          <a:p>
-            <a:pPr lvl="2"/>
-            <a:r>
-              <a:t>正文级别 3</a:t>
-            </a:r>
-          </a:p>
-          <a:p>
-            <a:pPr lvl="3"/>
-            <a:r>
-              <a:t>正文级别 4</a:t>
-            </a:r>
-          </a:p>
-          <a:p>
-            <a:pPr lvl="4"/>
-            <a:r>
-              <a:t>正文级别 5</a:t>
-            </a:r>
-          </a:p>
-        </p:txBody>
-      </p:sp>
-      <p:sp>
-        <p:nvSpPr>
-          <p:cNvPr id="84" name="幻灯片编号"/>
-          <p:cNvSpPr txBox="1"/>
-          <p:nvPr>
-            <p:ph type="sldNum" sz="quarter" idx="2"/>
-          </p:nvPr>
-        </p:nvSpPr>
-        <p:spPr>
-          <a:prstGeom prst="rect">
-            <a:avLst/>
-          </a:prstGeom>
-        </p:spPr>
-        <p:txBody>
-          <a:bodyPr/>
-          <a:lstStyle/>
-          <a:p>
-            <a:pPr/>
-            <a:fld id="{86CB4B4D-7CA3-9044-876B-883B54F8677D}" type="slidenum"/>
-          </a:p>
-        </p:txBody>
-      </p:sp>
-    </p:spTree>
-  </p:cSld>
-  <p:clrMapOvr>
-    <a:masterClrMapping/>
-  </p:clrMapOvr>
-  <p:transition xmlns:p14="http://schemas.microsoft.com/office/powerpoint/2010/main" spd="med" advClick="1"/>
-</p:sldLayout>
-</file>
-
-<file path=ppt/slideLayouts/slideLayout9.xml><?xml version="1.0" encoding="utf-8"?>
-<p:sldLayout xmlns:a="http://schemas.openxmlformats.org/drawingml/2006/main" xmlns:r="http://schemas.openxmlformats.org/officeDocument/2006/relationships" xmlns:p="http://schemas.openxmlformats.org/presentationml/2006/main" xmlns:m="http://schemas.openxmlformats.org/officeDocument/2006/math" xmlns:a14="http://schemas.microsoft.com/office/drawing/2010/main" type="tx" showMasterSp="1" showMasterPhAnim="1">
-  <p:cSld name="标题、项目符号与照片">
-    <p:bg>
-      <p:bgPr>
-        <a:solidFill>
-          <a:srgbClr val="222222"/>
-        </a:solidFill>
-      </p:bgPr>
-    </p:bg>
-    <p:spTree>
-      <p:nvGrpSpPr>
-        <p:cNvPr id="1" name=""/>
-        <p:cNvGrpSpPr/>
-        <p:nvPr/>
-      </p:nvGrpSpPr>
-      <p:grpSpPr>
-        <a:xfrm>
-          <a:off x="0" y="0"/>
-          <a:ext cx="0" cy="0"/>
-          <a:chOff x="0" y="0"/>
-          <a:chExt cx="0" cy="0"/>
-        </a:xfrm>
-      </p:grpSpPr>
-      <p:sp>
-        <p:nvSpPr>
-          <p:cNvPr id="91" name="文本"/>
-          <p:cNvSpPr txBox="1"/>
-          <p:nvPr>
-            <p:ph type="body" sz="quarter" idx="13"/>
-          </p:nvPr>
-        </p:nvSpPr>
-        <p:spPr>
-          <a:xfrm>
-            <a:off x="406400" y="393700"/>
-            <a:ext cx="11176000" cy="520701"/>
-          </a:xfrm>
-          <a:prstGeom prst="rect">
-            <a:avLst/>
-          </a:prstGeom>
-        </p:spPr>
-        <p:txBody>
-          <a:bodyPr anchor="b">
-            <a:spAutoFit/>
-          </a:bodyPr>
-          <a:lstStyle>
-            <a:lvl1pPr marL="0" indent="0" defTabSz="457200">
-              <a:lnSpc>
-                <a:spcPct val="80000"/>
-              </a:lnSpc>
-              <a:spcBef>
-                <a:spcPts val="0"/>
-              </a:spcBef>
-              <a:buClrTx/>
-              <a:buSzTx/>
-              <a:buFontTx/>
-              <a:buNone/>
-              <a:defRPr b="1" cap="all" spc="120" sz="2400">
-                <a:latin typeface="+mn-lt"/>
-                <a:ea typeface="+mn-ea"/>
-                <a:cs typeface="+mn-cs"/>
-                <a:sym typeface="Baskerville"/>
-              </a:defRPr>
-            </a:lvl1pPr>
-          </a:lstStyle>
-          <a:p>
-            <a:pPr/>
-            <a:r>
-              <a:t>文本</a:t>
-            </a:r>
-          </a:p>
-        </p:txBody>
-      </p:sp>
-      <p:sp>
-        <p:nvSpPr>
-          <p:cNvPr id="92" name="图像"/>
-          <p:cNvSpPr/>
-          <p:nvPr>
-            <p:ph type="pic" sz="half" idx="14"/>
-          </p:nvPr>
-        </p:nvSpPr>
-        <p:spPr>
-          <a:xfrm>
-            <a:off x="7112000" y="1536700"/>
-            <a:ext cx="5486400" cy="7797800"/>
-          </a:xfrm>
-          <a:prstGeom prst="rect">
-            <a:avLst/>
-          </a:prstGeom>
-        </p:spPr>
-        <p:txBody>
-          <a:bodyPr lIns="91439" tIns="45719" rIns="91439" bIns="45719">
-            <a:noAutofit/>
-          </a:bodyPr>
-          <a:lstStyle/>
-          <a:p>
-            <a:pPr/>
-          </a:p>
-        </p:txBody>
-      </p:sp>
-      <p:sp>
-        <p:nvSpPr>
-          <p:cNvPr id="93" name="标题文本"/>
-          <p:cNvSpPr txBox="1"/>
-          <p:nvPr>
-            <p:ph type="title"/>
-          </p:nvPr>
-        </p:nvSpPr>
-        <p:spPr>
-          <a:xfrm>
-            <a:off x="406400" y="1536700"/>
-            <a:ext cx="6299200" cy="723900"/>
-          </a:xfrm>
-          <a:prstGeom prst="rect">
-            <a:avLst/>
-          </a:prstGeom>
-        </p:spPr>
-        <p:txBody>
-          <a:bodyPr/>
-          <a:lstStyle/>
-          <a:p>
-            <a:pPr/>
-            <a:r>
-              <a:t>标题文本</a:t>
-            </a:r>
-          </a:p>
-        </p:txBody>
-      </p:sp>
-      <p:sp>
-        <p:nvSpPr>
-          <p:cNvPr id="94" name="正文级别 1…"/>
-          <p:cNvSpPr txBox="1"/>
-          <p:nvPr>
-            <p:ph type="body" sz="half" idx="1"/>
-          </p:nvPr>
-        </p:nvSpPr>
-        <p:spPr>
-          <a:xfrm>
-            <a:off x="406400" y="2743200"/>
-            <a:ext cx="6299200" cy="6108700"/>
-          </a:xfrm>
-          <a:prstGeom prst="rect">
-            <a:avLst/>
-          </a:prstGeom>
-        </p:spPr>
-        <p:txBody>
-          <a:bodyPr/>
-          <a:lstStyle>
-            <a:lvl1pPr>
-              <a:buClr>
-                <a:schemeClr val="accent1"/>
-              </a:buClr>
-              <a:buChar char="▸"/>
-              <a:defRPr sz="2800"/>
-            </a:lvl1pPr>
-            <a:lvl2pPr>
-              <a:buClr>
-                <a:schemeClr val="accent1"/>
-              </a:buClr>
-              <a:buChar char="▸"/>
-              <a:defRPr sz="2800"/>
-            </a:lvl2pPr>
-            <a:lvl3pPr>
-              <a:buClr>
-                <a:schemeClr val="accent1"/>
-              </a:buClr>
-              <a:buChar char="▸"/>
-              <a:defRPr sz="2800"/>
-            </a:lvl3pPr>
-            <a:lvl4pPr>
-              <a:buClr>
-                <a:schemeClr val="accent1"/>
-              </a:buClr>
-              <a:buChar char="▸"/>
-              <a:defRPr sz="2800"/>
-            </a:lvl4pPr>
-            <a:lvl5pPr>
-              <a:buClr>
-                <a:schemeClr val="accent1"/>
-              </a:buClr>
-              <a:buChar char="▸"/>
-              <a:defRPr sz="2800"/>
-            </a:lvl5pPr>
-          </a:lstStyle>
-          <a:p>
-            <a:pPr/>
-            <a:r>
-              <a:t>正文级别 1</a:t>
-            </a:r>
-          </a:p>
-          <a:p>
-            <a:pPr lvl="1"/>
-            <a:r>
-              <a:t>正文级别 2</a:t>
-            </a:r>
-          </a:p>
-          <a:p>
-            <a:pPr lvl="2"/>
-            <a:r>
-              <a:t>正文级别 3</a:t>
-            </a:r>
-          </a:p>
-          <a:p>
-            <a:pPr lvl="3"/>
-            <a:r>
-              <a:t>正文级别 4</a:t>
-            </a:r>
-          </a:p>
-          <a:p>
-            <a:pPr lvl="4"/>
-            <a:r>
-              <a:t>正文级别 5</a:t>
-            </a:r>
-          </a:p>
-        </p:txBody>
-      </p:sp>
-      <p:sp>
-        <p:nvSpPr>
-          <p:cNvPr id="95" name="幻灯片编号"/>
-          <p:cNvSpPr txBox="1"/>
-          <p:nvPr>
-            <p:ph type="sldNum" sz="quarter" idx="2"/>
-          </p:nvPr>
-        </p:nvSpPr>
-        <p:spPr>
-          <a:prstGeom prst="rect">
-            <a:avLst/>
-          </a:prstGeom>
-        </p:spPr>
-        <p:txBody>
-          <a:bodyPr/>
-          <a:lstStyle/>
-          <a:p>
-            <a:pPr/>
-            <a:fld id="{86CB4B4D-7CA3-9044-876B-883B54F8677D}" type="slidenum"/>
-          </a:p>
-        </p:txBody>
-      </p:sp>
-    </p:spTree>
-  </p:cSld>
-  <p:clrMapOvr>
-    <a:masterClrMapping/>
-  </p:clrMapOvr>
-  <p:transition xmlns:p14="http://schemas.microsoft.com/office/powerpoint/2010/main" spd="med" advClick="1"/>
-</p:sldLayout>
-</file>
-
-<file path=ppt/slideMasters/slideMaster1.xml><?xml version="1.0" encoding="utf-8"?>
-<p:sldMaster xmlns:a="http://schemas.openxmlformats.org/drawingml/2006/main" xmlns:r="http://schemas.openxmlformats.org/officeDocument/2006/relationships" xmlns:p="http://schemas.openxmlformats.org/presentationml/2006/main" xmlns:m="http://schemas.openxmlformats.org/officeDocument/2006/math" xmlns:a14="http://schemas.microsoft.com/office/drawing/2010/main">
-  <p:cSld>
-    <p:bg>
-      <p:bgPr>
-        <a:solidFill>
-          <a:srgbClr val="FFFFFF"/>
-        </a:solidFill>
-      </p:bgPr>
-    </p:bg>
-    <p:spTree>
-      <p:nvGrpSpPr>
-        <p:cNvPr id="1" name=""/>
-        <p:cNvGrpSpPr/>
-        <p:nvPr/>
-      </p:nvGrpSpPr>
-      <p:grpSpPr>
-        <a:xfrm>
-          <a:off x="0" y="0"/>
-          <a:ext cx="0" cy="0"/>
-          <a:chOff x="0" y="0"/>
-          <a:chExt cx="0" cy="0"/>
-        </a:xfrm>
-      </p:grpSpPr>
-      <p:sp>
-        <p:nvSpPr>
-          <p:cNvPr id="2" name="线条"/>
-          <p:cNvSpPr/>
-          <p:nvPr/>
-        </p:nvSpPr>
-        <p:spPr>
-          <a:xfrm flipV="1">
-            <a:off x="406400" y="993160"/>
-            <a:ext cx="12192000" cy="263"/>
-          </a:xfrm>
-          <a:prstGeom prst="line">
-            <a:avLst/>
-          </a:prstGeom>
-          <a:ln w="25400">
-            <a:solidFill>
-              <a:srgbClr val="A6AAA9"/>
-            </a:solidFill>
-            <a:miter lim="400000"/>
-          </a:ln>
-        </p:spPr>
-        <p:txBody>
-          <a:bodyPr lIns="50800" tIns="50800" rIns="50800" bIns="50800" anchor="ctr"/>
-          <a:lstStyle/>
-          <a:p>
-            <a:pPr defTabSz="457200">
-              <a:spcBef>
-                <a:spcPts val="0"/>
-              </a:spcBef>
-              <a:defRPr sz="1200">
-                <a:solidFill>
-                  <a:srgbClr val="000000"/>
-                </a:solidFill>
-                <a:latin typeface="Helvetica"/>
-                <a:ea typeface="Helvetica"/>
-                <a:cs typeface="Helvetica"/>
-                <a:sym typeface="Helvetica"/>
               </a:defRPr>
             </a:pPr>
           </a:p>
@@ -3678,8 +3668,8 @@
         </p:nvSpPr>
         <p:spPr>
           <a:xfrm>
-            <a:off x="406400" y="1536700"/>
-            <a:ext cx="12192000" cy="723900"/>
+            <a:off x="406400" y="6426200"/>
+            <a:ext cx="12192000" cy="2705100"/>
           </a:xfrm>
           <a:prstGeom prst="rect">
             <a:avLst/>
@@ -3716,8 +3706,8 @@
         </p:nvSpPr>
         <p:spPr>
           <a:xfrm>
-            <a:off x="406400" y="2743200"/>
-            <a:ext cx="12192000" cy="6108700"/>
+            <a:off x="406400" y="4267200"/>
+            <a:ext cx="12192000" cy="1803400"/>
           </a:xfrm>
           <a:prstGeom prst="rect">
             <a:avLst/>
@@ -3732,7 +3722,7 @@
           </a:extLst>
         </p:spPr>
         <p:txBody>
-          <a:bodyPr lIns="50800" tIns="50800" rIns="50800" bIns="50800">
+          <a:bodyPr lIns="50800" tIns="50800" rIns="50800" bIns="50800" anchor="b">
             <a:normAutofit fontScale="100000" lnSpcReduction="0"/>
           </a:bodyPr>
           <a:lstStyle/>
@@ -3778,7 +3768,7 @@
         </p:nvSpPr>
         <p:spPr>
           <a:xfrm>
-            <a:off x="12174418" y="431800"/>
+            <a:off x="12182237" y="431800"/>
             <a:ext cx="419101" cy="457200"/>
           </a:xfrm>
           <a:prstGeom prst="rect">
@@ -3801,10 +3791,9 @@
                 <a:spcPts val="0"/>
               </a:spcBef>
               <a:defRPr sz="2400">
-                <a:latin typeface="+mn-lt"/>
-                <a:ea typeface="+mn-ea"/>
-                <a:cs typeface="+mn-cs"/>
-                <a:sym typeface="Baskerville"/>
+                <a:solidFill>
+                  <a:srgbClr val="838787"/>
+                </a:solidFill>
               </a:defRPr>
             </a:lvl1pPr>
           </a:lstStyle>
@@ -3816,7 +3805,7 @@
       </p:sp>
     </p:spTree>
   </p:cSld>
-  <p:clrMap bg1="dk1" tx1="lt1" bg2="dk2" tx2="lt2" accent1="accent1" accent2="accent2" accent3="accent3" accent4="accent4" accent5="accent5" accent6="accent6" hlink="hlink" folHlink="folHlink"/>
+  <p:clrMap bg1="lt1" tx1="dk1" bg2="lt2" tx2="dk2" accent1="accent1" accent2="accent2" accent3="accent3" accent4="accent4" accent5="accent5" accent6="accent6" hlink="hlink" folHlink="folHlink"/>
   <p:sldLayoutIdLst>
     <p:sldLayoutId id="2147483649" r:id="rId2"/>
     <p:sldLayoutId id="2147483650" r:id="rId3"/>
@@ -3843,7 +3832,7 @@
           <a:spcPct val="80000"/>
         </a:lnSpc>
         <a:spcBef>
-          <a:spcPts val="2800"/>
+          <a:spcPts val="0"/>
         </a:spcBef>
         <a:spcAft>
           <a:spcPts val="0"/>
@@ -3853,7 +3842,7 @@
         <a:buFontTx/>
         <a:buNone/>
         <a:tabLst/>
-        <a:defRPr b="1" baseline="0" cap="all" i="0" spc="0" strike="noStrike" sz="6000" u="none">
+        <a:defRPr b="1" baseline="0" cap="all" i="0" spc="0" strike="noStrike" sz="17000" u="none">
           <a:ln>
             <a:noFill/>
           </a:ln>
@@ -3861,9 +3850,9 @@
             <a:schemeClr val="accent1"/>
           </a:solidFill>
           <a:uFillTx/>
-          <a:latin typeface="+mn-lt"/>
-          <a:ea typeface="+mn-ea"/>
-          <a:cs typeface="+mn-cs"/>
+          <a:latin typeface="Baskerville"/>
+          <a:ea typeface="Baskerville"/>
+          <a:cs typeface="Baskerville"/>
           <a:sym typeface="Baskerville"/>
         </a:defRPr>
       </a:lvl1pPr>
@@ -3872,7 +3861,7 @@
           <a:spcPct val="80000"/>
         </a:lnSpc>
         <a:spcBef>
-          <a:spcPts val="2800"/>
+          <a:spcPts val="0"/>
         </a:spcBef>
         <a:spcAft>
           <a:spcPts val="0"/>
@@ -3882,7 +3871,7 @@
         <a:buFontTx/>
         <a:buNone/>
         <a:tabLst/>
-        <a:defRPr b="1" baseline="0" cap="all" i="0" spc="0" strike="noStrike" sz="6000" u="none">
+        <a:defRPr b="1" baseline="0" cap="all" i="0" spc="0" strike="noStrike" sz="17000" u="none">
           <a:ln>
             <a:noFill/>
           </a:ln>
@@ -3890,9 +3879,9 @@
             <a:schemeClr val="accent1"/>
           </a:solidFill>
           <a:uFillTx/>
-          <a:latin typeface="+mn-lt"/>
-          <a:ea typeface="+mn-ea"/>
-          <a:cs typeface="+mn-cs"/>
+          <a:latin typeface="Baskerville"/>
+          <a:ea typeface="Baskerville"/>
+          <a:cs typeface="Baskerville"/>
           <a:sym typeface="Baskerville"/>
         </a:defRPr>
       </a:lvl2pPr>
@@ -3901,7 +3890,7 @@
           <a:spcPct val="80000"/>
         </a:lnSpc>
         <a:spcBef>
-          <a:spcPts val="2800"/>
+          <a:spcPts val="0"/>
         </a:spcBef>
         <a:spcAft>
           <a:spcPts val="0"/>
@@ -3911,7 +3900,7 @@
         <a:buFontTx/>
         <a:buNone/>
         <a:tabLst/>
-        <a:defRPr b="1" baseline="0" cap="all" i="0" spc="0" strike="noStrike" sz="6000" u="none">
+        <a:defRPr b="1" baseline="0" cap="all" i="0" spc="0" strike="noStrike" sz="17000" u="none">
           <a:ln>
             <a:noFill/>
           </a:ln>
@@ -3919,9 +3908,9 @@
             <a:schemeClr val="accent1"/>
           </a:solidFill>
           <a:uFillTx/>
-          <a:latin typeface="+mn-lt"/>
-          <a:ea typeface="+mn-ea"/>
-          <a:cs typeface="+mn-cs"/>
+          <a:latin typeface="Baskerville"/>
+          <a:ea typeface="Baskerville"/>
+          <a:cs typeface="Baskerville"/>
           <a:sym typeface="Baskerville"/>
         </a:defRPr>
       </a:lvl3pPr>
@@ -3930,7 +3919,7 @@
           <a:spcPct val="80000"/>
         </a:lnSpc>
         <a:spcBef>
-          <a:spcPts val="2800"/>
+          <a:spcPts val="0"/>
         </a:spcBef>
         <a:spcAft>
           <a:spcPts val="0"/>
@@ -3940,7 +3929,7 @@
         <a:buFontTx/>
         <a:buNone/>
         <a:tabLst/>
-        <a:defRPr b="1" baseline="0" cap="all" i="0" spc="0" strike="noStrike" sz="6000" u="none">
+        <a:defRPr b="1" baseline="0" cap="all" i="0" spc="0" strike="noStrike" sz="17000" u="none">
           <a:ln>
             <a:noFill/>
           </a:ln>
@@ -3948,9 +3937,9 @@
             <a:schemeClr val="accent1"/>
           </a:solidFill>
           <a:uFillTx/>
-          <a:latin typeface="+mn-lt"/>
-          <a:ea typeface="+mn-ea"/>
-          <a:cs typeface="+mn-cs"/>
+          <a:latin typeface="Baskerville"/>
+          <a:ea typeface="Baskerville"/>
+          <a:cs typeface="Baskerville"/>
           <a:sym typeface="Baskerville"/>
         </a:defRPr>
       </a:lvl4pPr>
@@ -3959,7 +3948,7 @@
           <a:spcPct val="80000"/>
         </a:lnSpc>
         <a:spcBef>
-          <a:spcPts val="2800"/>
+          <a:spcPts val="0"/>
         </a:spcBef>
         <a:spcAft>
           <a:spcPts val="0"/>
@@ -3969,7 +3958,7 @@
         <a:buFontTx/>
         <a:buNone/>
         <a:tabLst/>
-        <a:defRPr b="1" baseline="0" cap="all" i="0" spc="0" strike="noStrike" sz="6000" u="none">
+        <a:defRPr b="1" baseline="0" cap="all" i="0" spc="0" strike="noStrike" sz="17000" u="none">
           <a:ln>
             <a:noFill/>
           </a:ln>
@@ -3977,9 +3966,9 @@
             <a:schemeClr val="accent1"/>
           </a:solidFill>
           <a:uFillTx/>
-          <a:latin typeface="+mn-lt"/>
-          <a:ea typeface="+mn-ea"/>
-          <a:cs typeface="+mn-cs"/>
+          <a:latin typeface="Baskerville"/>
+          <a:ea typeface="Baskerville"/>
+          <a:cs typeface="Baskerville"/>
           <a:sym typeface="Baskerville"/>
         </a:defRPr>
       </a:lvl5pPr>
@@ -3988,7 +3977,7 @@
           <a:spcPct val="80000"/>
         </a:lnSpc>
         <a:spcBef>
-          <a:spcPts val="2800"/>
+          <a:spcPts val="0"/>
         </a:spcBef>
         <a:spcAft>
           <a:spcPts val="0"/>
@@ -3998,7 +3987,7 @@
         <a:buFontTx/>
         <a:buNone/>
         <a:tabLst/>
-        <a:defRPr b="1" baseline="0" cap="all" i="0" spc="0" strike="noStrike" sz="6000" u="none">
+        <a:defRPr b="1" baseline="0" cap="all" i="0" spc="0" strike="noStrike" sz="17000" u="none">
           <a:ln>
             <a:noFill/>
           </a:ln>
@@ -4006,9 +3995,9 @@
             <a:schemeClr val="accent1"/>
           </a:solidFill>
           <a:uFillTx/>
-          <a:latin typeface="+mn-lt"/>
-          <a:ea typeface="+mn-ea"/>
-          <a:cs typeface="+mn-cs"/>
+          <a:latin typeface="Baskerville"/>
+          <a:ea typeface="Baskerville"/>
+          <a:cs typeface="Baskerville"/>
           <a:sym typeface="Baskerville"/>
         </a:defRPr>
       </a:lvl6pPr>
@@ -4017,7 +4006,7 @@
           <a:spcPct val="80000"/>
         </a:lnSpc>
         <a:spcBef>
-          <a:spcPts val="2800"/>
+          <a:spcPts val="0"/>
         </a:spcBef>
         <a:spcAft>
           <a:spcPts val="0"/>
@@ -4027,7 +4016,7 @@
         <a:buFontTx/>
         <a:buNone/>
         <a:tabLst/>
-        <a:defRPr b="1" baseline="0" cap="all" i="0" spc="0" strike="noStrike" sz="6000" u="none">
+        <a:defRPr b="1" baseline="0" cap="all" i="0" spc="0" strike="noStrike" sz="17000" u="none">
           <a:ln>
             <a:noFill/>
           </a:ln>
@@ -4035,9 +4024,9 @@
             <a:schemeClr val="accent1"/>
           </a:solidFill>
           <a:uFillTx/>
-          <a:latin typeface="+mn-lt"/>
-          <a:ea typeface="+mn-ea"/>
-          <a:cs typeface="+mn-cs"/>
+          <a:latin typeface="Baskerville"/>
+          <a:ea typeface="Baskerville"/>
+          <a:cs typeface="Baskerville"/>
           <a:sym typeface="Baskerville"/>
         </a:defRPr>
       </a:lvl7pPr>
@@ -4046,7 +4035,7 @@
           <a:spcPct val="80000"/>
         </a:lnSpc>
         <a:spcBef>
-          <a:spcPts val="2800"/>
+          <a:spcPts val="0"/>
         </a:spcBef>
         <a:spcAft>
           <a:spcPts val="0"/>
@@ -4056,7 +4045,7 @@
         <a:buFontTx/>
         <a:buNone/>
         <a:tabLst/>
-        <a:defRPr b="1" baseline="0" cap="all" i="0" spc="0" strike="noStrike" sz="6000" u="none">
+        <a:defRPr b="1" baseline="0" cap="all" i="0" spc="0" strike="noStrike" sz="17000" u="none">
           <a:ln>
             <a:noFill/>
           </a:ln>
@@ -4064,9 +4053,9 @@
             <a:schemeClr val="accent1"/>
           </a:solidFill>
           <a:uFillTx/>
-          <a:latin typeface="+mn-lt"/>
-          <a:ea typeface="+mn-ea"/>
-          <a:cs typeface="+mn-cs"/>
+          <a:latin typeface="Baskerville"/>
+          <a:ea typeface="Baskerville"/>
+          <a:cs typeface="Baskerville"/>
           <a:sym typeface="Baskerville"/>
         </a:defRPr>
       </a:lvl8pPr>
@@ -4075,7 +4064,7 @@
           <a:spcPct val="80000"/>
         </a:lnSpc>
         <a:spcBef>
-          <a:spcPts val="2800"/>
+          <a:spcPts val="0"/>
         </a:spcBef>
         <a:spcAft>
           <a:spcPts val="0"/>
@@ -4085,7 +4074,7 @@
         <a:buFontTx/>
         <a:buNone/>
         <a:tabLst/>
-        <a:defRPr b="1" baseline="0" cap="all" i="0" spc="0" strike="noStrike" sz="6000" u="none">
+        <a:defRPr b="1" baseline="0" cap="all" i="0" spc="0" strike="noStrike" sz="17000" u="none">
           <a:ln>
             <a:noFill/>
           </a:ln>
@@ -4093,314 +4082,278 @@
             <a:schemeClr val="accent1"/>
           </a:solidFill>
           <a:uFillTx/>
-          <a:latin typeface="+mn-lt"/>
-          <a:ea typeface="+mn-ea"/>
-          <a:cs typeface="+mn-cs"/>
+          <a:latin typeface="Baskerville"/>
+          <a:ea typeface="Baskerville"/>
+          <a:cs typeface="Baskerville"/>
           <a:sym typeface="Baskerville"/>
         </a:defRPr>
       </a:lvl9pPr>
     </p:titleStyle>
     <p:bodyStyle>
-      <a:lvl1pPr marL="444500" marR="0" indent="-444500" algn="l" defTabSz="584200" latinLnBrk="0">
+      <a:lvl1pPr marL="0" marR="0" indent="0" algn="l" defTabSz="584200" rtl="0" latinLnBrk="0">
         <a:lnSpc>
-          <a:spcPct val="100000"/>
+          <a:spcPct val="80000"/>
         </a:lnSpc>
         <a:spcBef>
-          <a:spcPts val="2800"/>
+          <a:spcPts val="2300"/>
         </a:spcBef>
         <a:spcAft>
           <a:spcPts val="0"/>
         </a:spcAft>
-        <a:buClr>
-          <a:schemeClr val="accent1">
-            <a:satOff val="-4060"/>
-          </a:schemeClr>
-        </a:buClr>
-        <a:buSzPct val="104999"/>
-        <a:buFont typeface="Avenir Next"/>
-        <a:buChar char="‣"/>
+        <a:buClrTx/>
+        <a:buSzTx/>
+        <a:buFontTx/>
+        <a:buNone/>
         <a:tabLst/>
-        <a:defRPr b="0" baseline="0" cap="none" i="0" spc="0" strike="noStrike" sz="3400" u="none">
+        <a:defRPr b="0" baseline="0" cap="all" i="0" spc="0" strike="noStrike" sz="5400" u="none">
           <a:ln>
             <a:noFill/>
           </a:ln>
           <a:solidFill>
-            <a:srgbClr val="838787"/>
+            <a:srgbClr val="A6AAA9"/>
           </a:solidFill>
           <a:uFillTx/>
-          <a:latin typeface="Avenir Next Medium"/>
-          <a:ea typeface="Avenir Next Medium"/>
-          <a:cs typeface="Avenir Next Medium"/>
-          <a:sym typeface="Avenir Next Medium"/>
+          <a:latin typeface="Baskerville"/>
+          <a:ea typeface="Baskerville"/>
+          <a:cs typeface="Baskerville"/>
+          <a:sym typeface="Baskerville"/>
         </a:defRPr>
       </a:lvl1pPr>
-      <a:lvl2pPr marL="889000" marR="0" indent="-444500" algn="l" defTabSz="584200" latinLnBrk="0">
+      <a:lvl2pPr marL="0" marR="0" indent="0" algn="l" defTabSz="584200" rtl="0" latinLnBrk="0">
         <a:lnSpc>
-          <a:spcPct val="100000"/>
+          <a:spcPct val="80000"/>
         </a:lnSpc>
         <a:spcBef>
-          <a:spcPts val="2800"/>
+          <a:spcPts val="2300"/>
         </a:spcBef>
         <a:spcAft>
           <a:spcPts val="0"/>
         </a:spcAft>
-        <a:buClr>
-          <a:schemeClr val="accent1">
-            <a:satOff val="-4060"/>
-          </a:schemeClr>
-        </a:buClr>
-        <a:buSzPct val="104999"/>
-        <a:buFont typeface="Avenir Next"/>
-        <a:buChar char="‣"/>
+        <a:buClrTx/>
+        <a:buSzTx/>
+        <a:buFontTx/>
+        <a:buNone/>
         <a:tabLst/>
-        <a:defRPr b="0" baseline="0" cap="none" i="0" spc="0" strike="noStrike" sz="3400" u="none">
+        <a:defRPr b="0" baseline="0" cap="all" i="0" spc="0" strike="noStrike" sz="5400" u="none">
           <a:ln>
             <a:noFill/>
           </a:ln>
           <a:solidFill>
-            <a:srgbClr val="838787"/>
+            <a:srgbClr val="A6AAA9"/>
           </a:solidFill>
           <a:uFillTx/>
-          <a:latin typeface="Avenir Next Medium"/>
-          <a:ea typeface="Avenir Next Medium"/>
-          <a:cs typeface="Avenir Next Medium"/>
-          <a:sym typeface="Avenir Next Medium"/>
+          <a:latin typeface="Baskerville"/>
+          <a:ea typeface="Baskerville"/>
+          <a:cs typeface="Baskerville"/>
+          <a:sym typeface="Baskerville"/>
         </a:defRPr>
       </a:lvl2pPr>
-      <a:lvl3pPr marL="1333500" marR="0" indent="-444500" algn="l" defTabSz="584200" latinLnBrk="0">
+      <a:lvl3pPr marL="0" marR="0" indent="0" algn="l" defTabSz="584200" rtl="0" latinLnBrk="0">
         <a:lnSpc>
-          <a:spcPct val="100000"/>
+          <a:spcPct val="80000"/>
         </a:lnSpc>
         <a:spcBef>
-          <a:spcPts val="2800"/>
+          <a:spcPts val="2300"/>
         </a:spcBef>
         <a:spcAft>
           <a:spcPts val="0"/>
         </a:spcAft>
-        <a:buClr>
-          <a:schemeClr val="accent1">
-            <a:satOff val="-4060"/>
-          </a:schemeClr>
-        </a:buClr>
-        <a:buSzPct val="104999"/>
-        <a:buFont typeface="Avenir Next"/>
-        <a:buChar char="‣"/>
+        <a:buClrTx/>
+        <a:buSzTx/>
+        <a:buFontTx/>
+        <a:buNone/>
         <a:tabLst/>
-        <a:defRPr b="0" baseline="0" cap="none" i="0" spc="0" strike="noStrike" sz="3400" u="none">
+        <a:defRPr b="0" baseline="0" cap="all" i="0" spc="0" strike="noStrike" sz="5400" u="none">
           <a:ln>
             <a:noFill/>
           </a:ln>
           <a:solidFill>
-            <a:srgbClr val="838787"/>
+            <a:srgbClr val="A6AAA9"/>
           </a:solidFill>
           <a:uFillTx/>
-          <a:latin typeface="Avenir Next Medium"/>
-          <a:ea typeface="Avenir Next Medium"/>
-          <a:cs typeface="Avenir Next Medium"/>
-          <a:sym typeface="Avenir Next Medium"/>
+          <a:latin typeface="Baskerville"/>
+          <a:ea typeface="Baskerville"/>
+          <a:cs typeface="Baskerville"/>
+          <a:sym typeface="Baskerville"/>
         </a:defRPr>
       </a:lvl3pPr>
-      <a:lvl4pPr marL="1778000" marR="0" indent="-444500" algn="l" defTabSz="584200" latinLnBrk="0">
+      <a:lvl4pPr marL="0" marR="0" indent="0" algn="l" defTabSz="584200" rtl="0" latinLnBrk="0">
         <a:lnSpc>
-          <a:spcPct val="100000"/>
+          <a:spcPct val="80000"/>
         </a:lnSpc>
         <a:spcBef>
-          <a:spcPts val="2800"/>
+          <a:spcPts val="2300"/>
         </a:spcBef>
         <a:spcAft>
           <a:spcPts val="0"/>
         </a:spcAft>
-        <a:buClr>
-          <a:schemeClr val="accent1">
-            <a:satOff val="-4060"/>
-          </a:schemeClr>
-        </a:buClr>
-        <a:buSzPct val="104999"/>
-        <a:buFont typeface="Avenir Next"/>
-        <a:buChar char="‣"/>
+        <a:buClrTx/>
+        <a:buSzTx/>
+        <a:buFontTx/>
+        <a:buNone/>
         <a:tabLst/>
-        <a:defRPr b="0" baseline="0" cap="none" i="0" spc="0" strike="noStrike" sz="3400" u="none">
+        <a:defRPr b="0" baseline="0" cap="all" i="0" spc="0" strike="noStrike" sz="5400" u="none">
           <a:ln>
             <a:noFill/>
           </a:ln>
           <a:solidFill>
-            <a:srgbClr val="838787"/>
+            <a:srgbClr val="A6AAA9"/>
           </a:solidFill>
           <a:uFillTx/>
-          <a:latin typeface="Avenir Next Medium"/>
-          <a:ea typeface="Avenir Next Medium"/>
-          <a:cs typeface="Avenir Next Medium"/>
-          <a:sym typeface="Avenir Next Medium"/>
+          <a:latin typeface="Baskerville"/>
+          <a:ea typeface="Baskerville"/>
+          <a:cs typeface="Baskerville"/>
+          <a:sym typeface="Baskerville"/>
         </a:defRPr>
       </a:lvl4pPr>
-      <a:lvl5pPr marL="2222500" marR="0" indent="-444500" algn="l" defTabSz="584200" latinLnBrk="0">
+      <a:lvl5pPr marL="0" marR="0" indent="0" algn="l" defTabSz="584200" rtl="0" latinLnBrk="0">
         <a:lnSpc>
-          <a:spcPct val="100000"/>
+          <a:spcPct val="80000"/>
         </a:lnSpc>
         <a:spcBef>
-          <a:spcPts val="2800"/>
+          <a:spcPts val="2300"/>
         </a:spcBef>
         <a:spcAft>
           <a:spcPts val="0"/>
         </a:spcAft>
-        <a:buClr>
-          <a:schemeClr val="accent1">
-            <a:satOff val="-4060"/>
-          </a:schemeClr>
-        </a:buClr>
-        <a:buSzPct val="104999"/>
-        <a:buFont typeface="Avenir Next"/>
-        <a:buChar char="‣"/>
+        <a:buClrTx/>
+        <a:buSzTx/>
+        <a:buFontTx/>
+        <a:buNone/>
         <a:tabLst/>
-        <a:defRPr b="0" baseline="0" cap="none" i="0" spc="0" strike="noStrike" sz="3400" u="none">
+        <a:defRPr b="0" baseline="0" cap="all" i="0" spc="0" strike="noStrike" sz="5400" u="none">
           <a:ln>
             <a:noFill/>
           </a:ln>
           <a:solidFill>
-            <a:srgbClr val="838787"/>
+            <a:srgbClr val="A6AAA9"/>
           </a:solidFill>
           <a:uFillTx/>
-          <a:latin typeface="Avenir Next Medium"/>
-          <a:ea typeface="Avenir Next Medium"/>
-          <a:cs typeface="Avenir Next Medium"/>
-          <a:sym typeface="Avenir Next Medium"/>
+          <a:latin typeface="Baskerville"/>
+          <a:ea typeface="Baskerville"/>
+          <a:cs typeface="Baskerville"/>
+          <a:sym typeface="Baskerville"/>
         </a:defRPr>
       </a:lvl5pPr>
-      <a:lvl6pPr marL="2667000" marR="0" indent="-444500" algn="l" defTabSz="584200" latinLnBrk="0">
+      <a:lvl6pPr marL="2928470" marR="0" indent="-705970" algn="l" defTabSz="584200" rtl="0" latinLnBrk="0">
         <a:lnSpc>
-          <a:spcPct val="100000"/>
+          <a:spcPct val="80000"/>
         </a:lnSpc>
         <a:spcBef>
-          <a:spcPts val="2800"/>
+          <a:spcPts val="2300"/>
         </a:spcBef>
         <a:spcAft>
           <a:spcPts val="0"/>
         </a:spcAft>
-        <a:buClr>
-          <a:schemeClr val="accent1">
-            <a:satOff val="-4060"/>
-          </a:schemeClr>
-        </a:buClr>
+        <a:buClrTx/>
         <a:buSzPct val="104999"/>
-        <a:buFont typeface="Avenir Next"/>
+        <a:buFontTx/>
         <a:buChar char="‣"/>
         <a:tabLst/>
-        <a:defRPr b="0" baseline="0" cap="none" i="0" spc="0" strike="noStrike" sz="3400" u="none">
+        <a:defRPr b="0" baseline="0" cap="all" i="0" spc="0" strike="noStrike" sz="5400" u="none">
           <a:ln>
             <a:noFill/>
           </a:ln>
           <a:solidFill>
-            <a:srgbClr val="838787"/>
+            <a:srgbClr val="A6AAA9"/>
           </a:solidFill>
           <a:uFillTx/>
-          <a:latin typeface="Avenir Next Medium"/>
-          <a:ea typeface="Avenir Next Medium"/>
-          <a:cs typeface="Avenir Next Medium"/>
-          <a:sym typeface="Avenir Next Medium"/>
+          <a:latin typeface="Baskerville"/>
+          <a:ea typeface="Baskerville"/>
+          <a:cs typeface="Baskerville"/>
+          <a:sym typeface="Baskerville"/>
         </a:defRPr>
       </a:lvl6pPr>
-      <a:lvl7pPr marL="3111500" marR="0" indent="-444500" algn="l" defTabSz="584200" latinLnBrk="0">
+      <a:lvl7pPr marL="3372970" marR="0" indent="-705970" algn="l" defTabSz="584200" rtl="0" latinLnBrk="0">
         <a:lnSpc>
-          <a:spcPct val="100000"/>
+          <a:spcPct val="80000"/>
         </a:lnSpc>
         <a:spcBef>
-          <a:spcPts val="2800"/>
+          <a:spcPts val="2300"/>
         </a:spcBef>
         <a:spcAft>
           <a:spcPts val="0"/>
         </a:spcAft>
-        <a:buClr>
-          <a:schemeClr val="accent1">
-            <a:satOff val="-4060"/>
-          </a:schemeClr>
-        </a:buClr>
+        <a:buClrTx/>
         <a:buSzPct val="104999"/>
-        <a:buFont typeface="Avenir Next"/>
+        <a:buFontTx/>
         <a:buChar char="‣"/>
         <a:tabLst/>
-        <a:defRPr b="0" baseline="0" cap="none" i="0" spc="0" strike="noStrike" sz="3400" u="none">
+        <a:defRPr b="0" baseline="0" cap="all" i="0" spc="0" strike="noStrike" sz="5400" u="none">
           <a:ln>
             <a:noFill/>
           </a:ln>
           <a:solidFill>
-            <a:srgbClr val="838787"/>
+            <a:srgbClr val="A6AAA9"/>
           </a:solidFill>
           <a:uFillTx/>
-          <a:latin typeface="Avenir Next Medium"/>
-          <a:ea typeface="Avenir Next Medium"/>
-          <a:cs typeface="Avenir Next Medium"/>
-          <a:sym typeface="Avenir Next Medium"/>
+          <a:latin typeface="Baskerville"/>
+          <a:ea typeface="Baskerville"/>
+          <a:cs typeface="Baskerville"/>
+          <a:sym typeface="Baskerville"/>
         </a:defRPr>
       </a:lvl7pPr>
-      <a:lvl8pPr marL="3556000" marR="0" indent="-444500" algn="l" defTabSz="584200" latinLnBrk="0">
+      <a:lvl8pPr marL="3817470" marR="0" indent="-705970" algn="l" defTabSz="584200" rtl="0" latinLnBrk="0">
         <a:lnSpc>
-          <a:spcPct val="100000"/>
+          <a:spcPct val="80000"/>
         </a:lnSpc>
         <a:spcBef>
-          <a:spcPts val="2800"/>
+          <a:spcPts val="2300"/>
         </a:spcBef>
         <a:spcAft>
           <a:spcPts val="0"/>
         </a:spcAft>
-        <a:buClr>
-          <a:schemeClr val="accent1">
-            <a:satOff val="-4060"/>
-          </a:schemeClr>
-        </a:buClr>
+        <a:buClrTx/>
         <a:buSzPct val="104999"/>
-        <a:buFont typeface="Avenir Next"/>
+        <a:buFontTx/>
         <a:buChar char="‣"/>
         <a:tabLst/>
-        <a:defRPr b="0" baseline="0" cap="none" i="0" spc="0" strike="noStrike" sz="3400" u="none">
+        <a:defRPr b="0" baseline="0" cap="all" i="0" spc="0" strike="noStrike" sz="5400" u="none">
           <a:ln>
             <a:noFill/>
           </a:ln>
           <a:solidFill>
-            <a:srgbClr val="838787"/>
+            <a:srgbClr val="A6AAA9"/>
           </a:solidFill>
           <a:uFillTx/>
-          <a:latin typeface="Avenir Next Medium"/>
-          <a:ea typeface="Avenir Next Medium"/>
-          <a:cs typeface="Avenir Next Medium"/>
-          <a:sym typeface="Avenir Next Medium"/>
+          <a:latin typeface="Baskerville"/>
+          <a:ea typeface="Baskerville"/>
+          <a:cs typeface="Baskerville"/>
+          <a:sym typeface="Baskerville"/>
         </a:defRPr>
       </a:lvl8pPr>
-      <a:lvl9pPr marL="4000500" marR="0" indent="-444500" algn="l" defTabSz="584200" latinLnBrk="0">
+      <a:lvl9pPr marL="4261970" marR="0" indent="-705970" algn="l" defTabSz="584200" rtl="0" latinLnBrk="0">
         <a:lnSpc>
-          <a:spcPct val="100000"/>
+          <a:spcPct val="80000"/>
         </a:lnSpc>
         <a:spcBef>
-          <a:spcPts val="2800"/>
+          <a:spcPts val="2300"/>
         </a:spcBef>
         <a:spcAft>
           <a:spcPts val="0"/>
         </a:spcAft>
-        <a:buClr>
-          <a:schemeClr val="accent1">
-            <a:satOff val="-4060"/>
-          </a:schemeClr>
-        </a:buClr>
+        <a:buClrTx/>
         <a:buSzPct val="104999"/>
-        <a:buFont typeface="Avenir Next"/>
+        <a:buFontTx/>
         <a:buChar char="‣"/>
         <a:tabLst/>
-        <a:defRPr b="0" baseline="0" cap="none" i="0" spc="0" strike="noStrike" sz="3400" u="none">
+        <a:defRPr b="0" baseline="0" cap="all" i="0" spc="0" strike="noStrike" sz="5400" u="none">
           <a:ln>
             <a:noFill/>
           </a:ln>
           <a:solidFill>
-            <a:srgbClr val="838787"/>
+            <a:srgbClr val="A6AAA9"/>
           </a:solidFill>
           <a:uFillTx/>
-          <a:latin typeface="Avenir Next Medium"/>
-          <a:ea typeface="Avenir Next Medium"/>
-          <a:cs typeface="Avenir Next Medium"/>
-          <a:sym typeface="Avenir Next Medium"/>
+          <a:latin typeface="Baskerville"/>
+          <a:ea typeface="Baskerville"/>
+          <a:cs typeface="Baskerville"/>
+          <a:sym typeface="Baskerville"/>
         </a:defRPr>
       </a:lvl9pPr>
     </p:bodyStyle>
     <p:otherStyle>
-      <a:lvl1pPr marL="0" marR="0" indent="0" algn="r" defTabSz="584200" latinLnBrk="0">
+      <a:lvl1pPr marL="0" marR="0" indent="0" algn="r" defTabSz="584200" rtl="0" latinLnBrk="0">
         <a:lnSpc>
           <a:spcPct val="80000"/>
         </a:lnSpc>
@@ -4429,7 +4382,7 @@
           <a:sym typeface="Baskerville"/>
         </a:defRPr>
       </a:lvl1pPr>
-      <a:lvl2pPr marL="0" marR="0" indent="228600" algn="r" defTabSz="584200" latinLnBrk="0">
+      <a:lvl2pPr marL="0" marR="0" indent="0" algn="r" defTabSz="584200" rtl="0" latinLnBrk="0">
         <a:lnSpc>
           <a:spcPct val="80000"/>
         </a:lnSpc>
@@ -4458,7 +4411,7 @@
           <a:sym typeface="Baskerville"/>
         </a:defRPr>
       </a:lvl2pPr>
-      <a:lvl3pPr marL="0" marR="0" indent="457200" algn="r" defTabSz="584200" latinLnBrk="0">
+      <a:lvl3pPr marL="0" marR="0" indent="0" algn="r" defTabSz="584200" rtl="0" latinLnBrk="0">
         <a:lnSpc>
           <a:spcPct val="80000"/>
         </a:lnSpc>
@@ -4487,7 +4440,7 @@
           <a:sym typeface="Baskerville"/>
         </a:defRPr>
       </a:lvl3pPr>
-      <a:lvl4pPr marL="0" marR="0" indent="685800" algn="r" defTabSz="584200" latinLnBrk="0">
+      <a:lvl4pPr marL="0" marR="0" indent="0" algn="r" defTabSz="584200" rtl="0" latinLnBrk="0">
         <a:lnSpc>
           <a:spcPct val="80000"/>
         </a:lnSpc>
@@ -4516,7 +4469,7 @@
           <a:sym typeface="Baskerville"/>
         </a:defRPr>
       </a:lvl4pPr>
-      <a:lvl5pPr marL="0" marR="0" indent="914400" algn="r" defTabSz="584200" latinLnBrk="0">
+      <a:lvl5pPr marL="0" marR="0" indent="0" algn="r" defTabSz="584200" rtl="0" latinLnBrk="0">
         <a:lnSpc>
           <a:spcPct val="80000"/>
         </a:lnSpc>
@@ -4545,7 +4498,7 @@
           <a:sym typeface="Baskerville"/>
         </a:defRPr>
       </a:lvl5pPr>
-      <a:lvl6pPr marL="0" marR="0" indent="1143000" algn="r" defTabSz="584200" latinLnBrk="0">
+      <a:lvl6pPr marL="0" marR="0" indent="0" algn="r" defTabSz="584200" rtl="0" latinLnBrk="0">
         <a:lnSpc>
           <a:spcPct val="80000"/>
         </a:lnSpc>
@@ -4574,7 +4527,7 @@
           <a:sym typeface="Baskerville"/>
         </a:defRPr>
       </a:lvl6pPr>
-      <a:lvl7pPr marL="0" marR="0" indent="1371600" algn="r" defTabSz="584200" latinLnBrk="0">
+      <a:lvl7pPr marL="0" marR="0" indent="0" algn="r" defTabSz="584200" rtl="0" latinLnBrk="0">
         <a:lnSpc>
           <a:spcPct val="80000"/>
         </a:lnSpc>
@@ -4603,7 +4556,7 @@
           <a:sym typeface="Baskerville"/>
         </a:defRPr>
       </a:lvl7pPr>
-      <a:lvl8pPr marL="0" marR="0" indent="1600200" algn="r" defTabSz="584200" latinLnBrk="0">
+      <a:lvl8pPr marL="0" marR="0" indent="0" algn="r" defTabSz="584200" rtl="0" latinLnBrk="0">
         <a:lnSpc>
           <a:spcPct val="80000"/>
         </a:lnSpc>
@@ -4632,7 +4585,7 @@
           <a:sym typeface="Baskerville"/>
         </a:defRPr>
       </a:lvl8pPr>
-      <a:lvl9pPr marL="0" marR="0" indent="1828800" algn="r" defTabSz="584200" latinLnBrk="0">
+      <a:lvl9pPr marL="0" marR="0" indent="0" algn="r" defTabSz="584200" rtl="0" latinLnBrk="0">
         <a:lnSpc>
           <a:spcPct val="80000"/>
         </a:lnSpc>
@@ -4685,7 +4638,7 @@
       </p:grpSpPr>
       <p:sp>
         <p:nvSpPr>
-          <p:cNvPr id="166" name="框架介绍"/>
+          <p:cNvPr id="170" name="框架介绍"/>
           <p:cNvSpPr txBox="1"/>
           <p:nvPr>
             <p:ph type="title"/>
@@ -4720,7 +4673,7 @@
       </p:sp>
       <p:sp>
         <p:nvSpPr>
-          <p:cNvPr id="167" name="心语心理测试网站"/>
+          <p:cNvPr id="171" name="心语心理测试网站"/>
           <p:cNvSpPr txBox="1"/>
           <p:nvPr>
             <p:ph type="body" sz="quarter" idx="1"/>
@@ -4778,7 +4731,7 @@
       </p:grpSpPr>
       <p:sp>
         <p:nvSpPr>
-          <p:cNvPr id="196" name="学习资源"/>
+          <p:cNvPr id="200" name="学习资源"/>
           <p:cNvSpPr txBox="1"/>
           <p:nvPr>
             <p:ph type="title"/>
@@ -4796,7 +4749,7 @@
               <a:spcBef>
                 <a:spcPts val="1600"/>
               </a:spcBef>
-              <a:defRPr sz="3480"/>
+              <a:defRPr sz="3400"/>
             </a:lvl1pPr>
           </a:lstStyle>
           <a:p>
@@ -4809,14 +4762,14 @@
       </p:sp>
       <p:sp>
         <p:nvSpPr>
-          <p:cNvPr id="197" name="Thymeleaf：https://www.thymeleaf.org/doc/tutorials/3.0/usingthymeleaf.html"/>
+          <p:cNvPr id="201" name="Thymeleaf：https://www.thymeleaf.org/doc/tutorials/3.0/usingthymeleaf.html"/>
           <p:cNvSpPr txBox="1"/>
           <p:nvPr/>
         </p:nvSpPr>
         <p:spPr>
           <a:xfrm>
-            <a:off x="1231900" y="2562098"/>
-            <a:ext cx="10006872" cy="463804"/>
+            <a:off x="1231899" y="2562097"/>
+            <a:ext cx="10006874" cy="463805"/>
           </a:xfrm>
           <a:prstGeom prst="rect">
             <a:avLst/>
@@ -4834,7 +4787,19 @@
           <a:bodyPr lIns="50800" tIns="50800" rIns="50800" bIns="50800" anchor="ctr">
             <a:spAutoFit/>
           </a:bodyPr>
-          <a:lstStyle/>
+          <a:lstStyle>
+            <a:lvl1pPr>
+              <a:defRPr>
+                <a:solidFill>
+                  <a:srgbClr val="838787"/>
+                </a:solidFill>
+                <a:latin typeface="Avenir Next Medium"/>
+                <a:ea typeface="Avenir Next Medium"/>
+                <a:cs typeface="Avenir Next Medium"/>
+                <a:sym typeface="Avenir Next Medium"/>
+              </a:defRPr>
+            </a:lvl1pPr>
+          </a:lstStyle>
           <a:p>
             <a:pPr/>
             <a:r>
@@ -4871,7 +4836,7 @@
       </p:grpSpPr>
       <p:sp>
         <p:nvSpPr>
-          <p:cNvPr id="169" name="项目管理工具"/>
+          <p:cNvPr id="173" name="项目管理工具"/>
           <p:cNvSpPr txBox="1"/>
           <p:nvPr>
             <p:ph type="title"/>
@@ -4889,7 +4854,7 @@
               <a:spcBef>
                 <a:spcPts val="1600"/>
               </a:spcBef>
-              <a:defRPr sz="3480"/>
+              <a:defRPr sz="3400"/>
             </a:lvl1pPr>
           </a:lstStyle>
           <a:p>
@@ -4902,7 +4867,7 @@
       </p:sp>
       <p:sp>
         <p:nvSpPr>
-          <p:cNvPr id="170" name="Maven：Maven是一个项目管理工具，它包含了一个项目对象模型POM，一个依赖管理系统等。…"/>
+          <p:cNvPr id="174" name="Maven：Maven是一个项目管理工具，它包含了一个项目对象模型POM，一个依赖管理系统等。…"/>
           <p:cNvSpPr txBox="1"/>
           <p:nvPr>
             <p:ph type="body" idx="1"/>
@@ -4918,44 +4883,74 @@
           </a:prstGeom>
         </p:spPr>
         <p:txBody>
-          <a:bodyPr/>
+          <a:bodyPr anchor="t"/>
           <a:lstStyle/>
           <a:p>
-            <a:pPr/>
-            <a:r>
-              <a:t>Maven：Maven是一个</a:t>
-            </a:r>
-            <a:r>
-              <a:rPr>
-                <a:hlinkClick r:id="rId2" invalidUrl="" action="" tgtFrame="" tooltip="" history="1" highlightClick="0" endSnd="0"/>
-              </a:rPr>
-              <a:t>项目管理工具</a:t>
-            </a:r>
-            <a:r>
-              <a:t>，它包含了一个项目对象模型POM，一个依赖管理系统等。</a:t>
-            </a:r>
-          </a:p>
-          <a:p>
-            <a:pPr>
-              <a:buClrTx/>
+            <a:pPr marL="444500" indent="-444500" defTabSz="584200">
+              <a:lnSpc>
+                <a:spcPct val="100000"/>
+              </a:lnSpc>
+              <a:spcBef>
+                <a:spcPts val="2800"/>
+              </a:spcBef>
+              <a:buClr>
+                <a:schemeClr val="accent1"/>
+              </a:buClr>
+              <a:buSzPct val="104999"/>
+              <a:buFont typeface="Avenir Next"/>
+              <a:buChar char="▸"/>
+              <a:defRPr b="0" cap="none" spc="0" sz="3400">
+                <a:latin typeface="Avenir Next Medium"/>
+                <a:ea typeface="Avenir Next Medium"/>
+                <a:cs typeface="Avenir Next Medium"/>
+                <a:sym typeface="Avenir Next Medium"/>
+              </a:defRPr>
+            </a:pPr>
+            <a:r>
+              <a:t>Maven：Maven是一个项目管理工具，它包含了一个项目对象模型POM，一个依赖管理系统等。</a:t>
+            </a:r>
+          </a:p>
+          <a:p>
+            <a:pPr marL="444500" indent="-444500" defTabSz="584200">
+              <a:lnSpc>
+                <a:spcPct val="100000"/>
+              </a:lnSpc>
+              <a:spcBef>
+                <a:spcPts val="2800"/>
+              </a:spcBef>
               <a:buSzPct val="40000"/>
-              <a:buFontTx/>
               <a:buBlip>
-                <a:blip r:embed="rId3"/>
+                <a:blip r:embed="rId2"/>
               </a:buBlip>
+              <a:defRPr b="0" cap="none" spc="0" sz="3400">
+                <a:latin typeface="Avenir Next Medium"/>
+                <a:ea typeface="Avenir Next Medium"/>
+                <a:cs typeface="Avenir Next Medium"/>
+                <a:sym typeface="Avenir Next Medium"/>
+              </a:defRPr>
             </a:pPr>
             <a:r>
               <a:t>POM：一个POM是一个XML文档包含了关于你的项目的所有重要信息。</a:t>
             </a:r>
           </a:p>
           <a:p>
-            <a:pPr>
-              <a:buClrTx/>
+            <a:pPr marL="444500" indent="-444500" defTabSz="584200">
+              <a:lnSpc>
+                <a:spcPct val="100000"/>
+              </a:lnSpc>
+              <a:spcBef>
+                <a:spcPts val="2800"/>
+              </a:spcBef>
               <a:buSzPct val="40000"/>
-              <a:buFontTx/>
               <a:buBlip>
-                <a:blip r:embed="rId3"/>
+                <a:blip r:embed="rId2"/>
               </a:buBlip>
+              <a:defRPr b="0" cap="none" spc="0" sz="3400">
+                <a:latin typeface="Avenir Next Medium"/>
+                <a:ea typeface="Avenir Next Medium"/>
+                <a:cs typeface="Avenir Next Medium"/>
+                <a:sym typeface="Avenir Next Medium"/>
+              </a:defRPr>
             </a:pPr>
             <a:r>
               <a:t>依赖管理系统：通过在项目下的pom.xml文件下编写依赖配置来管理jar包之间的依赖关系。</a:t>
@@ -4991,7 +4986,7 @@
       </p:grpSpPr>
       <p:sp>
         <p:nvSpPr>
-          <p:cNvPr id="172" name="前端框架选择"/>
+          <p:cNvPr id="176" name="前端框架选择"/>
           <p:cNvSpPr txBox="1"/>
           <p:nvPr>
             <p:ph type="title"/>
@@ -5009,7 +5004,7 @@
               <a:spcBef>
                 <a:spcPts val="1600"/>
               </a:spcBef>
-              <a:defRPr sz="3480"/>
+              <a:defRPr sz="3400"/>
             </a:lvl1pPr>
           </a:lstStyle>
           <a:p>
@@ -5022,56 +5017,109 @@
       </p:sp>
       <p:sp>
         <p:nvSpPr>
-          <p:cNvPr id="173" name="jQuery+BootStrap：…"/>
+          <p:cNvPr id="177" name="jQuery+BootStrap：…"/>
           <p:cNvSpPr txBox="1"/>
           <p:nvPr>
             <p:ph type="body" idx="1"/>
           </p:nvPr>
         </p:nvSpPr>
         <p:spPr>
+          <a:xfrm>
+            <a:off x="406400" y="2743200"/>
+            <a:ext cx="12192000" cy="6108700"/>
+          </a:xfrm>
           <a:prstGeom prst="rect">
             <a:avLst/>
           </a:prstGeom>
         </p:spPr>
         <p:txBody>
-          <a:bodyPr/>
+          <a:bodyPr anchor="t"/>
           <a:lstStyle/>
           <a:p>
-            <a:pPr/>
+            <a:pPr marL="444500" indent="-444500" defTabSz="584200">
+              <a:lnSpc>
+                <a:spcPct val="100000"/>
+              </a:lnSpc>
+              <a:spcBef>
+                <a:spcPts val="2800"/>
+              </a:spcBef>
+              <a:buClr>
+                <a:schemeClr val="accent1"/>
+              </a:buClr>
+              <a:buSzPct val="104999"/>
+              <a:buFont typeface="Avenir Next"/>
+              <a:buChar char="▸"/>
+              <a:defRPr b="0" cap="none" spc="0" sz="3400">
+                <a:latin typeface="Avenir Next Medium"/>
+                <a:ea typeface="Avenir Next Medium"/>
+                <a:cs typeface="Avenir Next Medium"/>
+                <a:sym typeface="Avenir Next Medium"/>
+              </a:defRPr>
+            </a:pPr>
             <a:r>
               <a:t>jQuery+BootStrap：</a:t>
             </a:r>
           </a:p>
           <a:p>
-            <a:pPr lvl="1">
-              <a:buClrTx/>
+            <a:pPr lvl="1" marL="889000" indent="-444500" defTabSz="584200">
+              <a:lnSpc>
+                <a:spcPct val="100000"/>
+              </a:lnSpc>
+              <a:spcBef>
+                <a:spcPts val="2800"/>
+              </a:spcBef>
               <a:buSzPct val="40000"/>
-              <a:buFontTx/>
               <a:buBlip>
                 <a:blip r:embed="rId2"/>
               </a:buBlip>
+              <a:defRPr b="0" cap="none" spc="0" sz="3400">
+                <a:latin typeface="Avenir Next Medium"/>
+                <a:ea typeface="Avenir Next Medium"/>
+                <a:cs typeface="Avenir Next Medium"/>
+                <a:sym typeface="Avenir Next Medium"/>
+              </a:defRPr>
             </a:pPr>
             <a:r>
               <a:t>jQuery：JavaScript框架</a:t>
             </a:r>
           </a:p>
           <a:p>
-            <a:pPr lvl="4" marL="0" indent="0">
-              <a:buClrTx/>
+            <a:pPr lvl="4" marL="0" indent="0" defTabSz="584200">
+              <a:lnSpc>
+                <a:spcPct val="100000"/>
+              </a:lnSpc>
+              <a:spcBef>
+                <a:spcPts val="2800"/>
+              </a:spcBef>
               <a:buSzTx/>
-              <a:buFontTx/>
               <a:buNone/>
+              <a:defRPr b="0" cap="none" spc="0" sz="3400">
+                <a:latin typeface="Avenir Next Medium"/>
+                <a:ea typeface="Avenir Next Medium"/>
+                <a:cs typeface="Avenir Next Medium"/>
+                <a:sym typeface="Avenir Next Medium"/>
+              </a:defRPr>
             </a:pPr>
             <a:r>
               <a:t>        jQuery是一个JavaScript工具库（类库），实现了对HTML、JavaScript、CSS、DOM和Ajax的一系列操作。</a:t>
             </a:r>
           </a:p>
           <a:p>
-            <a:pPr lvl="1" marL="0" indent="0">
-              <a:buClrTx/>
+            <a:pPr lvl="1" marL="0" indent="0" defTabSz="584200">
+              <a:lnSpc>
+                <a:spcPct val="100000"/>
+              </a:lnSpc>
+              <a:spcBef>
+                <a:spcPts val="2800"/>
+              </a:spcBef>
               <a:buSzTx/>
-              <a:buFontTx/>
               <a:buNone/>
+              <a:defRPr b="0" cap="none" spc="0" sz="3400">
+                <a:latin typeface="Avenir Next Medium"/>
+                <a:ea typeface="Avenir Next Medium"/>
+                <a:cs typeface="Avenir Next Medium"/>
+                <a:sym typeface="Avenir Next Medium"/>
+              </a:defRPr>
             </a:pPr>
             <a:r>
               <a:t>     它的宗旨就是：“Write less, do more.“</a:t>
@@ -5081,13 +5129,13 @@
       </p:sp>
       <p:sp>
         <p:nvSpPr>
-          <p:cNvPr id="174" name="软件语言：HTML+CSS+JavaScript"/>
+          <p:cNvPr id="178" name="软件语言：HTML+CSS+JavaScript"/>
           <p:cNvSpPr txBox="1"/>
           <p:nvPr/>
         </p:nvSpPr>
         <p:spPr>
           <a:xfrm>
-            <a:off x="406400" y="355600"/>
+            <a:off x="406400" y="355599"/>
             <a:ext cx="11176000" cy="558801"/>
           </a:xfrm>
           <a:prstGeom prst="rect">
@@ -5164,16 +5212,16 @@
       </p:grpSpPr>
       <p:sp>
         <p:nvSpPr>
-          <p:cNvPr id="176" name="软件语言：HTML+CSS+JavaScript"/>
+          <p:cNvPr id="180" name="软件语言：HTML+CSS+JavaScript"/>
           <p:cNvSpPr txBox="1"/>
           <p:nvPr>
-            <p:ph type="body" idx="13"/>
+            <p:ph type="body" sz="quarter" idx="1"/>
           </p:nvPr>
         </p:nvSpPr>
         <p:spPr>
           <a:xfrm>
             <a:off x="406400" y="355600"/>
-            <a:ext cx="11176000" cy="558801"/>
+            <a:ext cx="11176000" cy="558802"/>
           </a:xfrm>
           <a:prstGeom prst="rect">
             <a:avLst/>
@@ -5213,7 +5261,7 @@
       </p:sp>
       <p:sp>
         <p:nvSpPr>
-          <p:cNvPr id="177" name="前端框架选择"/>
+          <p:cNvPr id="181" name="前端框架选择"/>
           <p:cNvSpPr txBox="1"/>
           <p:nvPr>
             <p:ph type="title"/>
@@ -5231,7 +5279,7 @@
               <a:spcBef>
                 <a:spcPts val="1600"/>
               </a:spcBef>
-              <a:defRPr sz="3480"/>
+              <a:defRPr sz="3400"/>
             </a:lvl1pPr>
           </a:lstStyle>
           <a:p>
@@ -5244,68 +5292,102 @@
       </p:sp>
       <p:sp>
         <p:nvSpPr>
-          <p:cNvPr id="178" name="BootStrap：Web框架…"/>
+          <p:cNvPr id="182" name="BootStrap：Web框架…"/>
           <p:cNvSpPr txBox="1"/>
           <p:nvPr>
-            <p:ph type="body" idx="1"/>
+            <p:ph type="body" idx="13"/>
           </p:nvPr>
         </p:nvSpPr>
         <p:spPr>
           <a:prstGeom prst="rect">
             <a:avLst/>
           </a:prstGeom>
+          <a:extLst>
+            <a:ext uri="{C572A759-6A51-4108-AA02-DFA0A04FC94B}">
+              <ma14:wrappingTextBoxFlag xmlns:ma14="http://schemas.microsoft.com/office/mac/drawingml/2011/main" val="1"/>
+            </a:ext>
+          </a:extLst>
         </p:spPr>
         <p:txBody>
           <a:bodyPr/>
           <a:lstStyle/>
           <a:p>
-            <a:pPr lvl="1">
-              <a:buClrTx/>
+            <a:pPr lvl="1" marL="889000" indent="-444500">
+              <a:lnSpc>
+                <a:spcPct val="100000"/>
+              </a:lnSpc>
+              <a:spcBef>
+                <a:spcPts val="2800"/>
+              </a:spcBef>
+              <a:buClr>
+                <a:schemeClr val="accent1"/>
+              </a:buClr>
               <a:buSzPct val="40000"/>
-              <a:buFontTx/>
+              <a:buFont typeface="Avenir Next"/>
               <a:buBlip>
                 <a:blip r:embed="rId2"/>
               </a:buBlip>
+              <a:defRPr cap="none" sz="3400">
+                <a:solidFill>
+                  <a:srgbClr val="838787"/>
+                </a:solidFill>
+                <a:latin typeface="Avenir Next Medium"/>
+                <a:ea typeface="Avenir Next Medium"/>
+                <a:cs typeface="Avenir Next Medium"/>
+                <a:sym typeface="Avenir Next Medium"/>
+              </a:defRPr>
             </a:pPr>
             <a:r>
               <a:t>BootStrap：Web框架</a:t>
             </a:r>
           </a:p>
           <a:p>
-            <a:pPr marL="0" indent="0">
-              <a:buClrTx/>
-              <a:buSzTx/>
-              <a:buFontTx/>
-              <a:buNone/>
+            <a:pPr>
+              <a:lnSpc>
+                <a:spcPct val="100000"/>
+              </a:lnSpc>
+              <a:spcBef>
+                <a:spcPts val="2800"/>
+              </a:spcBef>
+              <a:buClr>
+                <a:schemeClr val="accent1"/>
+              </a:buClr>
+              <a:buFont typeface="Avenir Next"/>
+              <a:defRPr cap="none" sz="3400">
+                <a:solidFill>
+                  <a:srgbClr val="838787"/>
+                </a:solidFill>
+                <a:latin typeface="Avenir Next Medium"/>
+                <a:ea typeface="Avenir Next Medium"/>
+                <a:cs typeface="Avenir Next Medium"/>
+                <a:sym typeface="Avenir Next Medium"/>
+              </a:defRPr>
             </a:pPr>
             <a:r>
-              <a:t>        Bootstrap中包含了丰富的Web组件，其中包括以下组件：下拉菜单、按钮组、按钮下拉菜单、导航、</a:t>
-            </a:r>
-            <a:r>
-              <a:rPr>
-                <a:hlinkClick r:id="rId3" invalidUrl="" action="" tgtFrame="" tooltip="" history="1" highlightClick="0" endSnd="0"/>
-              </a:rPr>
-              <a:t>导航条</a:t>
-            </a:r>
-            <a:r>
-              <a:t>、</a:t>
-            </a:r>
-            <a:r>
-              <a:rPr>
-                <a:hlinkClick r:id="rId4" invalidUrl="" action="" tgtFrame="" tooltip="" history="1" highlightClick="0" endSnd="0"/>
-              </a:rPr>
-              <a:t>路径导航</a:t>
-            </a:r>
-            <a:r>
-              <a:t>、分页、排版、缩略图、警告对话框、进度条、媒体对象等。也包含了很多自定义的jQuery 插件。</a:t>
-            </a:r>
-          </a:p>
-          <a:p>
-            <a:pPr marL="0" indent="0">
-              <a:buClrTx/>
-              <a:buSzTx/>
-              <a:buFontTx/>
-              <a:buNone/>
+              <a:t>        Bootstrap中包含了丰富的Web组件，其中包括以下组件：下拉菜单、按钮组、按钮下拉菜单、导航、导航条、路径导航、分页、排版、缩略图、警告对话框、进度条、媒体对象等。也包含了很多自定义的jQuery 插件。</a:t>
+            </a:r>
+          </a:p>
+          <a:p>
+            <a:pPr>
+              <a:lnSpc>
+                <a:spcPct val="100000"/>
+              </a:lnSpc>
+              <a:spcBef>
+                <a:spcPts val="2800"/>
+              </a:spcBef>
+              <a:buClr>
+                <a:schemeClr val="accent1"/>
+              </a:buClr>
+              <a:buFont typeface="Avenir Next"/>
+              <a:defRPr cap="none" sz="3400">
+                <a:solidFill>
+                  <a:srgbClr val="838787"/>
+                </a:solidFill>
+                <a:latin typeface="Avenir Next Medium"/>
+                <a:ea typeface="Avenir Next Medium"/>
+                <a:cs typeface="Avenir Next Medium"/>
+                <a:sym typeface="Avenir Next Medium"/>
+              </a:defRPr>
             </a:pPr>
             <a:r>
               <a:t>        引用框架后可以对Bootstrap中所有的CSS变量进行修改，依据自己的需求裁剪代码。</a:t>
@@ -5341,7 +5423,7 @@
       </p:grpSpPr>
       <p:sp>
         <p:nvSpPr>
-          <p:cNvPr id="180" name="后端框架选择"/>
+          <p:cNvPr id="184" name="后端框架选择"/>
           <p:cNvSpPr txBox="1"/>
           <p:nvPr>
             <p:ph type="title"/>
@@ -5359,7 +5441,7 @@
               <a:spcBef>
                 <a:spcPts val="1600"/>
               </a:spcBef>
-              <a:defRPr sz="3480"/>
+              <a:defRPr sz="3400"/>
             </a:lvl1pPr>
           </a:lstStyle>
           <a:p>
@@ -5372,27 +5454,61 @@
       </p:sp>
       <p:sp>
         <p:nvSpPr>
-          <p:cNvPr id="181" name="Spring Boot + Thymeleaf…"/>
+          <p:cNvPr id="185" name="Spring Boot + Thymeleaf…"/>
           <p:cNvSpPr txBox="1"/>
           <p:nvPr>
             <p:ph type="body" idx="1"/>
           </p:nvPr>
         </p:nvSpPr>
         <p:spPr>
+          <a:xfrm>
+            <a:off x="406400" y="2743200"/>
+            <a:ext cx="12192000" cy="6108700"/>
+          </a:xfrm>
           <a:prstGeom prst="rect">
             <a:avLst/>
           </a:prstGeom>
         </p:spPr>
         <p:txBody>
-          <a:bodyPr/>
+          <a:bodyPr anchor="t"/>
           <a:lstStyle>
-            <a:lvl2pPr>
-              <a:buClrTx/>
+            <a:lvl1pPr marL="444500" indent="-444500" defTabSz="584200">
+              <a:lnSpc>
+                <a:spcPct val="100000"/>
+              </a:lnSpc>
+              <a:spcBef>
+                <a:spcPts val="2800"/>
+              </a:spcBef>
+              <a:buClr>
+                <a:schemeClr val="accent1"/>
+              </a:buClr>
+              <a:buSzPct val="104999"/>
+              <a:buFont typeface="Avenir Next"/>
+              <a:buChar char="▸"/>
+              <a:defRPr b="0" cap="none" spc="0" sz="3400">
+                <a:latin typeface="Avenir Next Medium"/>
+                <a:ea typeface="Avenir Next Medium"/>
+                <a:cs typeface="Avenir Next Medium"/>
+                <a:sym typeface="Avenir Next Medium"/>
+              </a:defRPr>
+            </a:lvl1pPr>
+            <a:lvl2pPr marL="889000" indent="-444500" defTabSz="584200">
+              <a:lnSpc>
+                <a:spcPct val="100000"/>
+              </a:lnSpc>
+              <a:spcBef>
+                <a:spcPts val="2800"/>
+              </a:spcBef>
               <a:buSzPct val="40000"/>
-              <a:buFontTx/>
               <a:buBlip>
                 <a:blip r:embed="rId2"/>
               </a:buBlip>
+              <a:defRPr b="0" cap="none" spc="0" sz="3400">
+                <a:latin typeface="Avenir Next Medium"/>
+                <a:ea typeface="Avenir Next Medium"/>
+                <a:cs typeface="Avenir Next Medium"/>
+                <a:sym typeface="Avenir Next Medium"/>
+              </a:defRPr>
             </a:lvl2pPr>
           </a:lstStyle>
           <a:p>
@@ -5411,13 +5527,13 @@
       </p:sp>
       <p:sp>
         <p:nvSpPr>
-          <p:cNvPr id="182" name="软件语言：Java"/>
+          <p:cNvPr id="186" name="软件语言：Java"/>
           <p:cNvSpPr txBox="1"/>
           <p:nvPr/>
         </p:nvSpPr>
         <p:spPr>
           <a:xfrm>
-            <a:off x="406400" y="355600"/>
+            <a:off x="406400" y="355599"/>
             <a:ext cx="11176000" cy="558801"/>
           </a:xfrm>
           <a:prstGeom prst="rect">
@@ -5494,16 +5610,16 @@
       </p:grpSpPr>
       <p:sp>
         <p:nvSpPr>
-          <p:cNvPr id="184" name="软件语言：Java"/>
+          <p:cNvPr id="188" name="软件语言：Java"/>
           <p:cNvSpPr txBox="1"/>
           <p:nvPr>
-            <p:ph type="body" idx="13"/>
+            <p:ph type="body" sz="quarter" idx="1"/>
           </p:nvPr>
         </p:nvSpPr>
         <p:spPr>
           <a:xfrm>
             <a:off x="406400" y="355600"/>
-            <a:ext cx="11176000" cy="558801"/>
+            <a:ext cx="11176000" cy="558802"/>
           </a:xfrm>
           <a:prstGeom prst="rect">
             <a:avLst/>
@@ -5543,7 +5659,7 @@
       </p:sp>
       <p:sp>
         <p:nvSpPr>
-          <p:cNvPr id="185" name="后端框架选择"/>
+          <p:cNvPr id="189" name="后端框架选择"/>
           <p:cNvSpPr txBox="1"/>
           <p:nvPr>
             <p:ph type="title"/>
@@ -5561,7 +5677,7 @@
               <a:spcBef>
                 <a:spcPts val="1600"/>
               </a:spcBef>
-              <a:defRPr sz="3480"/>
+              <a:defRPr sz="3400"/>
             </a:lvl1pPr>
           </a:lstStyle>
           <a:p>
@@ -5574,39 +5690,76 @@
       </p:sp>
       <p:sp>
         <p:nvSpPr>
-          <p:cNvPr id="186" name="Thymeleaf：用于Web和独立环境的现代服务器端Java模板引擎，使用html的标签来完成逻辑和数据的传入进行渲染。…"/>
+          <p:cNvPr id="190" name="Thymeleaf：用于Web和独立环境的现代服务器端Java模板引擎，使用html的标签来完成逻辑和数据的传入进行渲染。…"/>
           <p:cNvSpPr txBox="1"/>
           <p:nvPr>
-            <p:ph type="body" idx="1"/>
+            <p:ph type="body" idx="13"/>
           </p:nvPr>
         </p:nvSpPr>
         <p:spPr>
           <a:prstGeom prst="rect">
             <a:avLst/>
           </a:prstGeom>
+          <a:extLst>
+            <a:ext uri="{C572A759-6A51-4108-AA02-DFA0A04FC94B}">
+              <ma14:wrappingTextBoxFlag xmlns:ma14="http://schemas.microsoft.com/office/mac/drawingml/2011/main" val="1"/>
+            </a:ext>
+          </a:extLst>
         </p:spPr>
         <p:txBody>
           <a:bodyPr/>
           <a:lstStyle/>
           <a:p>
-            <a:pPr lvl="1">
-              <a:buClrTx/>
+            <a:pPr lvl="1" marL="889000" indent="-444500">
+              <a:lnSpc>
+                <a:spcPct val="100000"/>
+              </a:lnSpc>
+              <a:spcBef>
+                <a:spcPts val="2800"/>
+              </a:spcBef>
+              <a:buClr>
+                <a:schemeClr val="accent1"/>
+              </a:buClr>
               <a:buSzPct val="40000"/>
-              <a:buFontTx/>
+              <a:buFont typeface="Avenir Next"/>
               <a:buBlip>
                 <a:blip r:embed="rId2"/>
               </a:buBlip>
+              <a:defRPr cap="none" sz="3400">
+                <a:solidFill>
+                  <a:srgbClr val="838787"/>
+                </a:solidFill>
+                <a:latin typeface="Avenir Next Medium"/>
+                <a:ea typeface="Avenir Next Medium"/>
+                <a:cs typeface="Avenir Next Medium"/>
+                <a:sym typeface="Avenir Next Medium"/>
+              </a:defRPr>
             </a:pPr>
             <a:r>
               <a:t>Thymeleaf：用于Web和独立环境的现代服务器端Java模板引擎，使用html的标签来完成逻辑和数据的传入进行渲染。</a:t>
             </a:r>
           </a:p>
           <a:p>
-            <a:pPr lvl="2" marL="0" indent="0">
-              <a:buClrTx/>
-              <a:buSzTx/>
-              <a:buFontTx/>
-              <a:buNone/>
+            <a:pPr lvl="2">
+              <a:lnSpc>
+                <a:spcPct val="100000"/>
+              </a:lnSpc>
+              <a:spcBef>
+                <a:spcPts val="2800"/>
+              </a:spcBef>
+              <a:buClr>
+                <a:schemeClr val="accent1"/>
+              </a:buClr>
+              <a:buFont typeface="Avenir Next"/>
+              <a:defRPr cap="none" sz="3400">
+                <a:solidFill>
+                  <a:srgbClr val="838787"/>
+                </a:solidFill>
+                <a:latin typeface="Avenir Next Medium"/>
+                <a:ea typeface="Avenir Next Medium"/>
+                <a:cs typeface="Avenir Next Medium"/>
+                <a:sym typeface="Avenir Next Medium"/>
+              </a:defRPr>
             </a:pPr>
             <a:r>
               <a:t>        类似于jsp，Spring Boot 官方推荐使用 “Thymeleaf”模板引擎。</a:t>
@@ -5642,7 +5795,7 @@
       </p:grpSpPr>
       <p:sp>
         <p:nvSpPr>
-          <p:cNvPr id="188" name="为何选用这些框架"/>
+          <p:cNvPr id="192" name="为何选用这些框架"/>
           <p:cNvSpPr txBox="1"/>
           <p:nvPr>
             <p:ph type="title"/>
@@ -5660,7 +5813,7 @@
               <a:spcBef>
                 <a:spcPts val="1600"/>
               </a:spcBef>
-              <a:defRPr sz="3480"/>
+              <a:defRPr sz="3400"/>
             </a:lvl1pPr>
           </a:lstStyle>
           <a:p>
@@ -5673,105 +5826,139 @@
       </p:sp>
       <p:sp>
         <p:nvSpPr>
-          <p:cNvPr id="189" name="心语心理测试网站的三大主要功能即：注册登录、问卷调查填写、结果反馈，该项目功能不复杂，没用过多的过繁杂的业务逻辑，非常适合一些轻量级框架进行快速开发。针对该项目特点采取以下框架的优势说明如下：…"/>
+          <p:cNvPr id="193" name="心语心理测试网站的三大主要功能即：注册登录、问卷调查填写、结果反馈，该项目功能不复杂，没用过多的过繁杂的业务逻辑，非常适合一些轻量级框架进行快速开发。针对该项目特点采取以下框架的优势说明如下：…"/>
           <p:cNvSpPr txBox="1"/>
           <p:nvPr>
-            <p:ph type="body" idx="4294967295"/>
+            <p:ph type="body" idx="1"/>
           </p:nvPr>
         </p:nvSpPr>
         <p:spPr>
+          <a:xfrm>
+            <a:off x="406400" y="2743200"/>
+            <a:ext cx="12192000" cy="6108700"/>
+          </a:xfrm>
           <a:prstGeom prst="rect">
             <a:avLst/>
           </a:prstGeom>
         </p:spPr>
         <p:txBody>
-          <a:bodyPr/>
+          <a:bodyPr anchor="t"/>
           <a:lstStyle/>
           <a:p>
-            <a:pPr marL="0" indent="0">
+            <a:pPr defTabSz="584200">
+              <a:lnSpc>
+                <a:spcPct val="100000"/>
+              </a:lnSpc>
               <a:spcBef>
                 <a:spcPts val="2400"/>
               </a:spcBef>
-              <a:buClrTx/>
-              <a:buSzTx/>
-              <a:buFontTx/>
-              <a:buNone/>
-              <a:defRPr sz="2000"/>
+              <a:defRPr b="0" cap="none" spc="0" sz="2000">
+                <a:latin typeface="Avenir Next Medium"/>
+                <a:ea typeface="Avenir Next Medium"/>
+                <a:cs typeface="Avenir Next Medium"/>
+                <a:sym typeface="Avenir Next Medium"/>
+              </a:defRPr>
             </a:pPr>
             <a:r>
               <a:t>心语心理测试网站的三大主要功能即：注册登录、问卷调查填写、结果反馈，该项目功能不复杂，没用过多的过繁杂的业务逻辑，非常适合一些轻量级框架进行快速开发。针对该项目特点采取以下框架的优势说明如下：</a:t>
             </a:r>
           </a:p>
           <a:p>
-            <a:pPr marL="0" indent="0">
+            <a:pPr defTabSz="584200">
+              <a:lnSpc>
+                <a:spcPct val="100000"/>
+              </a:lnSpc>
               <a:spcBef>
                 <a:spcPts val="2400"/>
               </a:spcBef>
-              <a:buClrTx/>
-              <a:buSzTx/>
-              <a:buFontTx/>
-              <a:buNone/>
-              <a:defRPr sz="2000"/>
+              <a:defRPr b="0" cap="none" spc="0" sz="2000">
+                <a:latin typeface="Avenir Next Medium"/>
+                <a:ea typeface="Avenir Next Medium"/>
+                <a:cs typeface="Avenir Next Medium"/>
+                <a:sym typeface="Avenir Next Medium"/>
+              </a:defRPr>
             </a:pPr>
             <a:r>
               <a:t>jQuery：轻量级，非常轻巧，对于这个强大的js库来说实现一个简单的Web项目绰绰有余，有它独特的编码格式需要自己学习掌握。</a:t>
             </a:r>
           </a:p>
           <a:p>
-            <a:pPr marL="0" indent="0">
+            <a:pPr defTabSz="584200">
+              <a:lnSpc>
+                <a:spcPct val="100000"/>
+              </a:lnSpc>
               <a:spcBef>
                 <a:spcPts val="2400"/>
               </a:spcBef>
-              <a:buClrTx/>
-              <a:buSzTx/>
-              <a:buFontTx/>
-              <a:buNone/>
-              <a:defRPr sz="2000"/>
+              <a:defRPr b="0" cap="none" spc="0" sz="2000">
+                <a:latin typeface="Avenir Next Medium"/>
+                <a:ea typeface="Avenir Next Medium"/>
+                <a:cs typeface="Avenir Next Medium"/>
+                <a:sym typeface="Avenir Next Medium"/>
+              </a:defRPr>
             </a:pPr>
             <a:r>
               <a:t>BootStrap：</a:t>
             </a:r>
           </a:p>
           <a:p>
-            <a:pPr marL="388470" indent="-388470">
+            <a:pPr marL="388469" indent="-388469" defTabSz="584200">
+              <a:lnSpc>
+                <a:spcPct val="100000"/>
+              </a:lnSpc>
               <a:spcBef>
                 <a:spcPts val="2400"/>
               </a:spcBef>
-              <a:buClrTx/>
               <a:buSzPct val="100000"/>
-              <a:buFontTx/>
               <a:buAutoNum type="arabicPeriod" startAt="1"/>
-              <a:defRPr sz="2000"/>
+              <a:defRPr b="0" cap="none" spc="0" sz="2000">
+                <a:latin typeface="Avenir Next Medium"/>
+                <a:ea typeface="Avenir Next Medium"/>
+                <a:cs typeface="Avenir Next Medium"/>
+                <a:sym typeface="Avenir Next Medium"/>
+              </a:defRPr>
             </a:pPr>
             <a:r>
               <a:t>用于开发响应式布局、移动设备优先的 Web项目。</a:t>
             </a:r>
           </a:p>
           <a:p>
-            <a:pPr marL="388470" indent="-388470">
+            <a:pPr marL="388469" indent="-388469" defTabSz="584200">
+              <a:lnSpc>
+                <a:spcPct val="100000"/>
+              </a:lnSpc>
               <a:spcBef>
                 <a:spcPts val="2400"/>
               </a:spcBef>
-              <a:buClrTx/>
               <a:buSzPct val="100000"/>
-              <a:buFontTx/>
               <a:buAutoNum type="arabicPeriod" startAt="1"/>
-              <a:defRPr sz="2000"/>
+              <a:defRPr b="0" cap="none" spc="0" sz="2000">
+                <a:latin typeface="Avenir Next Medium"/>
+                <a:ea typeface="Avenir Next Medium"/>
+                <a:cs typeface="Avenir Next Medium"/>
+                <a:sym typeface="Avenir Next Medium"/>
+              </a:defRPr>
             </a:pPr>
             <a:r>
               <a:t>Bootstrap 响应式布局设计,让一个网站可以兼容不同分辨率的设备，给用户提供更好的视觉使用体验。</a:t>
             </a:r>
           </a:p>
           <a:p>
-            <a:pPr marL="388470" indent="-388470">
+            <a:pPr marL="388469" indent="-388469" defTabSz="584200">
+              <a:lnSpc>
+                <a:spcPct val="100000"/>
+              </a:lnSpc>
               <a:spcBef>
                 <a:spcPts val="2400"/>
               </a:spcBef>
-              <a:buClrTx/>
               <a:buSzPct val="100000"/>
-              <a:buFontTx/>
               <a:buAutoNum type="arabicPeriod" startAt="1"/>
-              <a:defRPr sz="2000"/>
+              <a:defRPr b="0" cap="none" spc="0" sz="2000">
+                <a:latin typeface="Avenir Next Medium"/>
+                <a:ea typeface="Avenir Next Medium"/>
+                <a:cs typeface="Avenir Next Medium"/>
+                <a:sym typeface="Avenir Next Medium"/>
+              </a:defRPr>
             </a:pPr>
             <a:r>
               <a:t>它包含了十几个自定义的jQuery 插件，引用后可以根据自己项目的需求自行修改css变量，控件十分美观。</a:t>
@@ -5807,7 +5994,7 @@
       </p:grpSpPr>
       <p:sp>
         <p:nvSpPr>
-          <p:cNvPr id="191" name="Spring Boot：Spring boot是Spring家族中的一个全新的框架，它用来简化Spring应用程序的创建和开发过程，也可以说Spring boot能简化我们之前采用SpringMVC+Spring+Mybatis框架进行开发的过程。…"/>
+          <p:cNvPr id="195" name="Spring Boot：Spring boot是Spring家族中的一个全新的框架，它用来简化Spring应用程序的创建和开发过程，也可以说Spring boot能简化我们之前采用SpringMVC+Spring+Mybatis框架进行开发的过程。…"/>
           <p:cNvSpPr txBox="1"/>
           <p:nvPr>
             <p:ph type="body" idx="1"/>
@@ -5816,106 +6003,162 @@
         <p:spPr>
           <a:xfrm>
             <a:off x="406400" y="1559520"/>
-            <a:ext cx="12192000" cy="7246988"/>
+            <a:ext cx="12192000" cy="7246989"/>
           </a:xfrm>
           <a:prstGeom prst="rect">
             <a:avLst/>
           </a:prstGeom>
         </p:spPr>
         <p:txBody>
-          <a:bodyPr/>
+          <a:bodyPr anchor="t"/>
           <a:lstStyle/>
           <a:p>
-            <a:pPr marL="0" indent="0">
-              <a:buClrTx/>
-              <a:buSzTx/>
-              <a:buFontTx/>
-              <a:buNone/>
-              <a:defRPr sz="2000"/>
+            <a:pPr defTabSz="584200">
+              <a:lnSpc>
+                <a:spcPct val="100000"/>
+              </a:lnSpc>
+              <a:spcBef>
+                <a:spcPts val="2800"/>
+              </a:spcBef>
+              <a:defRPr b="0" cap="none" spc="0" sz="2000">
+                <a:latin typeface="Avenir Next Medium"/>
+                <a:ea typeface="Avenir Next Medium"/>
+                <a:cs typeface="Avenir Next Medium"/>
+                <a:sym typeface="Avenir Next Medium"/>
+              </a:defRPr>
             </a:pPr>
             <a:r>
               <a:t>Spring Boot：Spring boot是Spring家族中的一个全新的框架，它用来简化Spring应用程序的创建和开发过程，也可以说Spring boot能简化我们之前采用SpringMVC+Spring+Mybatis框架进行开发的过程。</a:t>
             </a:r>
           </a:p>
           <a:p>
-            <a:pPr marL="0" indent="0">
-              <a:buClrTx/>
-              <a:buSzTx/>
-              <a:buFontTx/>
-              <a:buNone/>
-              <a:defRPr sz="2000"/>
+            <a:pPr defTabSz="584200">
+              <a:lnSpc>
+                <a:spcPct val="100000"/>
+              </a:lnSpc>
+              <a:spcBef>
+                <a:spcPts val="2800"/>
+              </a:spcBef>
+              <a:defRPr b="0" cap="none" spc="0" sz="2000">
+                <a:latin typeface="Avenir Next Medium"/>
+                <a:ea typeface="Avenir Next Medium"/>
+                <a:cs typeface="Avenir Next Medium"/>
+                <a:sym typeface="Avenir Next Medium"/>
+              </a:defRPr>
             </a:pPr>
             <a:r>
               <a:t>1.能够快速创建基于Spring的应用程序。（简化配置）</a:t>
             </a:r>
           </a:p>
           <a:p>
-            <a:pPr marL="0" indent="0">
-              <a:buClrTx/>
-              <a:buSzTx/>
-              <a:buFontTx/>
-              <a:buNone/>
-              <a:defRPr sz="2000"/>
+            <a:pPr defTabSz="584200">
+              <a:lnSpc>
+                <a:spcPct val="100000"/>
+              </a:lnSpc>
+              <a:spcBef>
+                <a:spcPts val="2800"/>
+              </a:spcBef>
+              <a:defRPr b="0" cap="none" spc="0" sz="2000">
+                <a:latin typeface="Avenir Next Medium"/>
+                <a:ea typeface="Avenir Next Medium"/>
+                <a:cs typeface="Avenir Next Medium"/>
+                <a:sym typeface="Avenir Next Medium"/>
+              </a:defRPr>
             </a:pPr>
             <a:r>
               <a:t>2.能够直接使用java的main方法启动内嵌的Tomcat。</a:t>
             </a:r>
           </a:p>
           <a:p>
-            <a:pPr marL="0" indent="0">
-              <a:buClrTx/>
-              <a:buSzTx/>
-              <a:buFontTx/>
-              <a:buNone/>
-              <a:defRPr sz="2000"/>
+            <a:pPr defTabSz="584200">
+              <a:lnSpc>
+                <a:spcPct val="100000"/>
+              </a:lnSpc>
+              <a:spcBef>
+                <a:spcPts val="2800"/>
+              </a:spcBef>
+              <a:defRPr b="0" cap="none" spc="0" sz="2000">
+                <a:latin typeface="Avenir Next Medium"/>
+                <a:ea typeface="Avenir Next Medium"/>
+                <a:cs typeface="Avenir Next Medium"/>
+                <a:sym typeface="Avenir Next Medium"/>
+              </a:defRPr>
             </a:pPr>
             <a:r>
               <a:t>3.提供约定的starter POM来简化来简化Maven配置，让Maven配置变得简单。</a:t>
             </a:r>
           </a:p>
           <a:p>
-            <a:pPr marL="0" indent="0">
-              <a:buClrTx/>
-              <a:buSzTx/>
-              <a:buFontTx/>
-              <a:buNone/>
-              <a:defRPr sz="2000"/>
+            <a:pPr defTabSz="584200">
+              <a:lnSpc>
+                <a:spcPct val="100000"/>
+              </a:lnSpc>
+              <a:spcBef>
+                <a:spcPts val="2800"/>
+              </a:spcBef>
+              <a:defRPr b="0" cap="none" spc="0" sz="2000">
+                <a:latin typeface="Avenir Next Medium"/>
+                <a:ea typeface="Avenir Next Medium"/>
+                <a:cs typeface="Avenir Next Medium"/>
+                <a:sym typeface="Avenir Next Medium"/>
+              </a:defRPr>
             </a:pPr>
             <a:r>
               <a:t>4.根据项目的maven依赖配置，Spring boot自动配置Spring,SpringMVC等其它开源框架。</a:t>
             </a:r>
           </a:p>
           <a:p>
-            <a:pPr marL="0" indent="0">
-              <a:buClrTx/>
-              <a:buSzTx/>
-              <a:buFontTx/>
-              <a:buNone/>
-              <a:defRPr sz="2000"/>
+            <a:pPr defTabSz="584200">
+              <a:lnSpc>
+                <a:spcPct val="100000"/>
+              </a:lnSpc>
+              <a:spcBef>
+                <a:spcPts val="2800"/>
+              </a:spcBef>
+              <a:defRPr b="0" cap="none" spc="0" sz="2000">
+                <a:latin typeface="Avenir Next Medium"/>
+                <a:ea typeface="Avenir Next Medium"/>
+                <a:cs typeface="Avenir Next Medium"/>
+                <a:sym typeface="Avenir Next Medium"/>
+              </a:defRPr>
             </a:pPr>
             <a:r>
               <a:t>5.基本可以完全不使用xml配置文件，采用@+注解配置。（或者默认约定的配置，代码中已经实现）</a:t>
             </a:r>
           </a:p>
           <a:p>
-            <a:pPr marL="0" indent="0">
-              <a:buClrTx/>
-              <a:buSzTx/>
-              <a:buFontTx/>
-              <a:buNone/>
-              <a:defRPr sz="2000"/>
+            <a:pPr defTabSz="584200">
+              <a:lnSpc>
+                <a:spcPct val="100000"/>
+              </a:lnSpc>
+              <a:spcBef>
+                <a:spcPts val="2800"/>
+              </a:spcBef>
+              <a:defRPr b="0" cap="none" spc="0" sz="2000">
+                <a:latin typeface="Avenir Next Medium"/>
+                <a:ea typeface="Avenir Next Medium"/>
+                <a:cs typeface="Avenir Next Medium"/>
+                <a:sym typeface="Avenir Next Medium"/>
+              </a:defRPr>
             </a:pPr>
             <a:r>
               <a:t>对于个人来说简化了配置使得开发时更注重的代码实现而不是如何配置。比如配置web.xml，配置Spring，配置Mybatis,并将它们整合在一起等，而Spring boot框架对此开发过程进行了革命性的颠覆，抛弃了繁琐的xml配置过程，采用大量的默认配置简化我们的开发过程。</a:t>
             </a:r>
           </a:p>
           <a:p>
-            <a:pPr marL="0" indent="0">
-              <a:buClrTx/>
-              <a:buSzTx/>
-              <a:buFontTx/>
-              <a:buNone/>
-              <a:defRPr sz="2000"/>
+            <a:pPr defTabSz="584200">
+              <a:lnSpc>
+                <a:spcPct val="100000"/>
+              </a:lnSpc>
+              <a:spcBef>
+                <a:spcPts val="2800"/>
+              </a:spcBef>
+              <a:defRPr b="0" cap="none" spc="0" sz="2000">
+                <a:latin typeface="Avenir Next Medium"/>
+                <a:ea typeface="Avenir Next Medium"/>
+                <a:cs typeface="Avenir Next Medium"/>
+                <a:sym typeface="Avenir Next Medium"/>
+              </a:defRPr>
             </a:pPr>
             <a:r>
               <a:t>Thymeleaf：提供一种优雅和高度可维护的创建模板的方式。为了实现这一点，它建立在自然模板的概念上，将其逻辑注入到模板文件中，不会影响模板被用作设计原型。</a:t>
@@ -5951,7 +6194,7 @@
       </p:grpSpPr>
       <p:sp>
         <p:nvSpPr>
-          <p:cNvPr id="193" name="个人理解"/>
+          <p:cNvPr id="197" name="个人理解"/>
           <p:cNvSpPr txBox="1"/>
           <p:nvPr>
             <p:ph type="title"/>
@@ -5969,7 +6212,7 @@
               <a:spcBef>
                 <a:spcPts val="1600"/>
               </a:spcBef>
-              <a:defRPr sz="3480"/>
+              <a:defRPr sz="3400"/>
             </a:lvl1pPr>
           </a:lstStyle>
           <a:p>
@@ -5982,14 +6225,14 @@
       </p:sp>
       <p:sp>
         <p:nvSpPr>
-          <p:cNvPr id="194" name="软件项目类比建筑工程项目…"/>
+          <p:cNvPr id="198" name="软件项目类比建筑工程项目…"/>
           <p:cNvSpPr txBox="1"/>
           <p:nvPr/>
         </p:nvSpPr>
         <p:spPr>
           <a:xfrm>
-            <a:off x="959097" y="3565398"/>
-            <a:ext cx="11086605" cy="2622804"/>
+            <a:off x="959096" y="3565397"/>
+            <a:ext cx="11086607" cy="2622805"/>
           </a:xfrm>
           <a:prstGeom prst="rect">
             <a:avLst/>
@@ -6014,6 +6257,10 @@
                 <a:solidFill>
                   <a:srgbClr val="000000"/>
                 </a:solidFill>
+                <a:latin typeface="Avenir Next Medium"/>
+                <a:ea typeface="Avenir Next Medium"/>
+                <a:cs typeface="Avenir Next Medium"/>
+                <a:sym typeface="Avenir Next Medium"/>
               </a:defRPr>
             </a:pPr>
             <a:r>
@@ -6021,33 +6268,60 @@
             </a:r>
           </a:p>
           <a:p>
-            <a:pPr marL="261470" indent="-261470">
+            <a:pPr marL="261469" indent="-261469">
               <a:buSzPct val="40000"/>
               <a:buBlip>
                 <a:blip r:embed="rId2"/>
               </a:buBlip>
+              <a:defRPr>
+                <a:solidFill>
+                  <a:srgbClr val="838787"/>
+                </a:solidFill>
+                <a:latin typeface="Avenir Next Medium"/>
+                <a:ea typeface="Avenir Next Medium"/>
+                <a:cs typeface="Avenir Next Medium"/>
+                <a:sym typeface="Avenir Next Medium"/>
+              </a:defRPr>
             </a:pPr>
             <a:r>
               <a:t>框架好比建筑的风格</a:t>
             </a:r>
           </a:p>
           <a:p>
-            <a:pPr marL="261470" indent="-261470">
+            <a:pPr marL="261469" indent="-261469">
               <a:buSzPct val="40000"/>
               <a:buBlip>
                 <a:blip r:embed="rId2"/>
               </a:buBlip>
+              <a:defRPr>
+                <a:solidFill>
+                  <a:srgbClr val="838787"/>
+                </a:solidFill>
+                <a:latin typeface="Avenir Next Medium"/>
+                <a:ea typeface="Avenir Next Medium"/>
+                <a:cs typeface="Avenir Next Medium"/>
+                <a:sym typeface="Avenir Next Medium"/>
+              </a:defRPr>
             </a:pPr>
             <a:r>
               <a:t>业务逻辑的架构好比建筑的钢筋骨架</a:t>
             </a:r>
           </a:p>
           <a:p>
-            <a:pPr marL="261470" indent="-261470">
+            <a:pPr marL="261469" indent="-261469">
               <a:buSzPct val="40000"/>
               <a:buBlip>
                 <a:blip r:embed="rId2"/>
               </a:buBlip>
+              <a:defRPr>
+                <a:solidFill>
+                  <a:srgbClr val="838787"/>
+                </a:solidFill>
+                <a:latin typeface="Avenir Next Medium"/>
+                <a:ea typeface="Avenir Next Medium"/>
+                <a:cs typeface="Avenir Next Medium"/>
+                <a:sym typeface="Avenir Next Medium"/>
+              </a:defRPr>
             </a:pPr>
             <a:r>
               <a:t>UI好比建筑的装修</a:t>
@@ -6072,13 +6346,13 @@
         <a:srgbClr val="222222"/>
       </a:dk1>
       <a:lt1>
-        <a:srgbClr val="838787"/>
+        <a:srgbClr val="222222"/>
       </a:lt1>
       <a:dk2>
-        <a:srgbClr val="222222"/>
+        <a:srgbClr val="A7A7A7"/>
       </a:dk2>
       <a:lt2>
-        <a:srgbClr val="A6AAA9"/>
+        <a:srgbClr val="535353"/>
       </a:lt2>
       <a:accent1>
         <a:srgbClr val="34A5DA"/>
@@ -6107,14 +6381,14 @@
     </a:clrScheme>
     <a:fontScheme name="New_Template7">
       <a:majorFont>
-        <a:latin typeface="Baskerville"/>
-        <a:ea typeface="Baskerville"/>
-        <a:cs typeface="Baskerville"/>
+        <a:latin typeface="Helvetica Neue"/>
+        <a:ea typeface="Helvetica Neue"/>
+        <a:cs typeface="Helvetica Neue"/>
       </a:majorFont>
       <a:minorFont>
-        <a:latin typeface="Baskerville"/>
-        <a:ea typeface="Baskerville"/>
-        <a:cs typeface="Baskerville"/>
+        <a:latin typeface="Helvetica"/>
+        <a:ea typeface="Helvetica"/>
+        <a:cs typeface="Helvetica"/>
       </a:minorFont>
     </a:fontScheme>
     <a:fmtScheme name="New_Template7">
@@ -6255,11 +6529,14 @@
     <a:spDef>
       <a:spPr>
         <a:solidFill>
-          <a:schemeClr val="accent1"/>
+          <a:srgbClr val="838787"/>
         </a:solidFill>
-        <a:ln w="12700" cap="flat">
-          <a:noFill/>
-          <a:miter lim="400000"/>
+        <a:ln w="25400" cap="flat">
+          <a:solidFill>
+            <a:schemeClr val="accent1"/>
+          </a:solidFill>
+          <a:prstDash val="solid"/>
+          <a:round/>
         </a:ln>
         <a:effectLst/>
         <a:sp3d/>
@@ -6268,12 +6545,12 @@
         <a:spAutoFit/>
       </a:bodyPr>
       <a:lstStyle>
-        <a:defPPr marL="0" marR="0" indent="0" algn="ctr" defTabSz="584200" rtl="0" fontAlgn="auto" latinLnBrk="0" hangingPunct="0">
+        <a:defPPr marL="0" marR="0" indent="0" algn="l" defTabSz="584200" rtl="0" fontAlgn="auto" latinLnBrk="0" hangingPunct="0">
           <a:lnSpc>
-            <a:spcPct val="80000"/>
+            <a:spcPct val="100000"/>
           </a:lnSpc>
           <a:spcBef>
-            <a:spcPts val="0"/>
+            <a:spcPts val="2400"/>
           </a:spcBef>
           <a:spcAft>
             <a:spcPts val="0"/>
@@ -6283,18 +6560,18 @@
           <a:buFontTx/>
           <a:buNone/>
           <a:tabLst/>
-          <a:defRPr b="1" baseline="0" cap="all" i="0" spc="0" strike="noStrike" sz="2800" u="none" kumimoji="0" normalizeH="0">
+          <a:defRPr b="0" baseline="0" cap="none" i="0" spc="0" strike="noStrike" sz="2000" u="none" kumimoji="0" normalizeH="0">
             <a:ln>
               <a:noFill/>
             </a:ln>
             <a:solidFill>
-              <a:srgbClr val="FFFFFF"/>
+              <a:srgbClr val="222222"/>
             </a:solidFill>
             <a:effectLst/>
             <a:uFillTx/>
-            <a:latin typeface="+mn-lt"/>
-            <a:ea typeface="+mn-ea"/>
-            <a:cs typeface="+mn-cs"/>
+            <a:latin typeface="Baskerville"/>
+            <a:ea typeface="Baskerville"/>
+            <a:cs typeface="Baskerville"/>
             <a:sym typeface="Baskerville"/>
           </a:defRPr>
         </a:defPPr>
@@ -6548,7 +6825,7 @@
             <a:schemeClr val="accent1"/>
           </a:solidFill>
           <a:prstDash val="solid"/>
-          <a:miter lim="400000"/>
+          <a:round/>
         </a:ln>
         <a:effectLst/>
         <a:sp3d/>
@@ -6859,14 +7136,14 @@
               <a:noFill/>
             </a:ln>
             <a:solidFill>
-              <a:srgbClr val="838787"/>
+              <a:srgbClr val="222222"/>
             </a:solidFill>
             <a:effectLst/>
             <a:uFillTx/>
-            <a:latin typeface="Avenir Next Medium"/>
-            <a:ea typeface="Avenir Next Medium"/>
-            <a:cs typeface="Avenir Next Medium"/>
-            <a:sym typeface="Avenir Next Medium"/>
+            <a:latin typeface="Baskerville"/>
+            <a:ea typeface="Baskerville"/>
+            <a:cs typeface="Baskerville"/>
+            <a:sym typeface="Baskerville"/>
           </a:defRPr>
         </a:defPPr>
         <a:lvl1pPr marL="0" marR="0" indent="0" algn="l" defTabSz="914400" rtl="0" fontAlgn="auto" latinLnBrk="1" hangingPunct="0">
@@ -7126,10 +7403,10 @@
         <a:srgbClr val="FFFFFF"/>
       </a:lt1>
       <a:dk2>
-        <a:srgbClr val="222222"/>
+        <a:srgbClr val="A7A7A7"/>
       </a:dk2>
       <a:lt2>
-        <a:srgbClr val="A6AAA9"/>
+        <a:srgbClr val="535353"/>
       </a:lt2>
       <a:accent1>
         <a:srgbClr val="34A5DA"/>
@@ -7158,14 +7435,14 @@
     </a:clrScheme>
     <a:fontScheme name="New_Template7">
       <a:majorFont>
-        <a:latin typeface="Baskerville"/>
-        <a:ea typeface="Baskerville"/>
-        <a:cs typeface="Baskerville"/>
+        <a:latin typeface="Helvetica Neue"/>
+        <a:ea typeface="Helvetica Neue"/>
+        <a:cs typeface="Helvetica Neue"/>
       </a:majorFont>
       <a:minorFont>
-        <a:latin typeface="Baskerville"/>
-        <a:ea typeface="Baskerville"/>
-        <a:cs typeface="Baskerville"/>
+        <a:latin typeface="Helvetica"/>
+        <a:ea typeface="Helvetica"/>
+        <a:cs typeface="Helvetica"/>
       </a:minorFont>
     </a:fontScheme>
     <a:fmtScheme name="New_Template7">
@@ -7306,11 +7583,14 @@
     <a:spDef>
       <a:spPr>
         <a:solidFill>
-          <a:schemeClr val="accent1"/>
+          <a:srgbClr val="838787"/>
         </a:solidFill>
-        <a:ln w="12700" cap="flat">
-          <a:noFill/>
-          <a:miter lim="400000"/>
+        <a:ln w="25400" cap="flat">
+          <a:solidFill>
+            <a:schemeClr val="accent1"/>
+          </a:solidFill>
+          <a:prstDash val="solid"/>
+          <a:round/>
         </a:ln>
         <a:effectLst/>
         <a:sp3d/>
@@ -7319,12 +7599,12 @@
         <a:spAutoFit/>
       </a:bodyPr>
       <a:lstStyle>
-        <a:defPPr marL="0" marR="0" indent="0" algn="ctr" defTabSz="584200" rtl="0" fontAlgn="auto" latinLnBrk="0" hangingPunct="0">
+        <a:defPPr marL="0" marR="0" indent="0" algn="l" defTabSz="584200" rtl="0" fontAlgn="auto" latinLnBrk="0" hangingPunct="0">
           <a:lnSpc>
-            <a:spcPct val="80000"/>
+            <a:spcPct val="100000"/>
           </a:lnSpc>
           <a:spcBef>
-            <a:spcPts val="0"/>
+            <a:spcPts val="2400"/>
           </a:spcBef>
           <a:spcAft>
             <a:spcPts val="0"/>
@@ -7334,18 +7614,18 @@
           <a:buFontTx/>
           <a:buNone/>
           <a:tabLst/>
-          <a:defRPr b="1" baseline="0" cap="all" i="0" spc="0" strike="noStrike" sz="2800" u="none" kumimoji="0" normalizeH="0">
+          <a:defRPr b="0" baseline="0" cap="none" i="0" spc="0" strike="noStrike" sz="2000" u="none" kumimoji="0" normalizeH="0">
             <a:ln>
               <a:noFill/>
             </a:ln>
             <a:solidFill>
-              <a:srgbClr val="FFFFFF"/>
+              <a:srgbClr val="222222"/>
             </a:solidFill>
             <a:effectLst/>
             <a:uFillTx/>
-            <a:latin typeface="+mn-lt"/>
-            <a:ea typeface="+mn-ea"/>
-            <a:cs typeface="+mn-cs"/>
+            <a:latin typeface="Baskerville"/>
+            <a:ea typeface="Baskerville"/>
+            <a:cs typeface="Baskerville"/>
             <a:sym typeface="Baskerville"/>
           </a:defRPr>
         </a:defPPr>
@@ -7599,7 +7879,7 @@
             <a:schemeClr val="accent1"/>
           </a:solidFill>
           <a:prstDash val="solid"/>
-          <a:miter lim="400000"/>
+          <a:round/>
         </a:ln>
         <a:effectLst/>
         <a:sp3d/>
@@ -7910,14 +8190,14 @@
               <a:noFill/>
             </a:ln>
             <a:solidFill>
-              <a:srgbClr val="838787"/>
+              <a:srgbClr val="222222"/>
             </a:solidFill>
             <a:effectLst/>
             <a:uFillTx/>
-            <a:latin typeface="Avenir Next Medium"/>
-            <a:ea typeface="Avenir Next Medium"/>
-            <a:cs typeface="Avenir Next Medium"/>
-            <a:sym typeface="Avenir Next Medium"/>
+            <a:latin typeface="Baskerville"/>
+            <a:ea typeface="Baskerville"/>
+            <a:cs typeface="Baskerville"/>
+            <a:sym typeface="Baskerville"/>
           </a:defRPr>
         </a:defPPr>
         <a:lvl1pPr marL="0" marR="0" indent="0" algn="l" defTabSz="914400" rtl="0" fontAlgn="auto" latinLnBrk="1" hangingPunct="0">
